--- a/CIM/CIM.pptx
+++ b/CIM/CIM.pptx
@@ -2,7 +2,7 @@
 <file path=ppt/presentation.xml><?xml version="1.0" encoding="utf-8"?>
 <p:presentation xmlns:a="http://schemas.openxmlformats.org/drawingml/2006/main" xmlns:r="http://schemas.openxmlformats.org/officeDocument/2006/relationships" xmlns:p="http://schemas.openxmlformats.org/presentationml/2006/main" saveSubsetFonts="1">
   <p:sldMasterIdLst>
-    <p:sldMasterId id="2147483648" r:id="rId1"/>
+    <p:sldMasterId id="2147483661" r:id="rId1"/>
   </p:sldMasterIdLst>
   <p:notesMasterIdLst>
     <p:notesMasterId r:id="rId15"/>
@@ -22,13 +22,13 @@
     <p:sldId id="286" r:id="rId13"/>
     <p:sldId id="274" r:id="rId14"/>
   </p:sldIdLst>
-  <p:sldSz cx="9144000" cy="6858000" type="screen4x3"/>
+  <p:sldSz cx="12192000" cy="6858000"/>
   <p:notesSz cx="6858000" cy="9144000"/>
   <p:defaultTextStyle>
     <a:defPPr>
-      <a:defRPr lang="nl-BE"/>
+      <a:defRPr lang="en-US"/>
     </a:defPPr>
-    <a:lvl1pPr marL="0" algn="l" defTabSz="914400" rtl="0" eaLnBrk="1" latinLnBrk="0" hangingPunct="1">
+    <a:lvl1pPr marL="0" algn="l" defTabSz="457200" rtl="0" eaLnBrk="1" latinLnBrk="0" hangingPunct="1">
       <a:defRPr sz="1800" kern="1200">
         <a:solidFill>
           <a:schemeClr val="tx1"/>
@@ -38,7 +38,7 @@
         <a:cs typeface="+mn-cs"/>
       </a:defRPr>
     </a:lvl1pPr>
-    <a:lvl2pPr marL="457200" algn="l" defTabSz="914400" rtl="0" eaLnBrk="1" latinLnBrk="0" hangingPunct="1">
+    <a:lvl2pPr marL="457200" algn="l" defTabSz="457200" rtl="0" eaLnBrk="1" latinLnBrk="0" hangingPunct="1">
       <a:defRPr sz="1800" kern="1200">
         <a:solidFill>
           <a:schemeClr val="tx1"/>
@@ -48,7 +48,7 @@
         <a:cs typeface="+mn-cs"/>
       </a:defRPr>
     </a:lvl2pPr>
-    <a:lvl3pPr marL="914400" algn="l" defTabSz="914400" rtl="0" eaLnBrk="1" latinLnBrk="0" hangingPunct="1">
+    <a:lvl3pPr marL="914400" algn="l" defTabSz="457200" rtl="0" eaLnBrk="1" latinLnBrk="0" hangingPunct="1">
       <a:defRPr sz="1800" kern="1200">
         <a:solidFill>
           <a:schemeClr val="tx1"/>
@@ -58,7 +58,7 @@
         <a:cs typeface="+mn-cs"/>
       </a:defRPr>
     </a:lvl3pPr>
-    <a:lvl4pPr marL="1371600" algn="l" defTabSz="914400" rtl="0" eaLnBrk="1" latinLnBrk="0" hangingPunct="1">
+    <a:lvl4pPr marL="1371600" algn="l" defTabSz="457200" rtl="0" eaLnBrk="1" latinLnBrk="0" hangingPunct="1">
       <a:defRPr sz="1800" kern="1200">
         <a:solidFill>
           <a:schemeClr val="tx1"/>
@@ -68,7 +68,7 @@
         <a:cs typeface="+mn-cs"/>
       </a:defRPr>
     </a:lvl4pPr>
-    <a:lvl5pPr marL="1828800" algn="l" defTabSz="914400" rtl="0" eaLnBrk="1" latinLnBrk="0" hangingPunct="1">
+    <a:lvl5pPr marL="1828800" algn="l" defTabSz="457200" rtl="0" eaLnBrk="1" latinLnBrk="0" hangingPunct="1">
       <a:defRPr sz="1800" kern="1200">
         <a:solidFill>
           <a:schemeClr val="tx1"/>
@@ -78,7 +78,7 @@
         <a:cs typeface="+mn-cs"/>
       </a:defRPr>
     </a:lvl5pPr>
-    <a:lvl6pPr marL="2286000" algn="l" defTabSz="914400" rtl="0" eaLnBrk="1" latinLnBrk="0" hangingPunct="1">
+    <a:lvl6pPr marL="2286000" algn="l" defTabSz="457200" rtl="0" eaLnBrk="1" latinLnBrk="0" hangingPunct="1">
       <a:defRPr sz="1800" kern="1200">
         <a:solidFill>
           <a:schemeClr val="tx1"/>
@@ -88,7 +88,7 @@
         <a:cs typeface="+mn-cs"/>
       </a:defRPr>
     </a:lvl6pPr>
-    <a:lvl7pPr marL="2743200" algn="l" defTabSz="914400" rtl="0" eaLnBrk="1" latinLnBrk="0" hangingPunct="1">
+    <a:lvl7pPr marL="2743200" algn="l" defTabSz="457200" rtl="0" eaLnBrk="1" latinLnBrk="0" hangingPunct="1">
       <a:defRPr sz="1800" kern="1200">
         <a:solidFill>
           <a:schemeClr val="tx1"/>
@@ -98,7 +98,7 @@
         <a:cs typeface="+mn-cs"/>
       </a:defRPr>
     </a:lvl7pPr>
-    <a:lvl8pPr marL="3200400" algn="l" defTabSz="914400" rtl="0" eaLnBrk="1" latinLnBrk="0" hangingPunct="1">
+    <a:lvl8pPr marL="3200400" algn="l" defTabSz="457200" rtl="0" eaLnBrk="1" latinLnBrk="0" hangingPunct="1">
       <a:defRPr sz="1800" kern="1200">
         <a:solidFill>
           <a:schemeClr val="tx1"/>
@@ -108,7 +108,7 @@
         <a:cs typeface="+mn-cs"/>
       </a:defRPr>
     </a:lvl8pPr>
-    <a:lvl9pPr marL="3657600" algn="l" defTabSz="914400" rtl="0" eaLnBrk="1" latinLnBrk="0" hangingPunct="1">
+    <a:lvl9pPr marL="3657600" algn="l" defTabSz="457200" rtl="0" eaLnBrk="1" latinLnBrk="0" hangingPunct="1">
       <a:defRPr sz="1800" kern="1200">
         <a:solidFill>
           <a:schemeClr val="tx1"/>
@@ -125,6 +125,719 @@
     </p:ext>
   </p:extLst>
 </p:presentation>
+</file>
+
+<file path=ppt/revisionInfo.xml><?xml version="1.0" encoding="utf-8"?>
+<p1510:revInfo xmlns:a="http://schemas.openxmlformats.org/drawingml/2006/main" xmlns:r="http://schemas.openxmlformats.org/officeDocument/2006/relationships" xmlns:p1510="http://schemas.microsoft.com/office/powerpoint/2015/10/main">
+  <p1510:revLst>
+    <p1510:client id="{2924D4F7-B158-456F-BCA5-6481C7A5CC7D}" v="1" dt="2020-10-15T08:59:46.655"/>
+  </p1510:revLst>
+</p1510:revInfo>
+</file>
+
+<file path=ppt/changesInfos/changesInfo1.xml><?xml version="1.0" encoding="utf-8"?>
+<pc:chgInfo xmlns:a="http://schemas.openxmlformats.org/drawingml/2006/main" xmlns:r="http://schemas.openxmlformats.org/officeDocument/2006/relationships" xmlns:ac="http://schemas.microsoft.com/office/drawing/2013/main/command" xmlns:pc="http://schemas.microsoft.com/office/powerpoint/2013/main/command">
+  <pc:docChgLst>
+    <pc:chgData name="Jochen Mariën" userId="a4f8d9ed-3895-4365-b2d5-9432cb8a20d4" providerId="ADAL" clId="{2924D4F7-B158-456F-BCA5-6481C7A5CC7D}"/>
+    <pc:docChg chg="undo custSel modSld modMainMaster modNotesMaster">
+      <pc:chgData name="Jochen Mariën" userId="a4f8d9ed-3895-4365-b2d5-9432cb8a20d4" providerId="ADAL" clId="{2924D4F7-B158-456F-BCA5-6481C7A5CC7D}" dt="2020-10-15T09:03:47.980" v="62" actId="20577"/>
+      <pc:docMkLst>
+        <pc:docMk/>
+      </pc:docMkLst>
+      <pc:sldChg chg="modSp modNotes">
+        <pc:chgData name="Jochen Mariën" userId="a4f8d9ed-3895-4365-b2d5-9432cb8a20d4" providerId="ADAL" clId="{2924D4F7-B158-456F-BCA5-6481C7A5CC7D}" dt="2020-10-15T08:59:46.654" v="0"/>
+        <pc:sldMkLst>
+          <pc:docMk/>
+          <pc:sldMk cId="2486912699" sldId="257"/>
+        </pc:sldMkLst>
+        <pc:spChg chg="mod">
+          <ac:chgData name="Jochen Mariën" userId="a4f8d9ed-3895-4365-b2d5-9432cb8a20d4" providerId="ADAL" clId="{2924D4F7-B158-456F-BCA5-6481C7A5CC7D}" dt="2020-10-15T08:59:46.654" v="0"/>
+          <ac:spMkLst>
+            <pc:docMk/>
+            <pc:sldMk cId="2486912699" sldId="257"/>
+            <ac:spMk id="5" creationId="{00000000-0000-0000-0000-000000000000}"/>
+          </ac:spMkLst>
+        </pc:spChg>
+        <pc:spChg chg="mod">
+          <ac:chgData name="Jochen Mariën" userId="a4f8d9ed-3895-4365-b2d5-9432cb8a20d4" providerId="ADAL" clId="{2924D4F7-B158-456F-BCA5-6481C7A5CC7D}" dt="2020-10-15T08:59:46.654" v="0"/>
+          <ac:spMkLst>
+            <pc:docMk/>
+            <pc:sldMk cId="2486912699" sldId="257"/>
+            <ac:spMk id="6" creationId="{00000000-0000-0000-0000-000000000000}"/>
+          </ac:spMkLst>
+        </pc:spChg>
+        <pc:spChg chg="mod">
+          <ac:chgData name="Jochen Mariën" userId="a4f8d9ed-3895-4365-b2d5-9432cb8a20d4" providerId="ADAL" clId="{2924D4F7-B158-456F-BCA5-6481C7A5CC7D}" dt="2020-10-15T08:59:46.654" v="0"/>
+          <ac:spMkLst>
+            <pc:docMk/>
+            <pc:sldMk cId="2486912699" sldId="257"/>
+            <ac:spMk id="4098" creationId="{00000000-0000-0000-0000-000000000000}"/>
+          </ac:spMkLst>
+        </pc:spChg>
+        <pc:spChg chg="mod">
+          <ac:chgData name="Jochen Mariën" userId="a4f8d9ed-3895-4365-b2d5-9432cb8a20d4" providerId="ADAL" clId="{2924D4F7-B158-456F-BCA5-6481C7A5CC7D}" dt="2020-10-15T08:59:46.654" v="0"/>
+          <ac:spMkLst>
+            <pc:docMk/>
+            <pc:sldMk cId="2486912699" sldId="257"/>
+            <ac:spMk id="4099" creationId="{00000000-0000-0000-0000-000000000000}"/>
+          </ac:spMkLst>
+        </pc:spChg>
+        <pc:picChg chg="mod">
+          <ac:chgData name="Jochen Mariën" userId="a4f8d9ed-3895-4365-b2d5-9432cb8a20d4" providerId="ADAL" clId="{2924D4F7-B158-456F-BCA5-6481C7A5CC7D}" dt="2020-10-15T08:59:46.654" v="0"/>
+          <ac:picMkLst>
+            <pc:docMk/>
+            <pc:sldMk cId="2486912699" sldId="257"/>
+            <ac:picMk id="7" creationId="{00000000-0000-0000-0000-000000000000}"/>
+          </ac:picMkLst>
+        </pc:picChg>
+      </pc:sldChg>
+      <pc:sldChg chg="modSp">
+        <pc:chgData name="Jochen Mariën" userId="a4f8d9ed-3895-4365-b2d5-9432cb8a20d4" providerId="ADAL" clId="{2924D4F7-B158-456F-BCA5-6481C7A5CC7D}" dt="2020-10-15T08:59:46.654" v="0"/>
+        <pc:sldMkLst>
+          <pc:docMk/>
+          <pc:sldMk cId="1918884083" sldId="274"/>
+        </pc:sldMkLst>
+        <pc:picChg chg="mod">
+          <ac:chgData name="Jochen Mariën" userId="a4f8d9ed-3895-4365-b2d5-9432cb8a20d4" providerId="ADAL" clId="{2924D4F7-B158-456F-BCA5-6481C7A5CC7D}" dt="2020-10-15T08:59:46.654" v="0"/>
+          <ac:picMkLst>
+            <pc:docMk/>
+            <pc:sldMk cId="1918884083" sldId="274"/>
+            <ac:picMk id="2052" creationId="{00000000-0000-0000-0000-000000000000}"/>
+          </ac:picMkLst>
+        </pc:picChg>
+      </pc:sldChg>
+      <pc:sldChg chg="modSp">
+        <pc:chgData name="Jochen Mariën" userId="a4f8d9ed-3895-4365-b2d5-9432cb8a20d4" providerId="ADAL" clId="{2924D4F7-B158-456F-BCA5-6481C7A5CC7D}" dt="2020-10-15T08:59:46.654" v="0"/>
+        <pc:sldMkLst>
+          <pc:docMk/>
+          <pc:sldMk cId="2568835752" sldId="275"/>
+        </pc:sldMkLst>
+        <pc:spChg chg="mod">
+          <ac:chgData name="Jochen Mariën" userId="a4f8d9ed-3895-4365-b2d5-9432cb8a20d4" providerId="ADAL" clId="{2924D4F7-B158-456F-BCA5-6481C7A5CC7D}" dt="2020-10-15T08:59:46.654" v="0"/>
+          <ac:spMkLst>
+            <pc:docMk/>
+            <pc:sldMk cId="2568835752" sldId="275"/>
+            <ac:spMk id="2" creationId="{00000000-0000-0000-0000-000000000000}"/>
+          </ac:spMkLst>
+        </pc:spChg>
+        <pc:spChg chg="mod">
+          <ac:chgData name="Jochen Mariën" userId="a4f8d9ed-3895-4365-b2d5-9432cb8a20d4" providerId="ADAL" clId="{2924D4F7-B158-456F-BCA5-6481C7A5CC7D}" dt="2020-10-15T08:59:46.654" v="0"/>
+          <ac:spMkLst>
+            <pc:docMk/>
+            <pc:sldMk cId="2568835752" sldId="275"/>
+            <ac:spMk id="3" creationId="{00000000-0000-0000-0000-000000000000}"/>
+          </ac:spMkLst>
+        </pc:spChg>
+      </pc:sldChg>
+      <pc:sldChg chg="modSp mod">
+        <pc:chgData name="Jochen Mariën" userId="a4f8d9ed-3895-4365-b2d5-9432cb8a20d4" providerId="ADAL" clId="{2924D4F7-B158-456F-BCA5-6481C7A5CC7D}" dt="2020-10-15T08:59:46.861" v="1" actId="27636"/>
+        <pc:sldMkLst>
+          <pc:docMk/>
+          <pc:sldMk cId="2121023909" sldId="276"/>
+        </pc:sldMkLst>
+        <pc:spChg chg="mod">
+          <ac:chgData name="Jochen Mariën" userId="a4f8d9ed-3895-4365-b2d5-9432cb8a20d4" providerId="ADAL" clId="{2924D4F7-B158-456F-BCA5-6481C7A5CC7D}" dt="2020-10-15T08:59:46.654" v="0"/>
+          <ac:spMkLst>
+            <pc:docMk/>
+            <pc:sldMk cId="2121023909" sldId="276"/>
+            <ac:spMk id="2" creationId="{00000000-0000-0000-0000-000000000000}"/>
+          </ac:spMkLst>
+        </pc:spChg>
+        <pc:spChg chg="mod">
+          <ac:chgData name="Jochen Mariën" userId="a4f8d9ed-3895-4365-b2d5-9432cb8a20d4" providerId="ADAL" clId="{2924D4F7-B158-456F-BCA5-6481C7A5CC7D}" dt="2020-10-15T08:59:46.861" v="1" actId="27636"/>
+          <ac:spMkLst>
+            <pc:docMk/>
+            <pc:sldMk cId="2121023909" sldId="276"/>
+            <ac:spMk id="3" creationId="{00000000-0000-0000-0000-000000000000}"/>
+          </ac:spMkLst>
+        </pc:spChg>
+      </pc:sldChg>
+      <pc:sldChg chg="modSp">
+        <pc:chgData name="Jochen Mariën" userId="a4f8d9ed-3895-4365-b2d5-9432cb8a20d4" providerId="ADAL" clId="{2924D4F7-B158-456F-BCA5-6481C7A5CC7D}" dt="2020-10-15T08:59:46.654" v="0"/>
+        <pc:sldMkLst>
+          <pc:docMk/>
+          <pc:sldMk cId="429705825" sldId="277"/>
+        </pc:sldMkLst>
+        <pc:picChg chg="mod">
+          <ac:chgData name="Jochen Mariën" userId="a4f8d9ed-3895-4365-b2d5-9432cb8a20d4" providerId="ADAL" clId="{2924D4F7-B158-456F-BCA5-6481C7A5CC7D}" dt="2020-10-15T08:59:46.654" v="0"/>
+          <ac:picMkLst>
+            <pc:docMk/>
+            <pc:sldMk cId="429705825" sldId="277"/>
+            <ac:picMk id="4" creationId="{00000000-0000-0000-0000-000000000000}"/>
+          </ac:picMkLst>
+        </pc:picChg>
+      </pc:sldChg>
+      <pc:sldChg chg="addSp modSp mod">
+        <pc:chgData name="Jochen Mariën" userId="a4f8d9ed-3895-4365-b2d5-9432cb8a20d4" providerId="ADAL" clId="{2924D4F7-B158-456F-BCA5-6481C7A5CC7D}" dt="2020-10-15T09:01:57.818" v="17" actId="1076"/>
+        <pc:sldMkLst>
+          <pc:docMk/>
+          <pc:sldMk cId="2458509813" sldId="279"/>
+        </pc:sldMkLst>
+        <pc:spChg chg="mod">
+          <ac:chgData name="Jochen Mariën" userId="a4f8d9ed-3895-4365-b2d5-9432cb8a20d4" providerId="ADAL" clId="{2924D4F7-B158-456F-BCA5-6481C7A5CC7D}" dt="2020-10-15T08:59:46.654" v="0"/>
+          <ac:spMkLst>
+            <pc:docMk/>
+            <pc:sldMk cId="2458509813" sldId="279"/>
+            <ac:spMk id="2" creationId="{00000000-0000-0000-0000-000000000000}"/>
+          </ac:spMkLst>
+        </pc:spChg>
+        <pc:spChg chg="mod">
+          <ac:chgData name="Jochen Mariën" userId="a4f8d9ed-3895-4365-b2d5-9432cb8a20d4" providerId="ADAL" clId="{2924D4F7-B158-456F-BCA5-6481C7A5CC7D}" dt="2020-10-15T09:01:40.572" v="6" actId="20577"/>
+          <ac:spMkLst>
+            <pc:docMk/>
+            <pc:sldMk cId="2458509813" sldId="279"/>
+            <ac:spMk id="3" creationId="{00000000-0000-0000-0000-000000000000}"/>
+          </ac:spMkLst>
+        </pc:spChg>
+        <pc:spChg chg="add mod">
+          <ac:chgData name="Jochen Mariën" userId="a4f8d9ed-3895-4365-b2d5-9432cb8a20d4" providerId="ADAL" clId="{2924D4F7-B158-456F-BCA5-6481C7A5CC7D}" dt="2020-10-15T09:01:57.818" v="17" actId="1076"/>
+          <ac:spMkLst>
+            <pc:docMk/>
+            <pc:sldMk cId="2458509813" sldId="279"/>
+            <ac:spMk id="5" creationId="{E569BAAC-7699-4712-A4D0-62F37532637D}"/>
+          </ac:spMkLst>
+        </pc:spChg>
+      </pc:sldChg>
+      <pc:sldChg chg="addSp modSp mod">
+        <pc:chgData name="Jochen Mariën" userId="a4f8d9ed-3895-4365-b2d5-9432cb8a20d4" providerId="ADAL" clId="{2924D4F7-B158-456F-BCA5-6481C7A5CC7D}" dt="2020-10-15T09:02:34.751" v="31" actId="20577"/>
+        <pc:sldMkLst>
+          <pc:docMk/>
+          <pc:sldMk cId="240509184" sldId="280"/>
+        </pc:sldMkLst>
+        <pc:spChg chg="mod">
+          <ac:chgData name="Jochen Mariën" userId="a4f8d9ed-3895-4365-b2d5-9432cb8a20d4" providerId="ADAL" clId="{2924D4F7-B158-456F-BCA5-6481C7A5CC7D}" dt="2020-10-15T08:59:46.654" v="0"/>
+          <ac:spMkLst>
+            <pc:docMk/>
+            <pc:sldMk cId="240509184" sldId="280"/>
+            <ac:spMk id="2" creationId="{00000000-0000-0000-0000-000000000000}"/>
+          </ac:spMkLst>
+        </pc:spChg>
+        <pc:spChg chg="mod">
+          <ac:chgData name="Jochen Mariën" userId="a4f8d9ed-3895-4365-b2d5-9432cb8a20d4" providerId="ADAL" clId="{2924D4F7-B158-456F-BCA5-6481C7A5CC7D}" dt="2020-10-15T09:02:23.049" v="23" actId="20577"/>
+          <ac:spMkLst>
+            <pc:docMk/>
+            <pc:sldMk cId="240509184" sldId="280"/>
+            <ac:spMk id="3" creationId="{00000000-0000-0000-0000-000000000000}"/>
+          </ac:spMkLst>
+        </pc:spChg>
+        <pc:spChg chg="add mod">
+          <ac:chgData name="Jochen Mariën" userId="a4f8d9ed-3895-4365-b2d5-9432cb8a20d4" providerId="ADAL" clId="{2924D4F7-B158-456F-BCA5-6481C7A5CC7D}" dt="2020-10-15T09:02:34.751" v="31" actId="20577"/>
+          <ac:spMkLst>
+            <pc:docMk/>
+            <pc:sldMk cId="240509184" sldId="280"/>
+            <ac:spMk id="5" creationId="{B6B883E3-6720-425D-B22D-357E5CEABFB7}"/>
+          </ac:spMkLst>
+        </pc:spChg>
+      </pc:sldChg>
+      <pc:sldChg chg="modSp">
+        <pc:chgData name="Jochen Mariën" userId="a4f8d9ed-3895-4365-b2d5-9432cb8a20d4" providerId="ADAL" clId="{2924D4F7-B158-456F-BCA5-6481C7A5CC7D}" dt="2020-10-15T08:59:46.654" v="0"/>
+        <pc:sldMkLst>
+          <pc:docMk/>
+          <pc:sldMk cId="3330120332" sldId="281"/>
+        </pc:sldMkLst>
+        <pc:spChg chg="mod">
+          <ac:chgData name="Jochen Mariën" userId="a4f8d9ed-3895-4365-b2d5-9432cb8a20d4" providerId="ADAL" clId="{2924D4F7-B158-456F-BCA5-6481C7A5CC7D}" dt="2020-10-15T08:59:46.654" v="0"/>
+          <ac:spMkLst>
+            <pc:docMk/>
+            <pc:sldMk cId="3330120332" sldId="281"/>
+            <ac:spMk id="2" creationId="{00000000-0000-0000-0000-000000000000}"/>
+          </ac:spMkLst>
+        </pc:spChg>
+        <pc:spChg chg="mod">
+          <ac:chgData name="Jochen Mariën" userId="a4f8d9ed-3895-4365-b2d5-9432cb8a20d4" providerId="ADAL" clId="{2924D4F7-B158-456F-BCA5-6481C7A5CC7D}" dt="2020-10-15T08:59:46.654" v="0"/>
+          <ac:spMkLst>
+            <pc:docMk/>
+            <pc:sldMk cId="3330120332" sldId="281"/>
+            <ac:spMk id="3" creationId="{00000000-0000-0000-0000-000000000000}"/>
+          </ac:spMkLst>
+        </pc:spChg>
+      </pc:sldChg>
+      <pc:sldChg chg="modSp">
+        <pc:chgData name="Jochen Mariën" userId="a4f8d9ed-3895-4365-b2d5-9432cb8a20d4" providerId="ADAL" clId="{2924D4F7-B158-456F-BCA5-6481C7A5CC7D}" dt="2020-10-15T08:59:46.654" v="0"/>
+        <pc:sldMkLst>
+          <pc:docMk/>
+          <pc:sldMk cId="3984896095" sldId="282"/>
+        </pc:sldMkLst>
+        <pc:spChg chg="mod">
+          <ac:chgData name="Jochen Mariën" userId="a4f8d9ed-3895-4365-b2d5-9432cb8a20d4" providerId="ADAL" clId="{2924D4F7-B158-456F-BCA5-6481C7A5CC7D}" dt="2020-10-15T08:59:46.654" v="0"/>
+          <ac:spMkLst>
+            <pc:docMk/>
+            <pc:sldMk cId="3984896095" sldId="282"/>
+            <ac:spMk id="2" creationId="{00000000-0000-0000-0000-000000000000}"/>
+          </ac:spMkLst>
+        </pc:spChg>
+        <pc:spChg chg="mod">
+          <ac:chgData name="Jochen Mariën" userId="a4f8d9ed-3895-4365-b2d5-9432cb8a20d4" providerId="ADAL" clId="{2924D4F7-B158-456F-BCA5-6481C7A5CC7D}" dt="2020-10-15T08:59:46.654" v="0"/>
+          <ac:spMkLst>
+            <pc:docMk/>
+            <pc:sldMk cId="3984896095" sldId="282"/>
+            <ac:spMk id="3" creationId="{00000000-0000-0000-0000-000000000000}"/>
+          </ac:spMkLst>
+        </pc:spChg>
+      </pc:sldChg>
+      <pc:sldChg chg="modSp">
+        <pc:chgData name="Jochen Mariën" userId="a4f8d9ed-3895-4365-b2d5-9432cb8a20d4" providerId="ADAL" clId="{2924D4F7-B158-456F-BCA5-6481C7A5CC7D}" dt="2020-10-15T08:59:46.654" v="0"/>
+        <pc:sldMkLst>
+          <pc:docMk/>
+          <pc:sldMk cId="4177023417" sldId="283"/>
+        </pc:sldMkLst>
+        <pc:spChg chg="mod">
+          <ac:chgData name="Jochen Mariën" userId="a4f8d9ed-3895-4365-b2d5-9432cb8a20d4" providerId="ADAL" clId="{2924D4F7-B158-456F-BCA5-6481C7A5CC7D}" dt="2020-10-15T08:59:46.654" v="0"/>
+          <ac:spMkLst>
+            <pc:docMk/>
+            <pc:sldMk cId="4177023417" sldId="283"/>
+            <ac:spMk id="2" creationId="{00000000-0000-0000-0000-000000000000}"/>
+          </ac:spMkLst>
+        </pc:spChg>
+        <pc:graphicFrameChg chg="mod">
+          <ac:chgData name="Jochen Mariën" userId="a4f8d9ed-3895-4365-b2d5-9432cb8a20d4" providerId="ADAL" clId="{2924D4F7-B158-456F-BCA5-6481C7A5CC7D}" dt="2020-10-15T08:59:46.654" v="0"/>
+          <ac:graphicFrameMkLst>
+            <pc:docMk/>
+            <pc:sldMk cId="4177023417" sldId="283"/>
+            <ac:graphicFrameMk id="4" creationId="{00000000-0000-0000-0000-000000000000}"/>
+          </ac:graphicFrameMkLst>
+        </pc:graphicFrameChg>
+      </pc:sldChg>
+      <pc:sldChg chg="addSp modSp mod">
+        <pc:chgData name="Jochen Mariën" userId="a4f8d9ed-3895-4365-b2d5-9432cb8a20d4" providerId="ADAL" clId="{2924D4F7-B158-456F-BCA5-6481C7A5CC7D}" dt="2020-10-15T09:03:47.980" v="62" actId="20577"/>
+        <pc:sldMkLst>
+          <pc:docMk/>
+          <pc:sldMk cId="4214010423" sldId="284"/>
+        </pc:sldMkLst>
+        <pc:spChg chg="mod">
+          <ac:chgData name="Jochen Mariën" userId="a4f8d9ed-3895-4365-b2d5-9432cb8a20d4" providerId="ADAL" clId="{2924D4F7-B158-456F-BCA5-6481C7A5CC7D}" dt="2020-10-15T08:59:46.654" v="0"/>
+          <ac:spMkLst>
+            <pc:docMk/>
+            <pc:sldMk cId="4214010423" sldId="284"/>
+            <ac:spMk id="2" creationId="{00000000-0000-0000-0000-000000000000}"/>
+          </ac:spMkLst>
+        </pc:spChg>
+        <pc:spChg chg="mod">
+          <ac:chgData name="Jochen Mariën" userId="a4f8d9ed-3895-4365-b2d5-9432cb8a20d4" providerId="ADAL" clId="{2924D4F7-B158-456F-BCA5-6481C7A5CC7D}" dt="2020-10-15T09:03:35.624" v="47" actId="20577"/>
+          <ac:spMkLst>
+            <pc:docMk/>
+            <pc:sldMk cId="4214010423" sldId="284"/>
+            <ac:spMk id="3" creationId="{00000000-0000-0000-0000-000000000000}"/>
+          </ac:spMkLst>
+        </pc:spChg>
+        <pc:spChg chg="add mod">
+          <ac:chgData name="Jochen Mariën" userId="a4f8d9ed-3895-4365-b2d5-9432cb8a20d4" providerId="ADAL" clId="{2924D4F7-B158-456F-BCA5-6481C7A5CC7D}" dt="2020-10-15T09:03:05.274" v="37" actId="14100"/>
+          <ac:spMkLst>
+            <pc:docMk/>
+            <pc:sldMk cId="4214010423" sldId="284"/>
+            <ac:spMk id="7" creationId="{CD2C896B-CC8B-4C0A-82A2-79E15C990F7C}"/>
+          </ac:spMkLst>
+        </pc:spChg>
+        <pc:spChg chg="add mod">
+          <ac:chgData name="Jochen Mariën" userId="a4f8d9ed-3895-4365-b2d5-9432cb8a20d4" providerId="ADAL" clId="{2924D4F7-B158-456F-BCA5-6481C7A5CC7D}" dt="2020-10-15T09:03:47.980" v="62" actId="20577"/>
+          <ac:spMkLst>
+            <pc:docMk/>
+            <pc:sldMk cId="4214010423" sldId="284"/>
+            <ac:spMk id="9" creationId="{90BF6E1D-4A5A-44B8-82EB-CF61123D40D7}"/>
+          </ac:spMkLst>
+        </pc:spChg>
+        <pc:picChg chg="mod">
+          <ac:chgData name="Jochen Mariën" userId="a4f8d9ed-3895-4365-b2d5-9432cb8a20d4" providerId="ADAL" clId="{2924D4F7-B158-456F-BCA5-6481C7A5CC7D}" dt="2020-10-15T09:02:46.338" v="32" actId="1076"/>
+          <ac:picMkLst>
+            <pc:docMk/>
+            <pc:sldMk cId="4214010423" sldId="284"/>
+            <ac:picMk id="4" creationId="{00000000-0000-0000-0000-000000000000}"/>
+          </ac:picMkLst>
+        </pc:picChg>
+        <pc:picChg chg="mod">
+          <ac:chgData name="Jochen Mariën" userId="a4f8d9ed-3895-4365-b2d5-9432cb8a20d4" providerId="ADAL" clId="{2924D4F7-B158-456F-BCA5-6481C7A5CC7D}" dt="2020-10-15T09:02:48.617" v="33" actId="1076"/>
+          <ac:picMkLst>
+            <pc:docMk/>
+            <pc:sldMk cId="4214010423" sldId="284"/>
+            <ac:picMk id="5" creationId="{00000000-0000-0000-0000-000000000000}"/>
+          </ac:picMkLst>
+        </pc:picChg>
+      </pc:sldChg>
+      <pc:sldChg chg="modSp">
+        <pc:chgData name="Jochen Mariën" userId="a4f8d9ed-3895-4365-b2d5-9432cb8a20d4" providerId="ADAL" clId="{2924D4F7-B158-456F-BCA5-6481C7A5CC7D}" dt="2020-10-15T08:59:46.654" v="0"/>
+        <pc:sldMkLst>
+          <pc:docMk/>
+          <pc:sldMk cId="3370865362" sldId="285"/>
+        </pc:sldMkLst>
+        <pc:spChg chg="mod">
+          <ac:chgData name="Jochen Mariën" userId="a4f8d9ed-3895-4365-b2d5-9432cb8a20d4" providerId="ADAL" clId="{2924D4F7-B158-456F-BCA5-6481C7A5CC7D}" dt="2020-10-15T08:59:46.654" v="0"/>
+          <ac:spMkLst>
+            <pc:docMk/>
+            <pc:sldMk cId="3370865362" sldId="285"/>
+            <ac:spMk id="2" creationId="{00000000-0000-0000-0000-000000000000}"/>
+          </ac:spMkLst>
+        </pc:spChg>
+        <pc:spChg chg="mod">
+          <ac:chgData name="Jochen Mariën" userId="a4f8d9ed-3895-4365-b2d5-9432cb8a20d4" providerId="ADAL" clId="{2924D4F7-B158-456F-BCA5-6481C7A5CC7D}" dt="2020-10-15T08:59:46.654" v="0"/>
+          <ac:spMkLst>
+            <pc:docMk/>
+            <pc:sldMk cId="3370865362" sldId="285"/>
+            <ac:spMk id="3" creationId="{00000000-0000-0000-0000-000000000000}"/>
+          </ac:spMkLst>
+        </pc:spChg>
+      </pc:sldChg>
+      <pc:sldChg chg="modSp mod">
+        <pc:chgData name="Jochen Mariën" userId="a4f8d9ed-3895-4365-b2d5-9432cb8a20d4" providerId="ADAL" clId="{2924D4F7-B158-456F-BCA5-6481C7A5CC7D}" dt="2020-10-15T08:59:46.909" v="3" actId="27636"/>
+        <pc:sldMkLst>
+          <pc:docMk/>
+          <pc:sldMk cId="2859036183" sldId="286"/>
+        </pc:sldMkLst>
+        <pc:spChg chg="mod">
+          <ac:chgData name="Jochen Mariën" userId="a4f8d9ed-3895-4365-b2d5-9432cb8a20d4" providerId="ADAL" clId="{2924D4F7-B158-456F-BCA5-6481C7A5CC7D}" dt="2020-10-15T08:59:46.654" v="0"/>
+          <ac:spMkLst>
+            <pc:docMk/>
+            <pc:sldMk cId="2859036183" sldId="286"/>
+            <ac:spMk id="2" creationId="{00000000-0000-0000-0000-000000000000}"/>
+          </ac:spMkLst>
+        </pc:spChg>
+        <pc:spChg chg="mod">
+          <ac:chgData name="Jochen Mariën" userId="a4f8d9ed-3895-4365-b2d5-9432cb8a20d4" providerId="ADAL" clId="{2924D4F7-B158-456F-BCA5-6481C7A5CC7D}" dt="2020-10-15T08:59:46.909" v="3" actId="27636"/>
+          <ac:spMkLst>
+            <pc:docMk/>
+            <pc:sldMk cId="2859036183" sldId="286"/>
+            <ac:spMk id="3" creationId="{00000000-0000-0000-0000-000000000000}"/>
+          </ac:spMkLst>
+        </pc:spChg>
+      </pc:sldChg>
+      <pc:sldMasterChg chg="modSp modSldLayout">
+        <pc:chgData name="Jochen Mariën" userId="a4f8d9ed-3895-4365-b2d5-9432cb8a20d4" providerId="ADAL" clId="{2924D4F7-B158-456F-BCA5-6481C7A5CC7D}" dt="2020-10-15T08:59:46.654" v="0"/>
+        <pc:sldMasterMkLst>
+          <pc:docMk/>
+          <pc:sldMasterMk cId="1643627598" sldId="2147483648"/>
+        </pc:sldMasterMkLst>
+        <pc:spChg chg="mod">
+          <ac:chgData name="Jochen Mariën" userId="a4f8d9ed-3895-4365-b2d5-9432cb8a20d4" providerId="ADAL" clId="{2924D4F7-B158-456F-BCA5-6481C7A5CC7D}" dt="2020-10-15T08:59:46.654" v="0"/>
+          <ac:spMkLst>
+            <pc:docMk/>
+            <pc:sldMasterMk cId="1643627598" sldId="2147483648"/>
+            <ac:spMk id="2" creationId="{00000000-0000-0000-0000-000000000000}"/>
+          </ac:spMkLst>
+        </pc:spChg>
+        <pc:spChg chg="mod">
+          <ac:chgData name="Jochen Mariën" userId="a4f8d9ed-3895-4365-b2d5-9432cb8a20d4" providerId="ADAL" clId="{2924D4F7-B158-456F-BCA5-6481C7A5CC7D}" dt="2020-10-15T08:59:46.654" v="0"/>
+          <ac:spMkLst>
+            <pc:docMk/>
+            <pc:sldMasterMk cId="1643627598" sldId="2147483648"/>
+            <ac:spMk id="3" creationId="{00000000-0000-0000-0000-000000000000}"/>
+          </ac:spMkLst>
+        </pc:spChg>
+        <pc:spChg chg="mod">
+          <ac:chgData name="Jochen Mariën" userId="a4f8d9ed-3895-4365-b2d5-9432cb8a20d4" providerId="ADAL" clId="{2924D4F7-B158-456F-BCA5-6481C7A5CC7D}" dt="2020-10-15T08:59:46.654" v="0"/>
+          <ac:spMkLst>
+            <pc:docMk/>
+            <pc:sldMasterMk cId="1643627598" sldId="2147483648"/>
+            <ac:spMk id="4" creationId="{00000000-0000-0000-0000-000000000000}"/>
+          </ac:spMkLst>
+        </pc:spChg>
+        <pc:spChg chg="mod">
+          <ac:chgData name="Jochen Mariën" userId="a4f8d9ed-3895-4365-b2d5-9432cb8a20d4" providerId="ADAL" clId="{2924D4F7-B158-456F-BCA5-6481C7A5CC7D}" dt="2020-10-15T08:59:46.654" v="0"/>
+          <ac:spMkLst>
+            <pc:docMk/>
+            <pc:sldMasterMk cId="1643627598" sldId="2147483648"/>
+            <ac:spMk id="5" creationId="{00000000-0000-0000-0000-000000000000}"/>
+          </ac:spMkLst>
+        </pc:spChg>
+        <pc:spChg chg="mod">
+          <ac:chgData name="Jochen Mariën" userId="a4f8d9ed-3895-4365-b2d5-9432cb8a20d4" providerId="ADAL" clId="{2924D4F7-B158-456F-BCA5-6481C7A5CC7D}" dt="2020-10-15T08:59:46.654" v="0"/>
+          <ac:spMkLst>
+            <pc:docMk/>
+            <pc:sldMasterMk cId="1643627598" sldId="2147483648"/>
+            <ac:spMk id="6" creationId="{00000000-0000-0000-0000-000000000000}"/>
+          </ac:spMkLst>
+        </pc:spChg>
+        <pc:sldLayoutChg chg="modSp">
+          <pc:chgData name="Jochen Mariën" userId="a4f8d9ed-3895-4365-b2d5-9432cb8a20d4" providerId="ADAL" clId="{2924D4F7-B158-456F-BCA5-6481C7A5CC7D}" dt="2020-10-15T08:59:46.654" v="0"/>
+          <pc:sldLayoutMkLst>
+            <pc:docMk/>
+            <pc:sldMasterMk cId="1643627598" sldId="2147483648"/>
+            <pc:sldLayoutMk cId="2746777801" sldId="2147483649"/>
+          </pc:sldLayoutMkLst>
+          <pc:spChg chg="mod">
+            <ac:chgData name="Jochen Mariën" userId="a4f8d9ed-3895-4365-b2d5-9432cb8a20d4" providerId="ADAL" clId="{2924D4F7-B158-456F-BCA5-6481C7A5CC7D}" dt="2020-10-15T08:59:46.654" v="0"/>
+            <ac:spMkLst>
+              <pc:docMk/>
+              <pc:sldMasterMk cId="1643627598" sldId="2147483648"/>
+              <pc:sldLayoutMk cId="2746777801" sldId="2147483649"/>
+              <ac:spMk id="2" creationId="{00000000-0000-0000-0000-000000000000}"/>
+            </ac:spMkLst>
+          </pc:spChg>
+          <pc:spChg chg="mod">
+            <ac:chgData name="Jochen Mariën" userId="a4f8d9ed-3895-4365-b2d5-9432cb8a20d4" providerId="ADAL" clId="{2924D4F7-B158-456F-BCA5-6481C7A5CC7D}" dt="2020-10-15T08:59:46.654" v="0"/>
+            <ac:spMkLst>
+              <pc:docMk/>
+              <pc:sldMasterMk cId="1643627598" sldId="2147483648"/>
+              <pc:sldLayoutMk cId="2746777801" sldId="2147483649"/>
+              <ac:spMk id="3" creationId="{00000000-0000-0000-0000-000000000000}"/>
+            </ac:spMkLst>
+          </pc:spChg>
+        </pc:sldLayoutChg>
+        <pc:sldLayoutChg chg="modSp">
+          <pc:chgData name="Jochen Mariën" userId="a4f8d9ed-3895-4365-b2d5-9432cb8a20d4" providerId="ADAL" clId="{2924D4F7-B158-456F-BCA5-6481C7A5CC7D}" dt="2020-10-15T08:59:46.654" v="0"/>
+          <pc:sldLayoutMkLst>
+            <pc:docMk/>
+            <pc:sldMasterMk cId="1643627598" sldId="2147483648"/>
+            <pc:sldLayoutMk cId="1940275704" sldId="2147483651"/>
+          </pc:sldLayoutMkLst>
+          <pc:spChg chg="mod">
+            <ac:chgData name="Jochen Mariën" userId="a4f8d9ed-3895-4365-b2d5-9432cb8a20d4" providerId="ADAL" clId="{2924D4F7-B158-456F-BCA5-6481C7A5CC7D}" dt="2020-10-15T08:59:46.654" v="0"/>
+            <ac:spMkLst>
+              <pc:docMk/>
+              <pc:sldMasterMk cId="1643627598" sldId="2147483648"/>
+              <pc:sldLayoutMk cId="1940275704" sldId="2147483651"/>
+              <ac:spMk id="2" creationId="{00000000-0000-0000-0000-000000000000}"/>
+            </ac:spMkLst>
+          </pc:spChg>
+          <pc:spChg chg="mod">
+            <ac:chgData name="Jochen Mariën" userId="a4f8d9ed-3895-4365-b2d5-9432cb8a20d4" providerId="ADAL" clId="{2924D4F7-B158-456F-BCA5-6481C7A5CC7D}" dt="2020-10-15T08:59:46.654" v="0"/>
+            <ac:spMkLst>
+              <pc:docMk/>
+              <pc:sldMasterMk cId="1643627598" sldId="2147483648"/>
+              <pc:sldLayoutMk cId="1940275704" sldId="2147483651"/>
+              <ac:spMk id="3" creationId="{00000000-0000-0000-0000-000000000000}"/>
+            </ac:spMkLst>
+          </pc:spChg>
+        </pc:sldLayoutChg>
+        <pc:sldLayoutChg chg="modSp">
+          <pc:chgData name="Jochen Mariën" userId="a4f8d9ed-3895-4365-b2d5-9432cb8a20d4" providerId="ADAL" clId="{2924D4F7-B158-456F-BCA5-6481C7A5CC7D}" dt="2020-10-15T08:59:46.654" v="0"/>
+          <pc:sldLayoutMkLst>
+            <pc:docMk/>
+            <pc:sldMasterMk cId="1643627598" sldId="2147483648"/>
+            <pc:sldLayoutMk cId="3093619845" sldId="2147483652"/>
+          </pc:sldLayoutMkLst>
+          <pc:spChg chg="mod">
+            <ac:chgData name="Jochen Mariën" userId="a4f8d9ed-3895-4365-b2d5-9432cb8a20d4" providerId="ADAL" clId="{2924D4F7-B158-456F-BCA5-6481C7A5CC7D}" dt="2020-10-15T08:59:46.654" v="0"/>
+            <ac:spMkLst>
+              <pc:docMk/>
+              <pc:sldMasterMk cId="1643627598" sldId="2147483648"/>
+              <pc:sldLayoutMk cId="3093619845" sldId="2147483652"/>
+              <ac:spMk id="3" creationId="{00000000-0000-0000-0000-000000000000}"/>
+            </ac:spMkLst>
+          </pc:spChg>
+          <pc:spChg chg="mod">
+            <ac:chgData name="Jochen Mariën" userId="a4f8d9ed-3895-4365-b2d5-9432cb8a20d4" providerId="ADAL" clId="{2924D4F7-B158-456F-BCA5-6481C7A5CC7D}" dt="2020-10-15T08:59:46.654" v="0"/>
+            <ac:spMkLst>
+              <pc:docMk/>
+              <pc:sldMasterMk cId="1643627598" sldId="2147483648"/>
+              <pc:sldLayoutMk cId="3093619845" sldId="2147483652"/>
+              <ac:spMk id="4" creationId="{00000000-0000-0000-0000-000000000000}"/>
+            </ac:spMkLst>
+          </pc:spChg>
+        </pc:sldLayoutChg>
+        <pc:sldLayoutChg chg="modSp">
+          <pc:chgData name="Jochen Mariën" userId="a4f8d9ed-3895-4365-b2d5-9432cb8a20d4" providerId="ADAL" clId="{2924D4F7-B158-456F-BCA5-6481C7A5CC7D}" dt="2020-10-15T08:59:46.654" v="0"/>
+          <pc:sldLayoutMkLst>
+            <pc:docMk/>
+            <pc:sldMasterMk cId="1643627598" sldId="2147483648"/>
+            <pc:sldLayoutMk cId="443289627" sldId="2147483653"/>
+          </pc:sldLayoutMkLst>
+          <pc:spChg chg="mod">
+            <ac:chgData name="Jochen Mariën" userId="a4f8d9ed-3895-4365-b2d5-9432cb8a20d4" providerId="ADAL" clId="{2924D4F7-B158-456F-BCA5-6481C7A5CC7D}" dt="2020-10-15T08:59:46.654" v="0"/>
+            <ac:spMkLst>
+              <pc:docMk/>
+              <pc:sldMasterMk cId="1643627598" sldId="2147483648"/>
+              <pc:sldLayoutMk cId="443289627" sldId="2147483653"/>
+              <ac:spMk id="2" creationId="{00000000-0000-0000-0000-000000000000}"/>
+            </ac:spMkLst>
+          </pc:spChg>
+          <pc:spChg chg="mod">
+            <ac:chgData name="Jochen Mariën" userId="a4f8d9ed-3895-4365-b2d5-9432cb8a20d4" providerId="ADAL" clId="{2924D4F7-B158-456F-BCA5-6481C7A5CC7D}" dt="2020-10-15T08:59:46.654" v="0"/>
+            <ac:spMkLst>
+              <pc:docMk/>
+              <pc:sldMasterMk cId="1643627598" sldId="2147483648"/>
+              <pc:sldLayoutMk cId="443289627" sldId="2147483653"/>
+              <ac:spMk id="3" creationId="{00000000-0000-0000-0000-000000000000}"/>
+            </ac:spMkLst>
+          </pc:spChg>
+          <pc:spChg chg="mod">
+            <ac:chgData name="Jochen Mariën" userId="a4f8d9ed-3895-4365-b2d5-9432cb8a20d4" providerId="ADAL" clId="{2924D4F7-B158-456F-BCA5-6481C7A5CC7D}" dt="2020-10-15T08:59:46.654" v="0"/>
+            <ac:spMkLst>
+              <pc:docMk/>
+              <pc:sldMasterMk cId="1643627598" sldId="2147483648"/>
+              <pc:sldLayoutMk cId="443289627" sldId="2147483653"/>
+              <ac:spMk id="4" creationId="{00000000-0000-0000-0000-000000000000}"/>
+            </ac:spMkLst>
+          </pc:spChg>
+          <pc:spChg chg="mod">
+            <ac:chgData name="Jochen Mariën" userId="a4f8d9ed-3895-4365-b2d5-9432cb8a20d4" providerId="ADAL" clId="{2924D4F7-B158-456F-BCA5-6481C7A5CC7D}" dt="2020-10-15T08:59:46.654" v="0"/>
+            <ac:spMkLst>
+              <pc:docMk/>
+              <pc:sldMasterMk cId="1643627598" sldId="2147483648"/>
+              <pc:sldLayoutMk cId="443289627" sldId="2147483653"/>
+              <ac:spMk id="5" creationId="{00000000-0000-0000-0000-000000000000}"/>
+            </ac:spMkLst>
+          </pc:spChg>
+          <pc:spChg chg="mod">
+            <ac:chgData name="Jochen Mariën" userId="a4f8d9ed-3895-4365-b2d5-9432cb8a20d4" providerId="ADAL" clId="{2924D4F7-B158-456F-BCA5-6481C7A5CC7D}" dt="2020-10-15T08:59:46.654" v="0"/>
+            <ac:spMkLst>
+              <pc:docMk/>
+              <pc:sldMasterMk cId="1643627598" sldId="2147483648"/>
+              <pc:sldLayoutMk cId="443289627" sldId="2147483653"/>
+              <ac:spMk id="6" creationId="{00000000-0000-0000-0000-000000000000}"/>
+            </ac:spMkLst>
+          </pc:spChg>
+        </pc:sldLayoutChg>
+        <pc:sldLayoutChg chg="modSp">
+          <pc:chgData name="Jochen Mariën" userId="a4f8d9ed-3895-4365-b2d5-9432cb8a20d4" providerId="ADAL" clId="{2924D4F7-B158-456F-BCA5-6481C7A5CC7D}" dt="2020-10-15T08:59:46.654" v="0"/>
+          <pc:sldLayoutMkLst>
+            <pc:docMk/>
+            <pc:sldMasterMk cId="1643627598" sldId="2147483648"/>
+            <pc:sldLayoutMk cId="858006356" sldId="2147483656"/>
+          </pc:sldLayoutMkLst>
+          <pc:spChg chg="mod">
+            <ac:chgData name="Jochen Mariën" userId="a4f8d9ed-3895-4365-b2d5-9432cb8a20d4" providerId="ADAL" clId="{2924D4F7-B158-456F-BCA5-6481C7A5CC7D}" dt="2020-10-15T08:59:46.654" v="0"/>
+            <ac:spMkLst>
+              <pc:docMk/>
+              <pc:sldMasterMk cId="1643627598" sldId="2147483648"/>
+              <pc:sldLayoutMk cId="858006356" sldId="2147483656"/>
+              <ac:spMk id="2" creationId="{00000000-0000-0000-0000-000000000000}"/>
+            </ac:spMkLst>
+          </pc:spChg>
+          <pc:spChg chg="mod">
+            <ac:chgData name="Jochen Mariën" userId="a4f8d9ed-3895-4365-b2d5-9432cb8a20d4" providerId="ADAL" clId="{2924D4F7-B158-456F-BCA5-6481C7A5CC7D}" dt="2020-10-15T08:59:46.654" v="0"/>
+            <ac:spMkLst>
+              <pc:docMk/>
+              <pc:sldMasterMk cId="1643627598" sldId="2147483648"/>
+              <pc:sldLayoutMk cId="858006356" sldId="2147483656"/>
+              <ac:spMk id="3" creationId="{00000000-0000-0000-0000-000000000000}"/>
+            </ac:spMkLst>
+          </pc:spChg>
+          <pc:spChg chg="mod">
+            <ac:chgData name="Jochen Mariën" userId="a4f8d9ed-3895-4365-b2d5-9432cb8a20d4" providerId="ADAL" clId="{2924D4F7-B158-456F-BCA5-6481C7A5CC7D}" dt="2020-10-15T08:59:46.654" v="0"/>
+            <ac:spMkLst>
+              <pc:docMk/>
+              <pc:sldMasterMk cId="1643627598" sldId="2147483648"/>
+              <pc:sldLayoutMk cId="858006356" sldId="2147483656"/>
+              <ac:spMk id="4" creationId="{00000000-0000-0000-0000-000000000000}"/>
+            </ac:spMkLst>
+          </pc:spChg>
+        </pc:sldLayoutChg>
+        <pc:sldLayoutChg chg="modSp">
+          <pc:chgData name="Jochen Mariën" userId="a4f8d9ed-3895-4365-b2d5-9432cb8a20d4" providerId="ADAL" clId="{2924D4F7-B158-456F-BCA5-6481C7A5CC7D}" dt="2020-10-15T08:59:46.654" v="0"/>
+          <pc:sldLayoutMkLst>
+            <pc:docMk/>
+            <pc:sldMasterMk cId="1643627598" sldId="2147483648"/>
+            <pc:sldLayoutMk cId="3625297547" sldId="2147483657"/>
+          </pc:sldLayoutMkLst>
+          <pc:spChg chg="mod">
+            <ac:chgData name="Jochen Mariën" userId="a4f8d9ed-3895-4365-b2d5-9432cb8a20d4" providerId="ADAL" clId="{2924D4F7-B158-456F-BCA5-6481C7A5CC7D}" dt="2020-10-15T08:59:46.654" v="0"/>
+            <ac:spMkLst>
+              <pc:docMk/>
+              <pc:sldMasterMk cId="1643627598" sldId="2147483648"/>
+              <pc:sldLayoutMk cId="3625297547" sldId="2147483657"/>
+              <ac:spMk id="2" creationId="{00000000-0000-0000-0000-000000000000}"/>
+            </ac:spMkLst>
+          </pc:spChg>
+          <pc:spChg chg="mod">
+            <ac:chgData name="Jochen Mariën" userId="a4f8d9ed-3895-4365-b2d5-9432cb8a20d4" providerId="ADAL" clId="{2924D4F7-B158-456F-BCA5-6481C7A5CC7D}" dt="2020-10-15T08:59:46.654" v="0"/>
+            <ac:spMkLst>
+              <pc:docMk/>
+              <pc:sldMasterMk cId="1643627598" sldId="2147483648"/>
+              <pc:sldLayoutMk cId="3625297547" sldId="2147483657"/>
+              <ac:spMk id="3" creationId="{00000000-0000-0000-0000-000000000000}"/>
+            </ac:spMkLst>
+          </pc:spChg>
+          <pc:spChg chg="mod">
+            <ac:chgData name="Jochen Mariën" userId="a4f8d9ed-3895-4365-b2d5-9432cb8a20d4" providerId="ADAL" clId="{2924D4F7-B158-456F-BCA5-6481C7A5CC7D}" dt="2020-10-15T08:59:46.654" v="0"/>
+            <ac:spMkLst>
+              <pc:docMk/>
+              <pc:sldMasterMk cId="1643627598" sldId="2147483648"/>
+              <pc:sldLayoutMk cId="3625297547" sldId="2147483657"/>
+              <ac:spMk id="4" creationId="{00000000-0000-0000-0000-000000000000}"/>
+            </ac:spMkLst>
+          </pc:spChg>
+        </pc:sldLayoutChg>
+        <pc:sldLayoutChg chg="modSp">
+          <pc:chgData name="Jochen Mariën" userId="a4f8d9ed-3895-4365-b2d5-9432cb8a20d4" providerId="ADAL" clId="{2924D4F7-B158-456F-BCA5-6481C7A5CC7D}" dt="2020-10-15T08:59:46.654" v="0"/>
+          <pc:sldLayoutMkLst>
+            <pc:docMk/>
+            <pc:sldMasterMk cId="1643627598" sldId="2147483648"/>
+            <pc:sldLayoutMk cId="629144417" sldId="2147483659"/>
+          </pc:sldLayoutMkLst>
+          <pc:spChg chg="mod">
+            <ac:chgData name="Jochen Mariën" userId="a4f8d9ed-3895-4365-b2d5-9432cb8a20d4" providerId="ADAL" clId="{2924D4F7-B158-456F-BCA5-6481C7A5CC7D}" dt="2020-10-15T08:59:46.654" v="0"/>
+            <ac:spMkLst>
+              <pc:docMk/>
+              <pc:sldMasterMk cId="1643627598" sldId="2147483648"/>
+              <pc:sldLayoutMk cId="629144417" sldId="2147483659"/>
+              <ac:spMk id="2" creationId="{00000000-0000-0000-0000-000000000000}"/>
+            </ac:spMkLst>
+          </pc:spChg>
+          <pc:spChg chg="mod">
+            <ac:chgData name="Jochen Mariën" userId="a4f8d9ed-3895-4365-b2d5-9432cb8a20d4" providerId="ADAL" clId="{2924D4F7-B158-456F-BCA5-6481C7A5CC7D}" dt="2020-10-15T08:59:46.654" v="0"/>
+            <ac:spMkLst>
+              <pc:docMk/>
+              <pc:sldMasterMk cId="1643627598" sldId="2147483648"/>
+              <pc:sldLayoutMk cId="629144417" sldId="2147483659"/>
+              <ac:spMk id="3" creationId="{00000000-0000-0000-0000-000000000000}"/>
+            </ac:spMkLst>
+          </pc:spChg>
+        </pc:sldLayoutChg>
+        <pc:sldLayoutChg chg="modSp">
+          <pc:chgData name="Jochen Mariën" userId="a4f8d9ed-3895-4365-b2d5-9432cb8a20d4" providerId="ADAL" clId="{2924D4F7-B158-456F-BCA5-6481C7A5CC7D}" dt="2020-10-15T08:59:46.654" v="0"/>
+          <pc:sldLayoutMkLst>
+            <pc:docMk/>
+            <pc:sldMasterMk cId="1643627598" sldId="2147483648"/>
+            <pc:sldLayoutMk cId="494506069" sldId="2147483660"/>
+          </pc:sldLayoutMkLst>
+          <pc:spChg chg="mod">
+            <ac:chgData name="Jochen Mariën" userId="a4f8d9ed-3895-4365-b2d5-9432cb8a20d4" providerId="ADAL" clId="{2924D4F7-B158-456F-BCA5-6481C7A5CC7D}" dt="2020-10-15T08:59:46.654" v="0"/>
+            <ac:spMkLst>
+              <pc:docMk/>
+              <pc:sldMasterMk cId="1643627598" sldId="2147483648"/>
+              <pc:sldLayoutMk cId="494506069" sldId="2147483660"/>
+              <ac:spMk id="3" creationId="{00000000-0000-0000-0000-000000000000}"/>
+            </ac:spMkLst>
+          </pc:spChg>
+          <pc:spChg chg="mod">
+            <ac:chgData name="Jochen Mariën" userId="a4f8d9ed-3895-4365-b2d5-9432cb8a20d4" providerId="ADAL" clId="{2924D4F7-B158-456F-BCA5-6481C7A5CC7D}" dt="2020-10-15T08:59:46.654" v="0"/>
+            <ac:spMkLst>
+              <pc:docMk/>
+              <pc:sldMasterMk cId="1643627598" sldId="2147483648"/>
+              <pc:sldLayoutMk cId="494506069" sldId="2147483660"/>
+              <ac:spMk id="7" creationId="{00000000-0000-0000-0000-000000000000}"/>
+            </ac:spMkLst>
+          </pc:spChg>
+          <pc:spChg chg="mod">
+            <ac:chgData name="Jochen Mariën" userId="a4f8d9ed-3895-4365-b2d5-9432cb8a20d4" providerId="ADAL" clId="{2924D4F7-B158-456F-BCA5-6481C7A5CC7D}" dt="2020-10-15T08:59:46.654" v="0"/>
+            <ac:spMkLst>
+              <pc:docMk/>
+              <pc:sldMasterMk cId="1643627598" sldId="2147483648"/>
+              <pc:sldLayoutMk cId="494506069" sldId="2147483660"/>
+              <ac:spMk id="13" creationId="{00000000-0000-0000-0000-000000000000}"/>
+            </ac:spMkLst>
+          </pc:spChg>
+          <pc:spChg chg="mod">
+            <ac:chgData name="Jochen Mariën" userId="a4f8d9ed-3895-4365-b2d5-9432cb8a20d4" providerId="ADAL" clId="{2924D4F7-B158-456F-BCA5-6481C7A5CC7D}" dt="2020-10-15T08:59:46.654" v="0"/>
+            <ac:spMkLst>
+              <pc:docMk/>
+              <pc:sldMasterMk cId="1643627598" sldId="2147483648"/>
+              <pc:sldLayoutMk cId="494506069" sldId="2147483660"/>
+              <ac:spMk id="154" creationId="{00000000-0000-0000-0000-000000000000}"/>
+            </ac:spMkLst>
+          </pc:spChg>
+          <pc:picChg chg="mod">
+            <ac:chgData name="Jochen Mariën" userId="a4f8d9ed-3895-4365-b2d5-9432cb8a20d4" providerId="ADAL" clId="{2924D4F7-B158-456F-BCA5-6481C7A5CC7D}" dt="2020-10-15T08:59:46.654" v="0"/>
+            <ac:picMkLst>
+              <pc:docMk/>
+              <pc:sldMasterMk cId="1643627598" sldId="2147483648"/>
+              <pc:sldLayoutMk cId="494506069" sldId="2147483660"/>
+              <ac:picMk id="10" creationId="{00000000-0000-0000-0000-000000000000}"/>
+            </ac:picMkLst>
+          </pc:picChg>
+          <pc:picChg chg="mod">
+            <ac:chgData name="Jochen Mariën" userId="a4f8d9ed-3895-4365-b2d5-9432cb8a20d4" providerId="ADAL" clId="{2924D4F7-B158-456F-BCA5-6481C7A5CC7D}" dt="2020-10-15T08:59:46.654" v="0"/>
+            <ac:picMkLst>
+              <pc:docMk/>
+              <pc:sldMasterMk cId="1643627598" sldId="2147483648"/>
+              <pc:sldLayoutMk cId="494506069" sldId="2147483660"/>
+              <ac:picMk id="18" creationId="{00000000-0000-0000-0000-000000000000}"/>
+            </ac:picMkLst>
+          </pc:picChg>
+        </pc:sldLayoutChg>
+      </pc:sldMasterChg>
+    </pc:docChg>
+  </pc:docChgLst>
+</pc:chgInfo>
 </file>
 
 <file path=ppt/notesMasters/notesMaster1.xml><?xml version="1.0" encoding="utf-8"?>
@@ -209,7 +922,7 @@
           <a:p>
             <a:fld id="{3C1CD153-15DE-46E9-BB45-7F70E88D2337}" type="datetimeFigureOut">
               <a:rPr lang="nl-BE" smtClean="0"/>
-              <a:t>8/02/2016</a:t>
+              <a:t>15/10/2020</a:t>
             </a:fld>
             <a:endParaRPr lang="nl-BE"/>
           </a:p>
@@ -227,8 +940,8 @@
         </p:nvSpPr>
         <p:spPr>
           <a:xfrm>
-            <a:off x="1371600" y="1143000"/>
-            <a:ext cx="4114800" cy="3086100"/>
+            <a:off x="685800" y="1143000"/>
+            <a:ext cx="5486400" cy="3086100"/>
           </a:xfrm>
           <a:prstGeom prst="rect">
             <a:avLst/>
@@ -273,35 +986,35 @@
           <a:p>
             <a:pPr lvl="0"/>
             <a:r>
-              <a:rPr lang="en-US" smtClean="0"/>
+              <a:rPr lang="en-US"/>
               <a:t>Edit Master text styles</a:t>
             </a:r>
           </a:p>
           <a:p>
             <a:pPr lvl="1"/>
             <a:r>
-              <a:rPr lang="en-US" smtClean="0"/>
+              <a:rPr lang="en-US"/>
               <a:t>Second level</a:t>
             </a:r>
           </a:p>
           <a:p>
             <a:pPr lvl="2"/>
             <a:r>
-              <a:rPr lang="en-US" smtClean="0"/>
+              <a:rPr lang="en-US"/>
               <a:t>Third level</a:t>
             </a:r>
           </a:p>
           <a:p>
             <a:pPr lvl="3"/>
             <a:r>
-              <a:rPr lang="en-US" smtClean="0"/>
+              <a:rPr lang="en-US"/>
               <a:t>Fourth level</a:t>
             </a:r>
           </a:p>
           <a:p>
             <a:pPr lvl="4"/>
             <a:r>
-              <a:rPr lang="en-US" smtClean="0"/>
+              <a:rPr lang="en-US"/>
               <a:t>Fifth level</a:t>
             </a:r>
             <a:endParaRPr lang="nl-BE"/>
@@ -504,7 +1217,12 @@
             <p:ph type="sldImg"/>
           </p:nvPr>
         </p:nvSpPr>
-        <p:spPr/>
+        <p:spPr>
+          <a:xfrm>
+            <a:off x="685800" y="1143000"/>
+            <a:ext cx="5486400" cy="3086100"/>
+          </a:xfrm>
+        </p:spPr>
       </p:sp>
       <p:sp>
         <p:nvSpPr>
@@ -598,8 +1316,8 @@
         </p:nvSpPr>
         <p:spPr>
           <a:xfrm>
-            <a:off x="1143000" y="1122363"/>
-            <a:ext cx="6858000" cy="2387600"/>
+            <a:off x="1524000" y="1122363"/>
+            <a:ext cx="9144000" cy="2387600"/>
           </a:xfrm>
         </p:spPr>
         <p:txBody>
@@ -611,10 +1329,10 @@
           </a:lstStyle>
           <a:p>
             <a:r>
-              <a:rPr lang="en-US" smtClean="0"/>
+              <a:rPr lang="en-US"/>
               <a:t>Click to edit Master title style</a:t>
             </a:r>
-            <a:endParaRPr lang="nl-BE"/>
+            <a:endParaRPr lang="en-US" dirty="0"/>
           </a:p>
         </p:txBody>
       </p:sp>
@@ -630,8 +1348,8 @@
         </p:nvSpPr>
         <p:spPr>
           <a:xfrm>
-            <a:off x="1143000" y="3602038"/>
-            <a:ext cx="6858000" cy="1655762"/>
+            <a:off x="1524000" y="3602038"/>
+            <a:ext cx="9144000" cy="1655762"/>
           </a:xfrm>
         </p:spPr>
         <p:txBody>
@@ -676,10 +1394,10 @@
           </a:lstStyle>
           <a:p>
             <a:r>
-              <a:rPr lang="en-US" smtClean="0"/>
+              <a:rPr lang="en-US"/>
               <a:t>Click to edit Master subtitle style</a:t>
             </a:r>
-            <a:endParaRPr lang="nl-BE"/>
+            <a:endParaRPr lang="en-US" dirty="0"/>
           </a:p>
         </p:txBody>
       </p:sp>
@@ -700,7 +1418,7 @@
           <a:p>
             <a:fld id="{21F21368-17C6-4870-9BCB-BC49B72EC322}" type="datetimeFigureOut">
               <a:rPr lang="nl-BE" smtClean="0"/>
-              <a:t>8/02/2016</a:t>
+              <a:t>15/10/2020</a:t>
             </a:fld>
             <a:endParaRPr lang="nl-BE"/>
           </a:p>
@@ -751,7 +1469,7 @@
     </p:spTree>
     <p:extLst>
       <p:ext uri="{BB962C8B-B14F-4D97-AF65-F5344CB8AC3E}">
-        <p14:creationId xmlns:p14="http://schemas.microsoft.com/office/powerpoint/2010/main" val="2746777801"/>
+        <p14:creationId xmlns:p14="http://schemas.microsoft.com/office/powerpoint/2010/main" val="2999430926"/>
       </p:ext>
     </p:extLst>
   </p:cSld>
@@ -794,10 +1512,10 @@
           <a:lstStyle/>
           <a:p>
             <a:r>
-              <a:rPr lang="en-US" smtClean="0"/>
+              <a:rPr lang="en-US"/>
               <a:t>Click to edit Master title style</a:t>
             </a:r>
-            <a:endParaRPr lang="nl-BE"/>
+            <a:endParaRPr lang="en-US" dirty="0"/>
           </a:p>
         </p:txBody>
       </p:sp>
@@ -818,38 +1536,38 @@
           <a:p>
             <a:pPr lvl="0"/>
             <a:r>
-              <a:rPr lang="en-US" smtClean="0"/>
-              <a:t>Edit Master text styles</a:t>
+              <a:rPr lang="en-US"/>
+              <a:t>Click to edit Master text styles</a:t>
             </a:r>
           </a:p>
           <a:p>
             <a:pPr lvl="1"/>
             <a:r>
-              <a:rPr lang="en-US" smtClean="0"/>
+              <a:rPr lang="en-US"/>
               <a:t>Second level</a:t>
             </a:r>
           </a:p>
           <a:p>
             <a:pPr lvl="2"/>
             <a:r>
-              <a:rPr lang="en-US" smtClean="0"/>
+              <a:rPr lang="en-US"/>
               <a:t>Third level</a:t>
             </a:r>
           </a:p>
           <a:p>
             <a:pPr lvl="3"/>
             <a:r>
-              <a:rPr lang="en-US" smtClean="0"/>
+              <a:rPr lang="en-US"/>
               <a:t>Fourth level</a:t>
             </a:r>
           </a:p>
           <a:p>
             <a:pPr lvl="4"/>
             <a:r>
-              <a:rPr lang="en-US" smtClean="0"/>
+              <a:rPr lang="en-US"/>
               <a:t>Fifth level</a:t>
             </a:r>
-            <a:endParaRPr lang="nl-BE"/>
+            <a:endParaRPr lang="en-US" dirty="0"/>
           </a:p>
         </p:txBody>
       </p:sp>
@@ -870,7 +1588,7 @@
           <a:p>
             <a:fld id="{21F21368-17C6-4870-9BCB-BC49B72EC322}" type="datetimeFigureOut">
               <a:rPr lang="nl-BE" smtClean="0"/>
-              <a:t>8/02/2016</a:t>
+              <a:t>15/10/2020</a:t>
             </a:fld>
             <a:endParaRPr lang="nl-BE"/>
           </a:p>
@@ -921,7 +1639,7 @@
     </p:spTree>
     <p:extLst>
       <p:ext uri="{BB962C8B-B14F-4D97-AF65-F5344CB8AC3E}">
-        <p14:creationId xmlns:p14="http://schemas.microsoft.com/office/powerpoint/2010/main" val="2794740124"/>
+        <p14:creationId xmlns:p14="http://schemas.microsoft.com/office/powerpoint/2010/main" val="4234782041"/>
       </p:ext>
     </p:extLst>
   </p:cSld>
@@ -960,8 +1678,8 @@
         </p:nvSpPr>
         <p:spPr>
           <a:xfrm>
-            <a:off x="6543675" y="365125"/>
-            <a:ext cx="1971675" cy="5811838"/>
+            <a:off x="8724900" y="365125"/>
+            <a:ext cx="2628900" cy="5811838"/>
           </a:xfrm>
         </p:spPr>
         <p:txBody>
@@ -969,10 +1687,10 @@
           <a:lstStyle/>
           <a:p>
             <a:r>
-              <a:rPr lang="en-US" smtClean="0"/>
+              <a:rPr lang="en-US"/>
               <a:t>Click to edit Master title style</a:t>
             </a:r>
-            <a:endParaRPr lang="nl-BE"/>
+            <a:endParaRPr lang="en-US" dirty="0"/>
           </a:p>
         </p:txBody>
       </p:sp>
@@ -988,8 +1706,8 @@
         </p:nvSpPr>
         <p:spPr>
           <a:xfrm>
-            <a:off x="628650" y="365125"/>
-            <a:ext cx="5800725" cy="5811838"/>
+            <a:off x="838200" y="365125"/>
+            <a:ext cx="7734300" cy="5811838"/>
           </a:xfrm>
         </p:spPr>
         <p:txBody>
@@ -998,38 +1716,38 @@
           <a:p>
             <a:pPr lvl="0"/>
             <a:r>
-              <a:rPr lang="en-US" smtClean="0"/>
-              <a:t>Edit Master text styles</a:t>
+              <a:rPr lang="en-US"/>
+              <a:t>Click to edit Master text styles</a:t>
             </a:r>
           </a:p>
           <a:p>
             <a:pPr lvl="1"/>
             <a:r>
-              <a:rPr lang="en-US" smtClean="0"/>
+              <a:rPr lang="en-US"/>
               <a:t>Second level</a:t>
             </a:r>
           </a:p>
           <a:p>
             <a:pPr lvl="2"/>
             <a:r>
-              <a:rPr lang="en-US" smtClean="0"/>
+              <a:rPr lang="en-US"/>
               <a:t>Third level</a:t>
             </a:r>
           </a:p>
           <a:p>
             <a:pPr lvl="3"/>
             <a:r>
-              <a:rPr lang="en-US" smtClean="0"/>
+              <a:rPr lang="en-US"/>
               <a:t>Fourth level</a:t>
             </a:r>
           </a:p>
           <a:p>
             <a:pPr lvl="4"/>
             <a:r>
-              <a:rPr lang="en-US" smtClean="0"/>
+              <a:rPr lang="en-US"/>
               <a:t>Fifth level</a:t>
             </a:r>
-            <a:endParaRPr lang="nl-BE"/>
+            <a:endParaRPr lang="en-US" dirty="0"/>
           </a:p>
         </p:txBody>
       </p:sp>
@@ -1050,7 +1768,7 @@
           <a:p>
             <a:fld id="{21F21368-17C6-4870-9BCB-BC49B72EC322}" type="datetimeFigureOut">
               <a:rPr lang="nl-BE" smtClean="0"/>
-              <a:t>8/02/2016</a:t>
+              <a:t>15/10/2020</a:t>
             </a:fld>
             <a:endParaRPr lang="nl-BE"/>
           </a:p>
@@ -1101,7 +1819,7 @@
     </p:spTree>
     <p:extLst>
       <p:ext uri="{BB962C8B-B14F-4D97-AF65-F5344CB8AC3E}">
-        <p14:creationId xmlns:p14="http://schemas.microsoft.com/office/powerpoint/2010/main" val="629144417"/>
+        <p14:creationId xmlns:p14="http://schemas.microsoft.com/office/powerpoint/2010/main" val="3002187979"/>
       </p:ext>
     </p:extLst>
   </p:cSld>
@@ -1145,7 +1863,7 @@
         <p:spPr>
           <a:xfrm>
             <a:off x="0" y="5589240"/>
-            <a:ext cx="9144000" cy="360040"/>
+            <a:ext cx="12192000" cy="360040"/>
           </a:xfrm>
           <a:prstGeom prst="rect">
             <a:avLst/>
@@ -1178,7 +1896,7 @@
           <a:lstStyle/>
           <a:p>
             <a:pPr algn="ctr"/>
-            <a:endParaRPr lang="en-US"/>
+            <a:endParaRPr lang="en-US" sz="1800"/>
           </a:p>
         </p:txBody>
       </p:sp>
@@ -1191,7 +1909,7 @@
         <p:spPr>
           <a:xfrm>
             <a:off x="0" y="5958000"/>
-            <a:ext cx="9144000" cy="900000"/>
+            <a:ext cx="12192000" cy="900000"/>
           </a:xfrm>
           <a:prstGeom prst="rect">
             <a:avLst/>
@@ -1245,7 +1963,7 @@
         <p:spPr>
           <a:xfrm>
             <a:off x="0" y="3357192"/>
-            <a:ext cx="9144000" cy="1800000"/>
+            <a:ext cx="12192000" cy="1800000"/>
           </a:xfrm>
           <a:noFill/>
         </p:spPr>
@@ -1345,7 +2063,7 @@
           </a:lstStyle>
           <a:p>
             <a:r>
-              <a:rPr lang="nl-NL" dirty="0" smtClean="0"/>
+              <a:rPr lang="nl-NL" dirty="0"/>
               <a:t>Klik om de ondertitelstijl van het model te bewerken</a:t>
             </a:r>
             <a:endParaRPr lang="nl-BE" dirty="0"/>
@@ -1365,7 +2083,7 @@
         <p:spPr>
           <a:xfrm>
             <a:off x="0" y="1556992"/>
-            <a:ext cx="9144000" cy="1800000"/>
+            <a:ext cx="12192000" cy="1800000"/>
           </a:xfrm>
           <a:noFill/>
         </p:spPr>
@@ -1387,7 +2105,7 @@
           </a:lstStyle>
           <a:p>
             <a:r>
-              <a:rPr lang="nl-NL" dirty="0" smtClean="0"/>
+              <a:rPr lang="nl-NL" dirty="0"/>
               <a:t>Klik om de stijl te bewerken</a:t>
             </a:r>
             <a:endParaRPr lang="nl-BE" dirty="0"/>
@@ -1410,8 +2128,8 @@
         </p:blipFill>
         <p:spPr>
           <a:xfrm>
-            <a:off x="8316416" y="6093368"/>
-            <a:ext cx="457071" cy="648000"/>
+            <a:off x="11088555" y="6093368"/>
+            <a:ext cx="609428" cy="648000"/>
           </a:xfrm>
           <a:prstGeom prst="rect">
             <a:avLst/>
@@ -1434,8 +2152,8 @@
         </p:blipFill>
         <p:spPr>
           <a:xfrm>
-            <a:off x="360000" y="360000"/>
-            <a:ext cx="2157984" cy="1155192"/>
+            <a:off x="480000" y="360000"/>
+            <a:ext cx="2877312" cy="1155192"/>
           </a:xfrm>
           <a:prstGeom prst="rect">
             <a:avLst/>
@@ -1445,7 +2163,7 @@
     </p:spTree>
     <p:extLst>
       <p:ext uri="{BB962C8B-B14F-4D97-AF65-F5344CB8AC3E}">
-        <p14:creationId xmlns:p14="http://schemas.microsoft.com/office/powerpoint/2010/main" val="494506069"/>
+        <p14:creationId xmlns:p14="http://schemas.microsoft.com/office/powerpoint/2010/main" val="1368406734"/>
       </p:ext>
     </p:extLst>
   </p:cSld>
@@ -1488,10 +2206,10 @@
           <a:lstStyle/>
           <a:p>
             <a:r>
-              <a:rPr lang="en-US" smtClean="0"/>
+              <a:rPr lang="en-US"/>
               <a:t>Click to edit Master title style</a:t>
             </a:r>
-            <a:endParaRPr lang="nl-BE"/>
+            <a:endParaRPr lang="en-US" dirty="0"/>
           </a:p>
         </p:txBody>
       </p:sp>
@@ -1512,38 +2230,38 @@
           <a:p>
             <a:pPr lvl="0"/>
             <a:r>
-              <a:rPr lang="en-US" smtClean="0"/>
-              <a:t>Edit Master text styles</a:t>
+              <a:rPr lang="en-US"/>
+              <a:t>Click to edit Master text styles</a:t>
             </a:r>
           </a:p>
           <a:p>
             <a:pPr lvl="1"/>
             <a:r>
-              <a:rPr lang="en-US" smtClean="0"/>
+              <a:rPr lang="en-US"/>
               <a:t>Second level</a:t>
             </a:r>
           </a:p>
           <a:p>
             <a:pPr lvl="2"/>
             <a:r>
-              <a:rPr lang="en-US" smtClean="0"/>
+              <a:rPr lang="en-US"/>
               <a:t>Third level</a:t>
             </a:r>
           </a:p>
           <a:p>
             <a:pPr lvl="3"/>
             <a:r>
-              <a:rPr lang="en-US" smtClean="0"/>
+              <a:rPr lang="en-US"/>
               <a:t>Fourth level</a:t>
             </a:r>
           </a:p>
           <a:p>
             <a:pPr lvl="4"/>
             <a:r>
-              <a:rPr lang="en-US" smtClean="0"/>
+              <a:rPr lang="en-US"/>
               <a:t>Fifth level</a:t>
             </a:r>
-            <a:endParaRPr lang="nl-BE"/>
+            <a:endParaRPr lang="en-US" dirty="0"/>
           </a:p>
         </p:txBody>
       </p:sp>
@@ -1564,7 +2282,7 @@
           <a:p>
             <a:fld id="{21F21368-17C6-4870-9BCB-BC49B72EC322}" type="datetimeFigureOut">
               <a:rPr lang="nl-BE" smtClean="0"/>
-              <a:t>8/02/2016</a:t>
+              <a:t>15/10/2020</a:t>
             </a:fld>
             <a:endParaRPr lang="nl-BE"/>
           </a:p>
@@ -1615,7 +2333,7 @@
     </p:spTree>
     <p:extLst>
       <p:ext uri="{BB962C8B-B14F-4D97-AF65-F5344CB8AC3E}">
-        <p14:creationId xmlns:p14="http://schemas.microsoft.com/office/powerpoint/2010/main" val="144160557"/>
+        <p14:creationId xmlns:p14="http://schemas.microsoft.com/office/powerpoint/2010/main" val="1939705481"/>
       </p:ext>
     </p:extLst>
   </p:cSld>
@@ -1654,8 +2372,8 @@
         </p:nvSpPr>
         <p:spPr>
           <a:xfrm>
-            <a:off x="623888" y="1709739"/>
-            <a:ext cx="7886700" cy="2852737"/>
+            <a:off x="831850" y="1709738"/>
+            <a:ext cx="10515600" cy="2852737"/>
           </a:xfrm>
         </p:spPr>
         <p:txBody>
@@ -1667,10 +2385,10 @@
           </a:lstStyle>
           <a:p>
             <a:r>
-              <a:rPr lang="en-US" smtClean="0"/>
+              <a:rPr lang="en-US"/>
               <a:t>Click to edit Master title style</a:t>
             </a:r>
-            <a:endParaRPr lang="nl-BE"/>
+            <a:endParaRPr lang="en-US" dirty="0"/>
           </a:p>
         </p:txBody>
       </p:sp>
@@ -1686,8 +2404,8 @@
         </p:nvSpPr>
         <p:spPr>
           <a:xfrm>
-            <a:off x="623888" y="4589464"/>
-            <a:ext cx="7886700" cy="1500187"/>
+            <a:off x="831850" y="4589463"/>
+            <a:ext cx="10515600" cy="1500187"/>
           </a:xfrm>
         </p:spPr>
         <p:txBody>
@@ -1787,8 +2505,8 @@
           <a:p>
             <a:pPr lvl="0"/>
             <a:r>
-              <a:rPr lang="en-US" smtClean="0"/>
-              <a:t>Edit Master text styles</a:t>
+              <a:rPr lang="en-US"/>
+              <a:t>Click to edit Master text styles</a:t>
             </a:r>
           </a:p>
         </p:txBody>
@@ -1810,7 +2528,7 @@
           <a:p>
             <a:fld id="{21F21368-17C6-4870-9BCB-BC49B72EC322}" type="datetimeFigureOut">
               <a:rPr lang="nl-BE" smtClean="0"/>
-              <a:t>8/02/2016</a:t>
+              <a:t>15/10/2020</a:t>
             </a:fld>
             <a:endParaRPr lang="nl-BE"/>
           </a:p>
@@ -1861,7 +2579,7 @@
     </p:spTree>
     <p:extLst>
       <p:ext uri="{BB962C8B-B14F-4D97-AF65-F5344CB8AC3E}">
-        <p14:creationId xmlns:p14="http://schemas.microsoft.com/office/powerpoint/2010/main" val="1940275704"/>
+        <p14:creationId xmlns:p14="http://schemas.microsoft.com/office/powerpoint/2010/main" val="1018542492"/>
       </p:ext>
     </p:extLst>
   </p:cSld>
@@ -1904,10 +2622,10 @@
           <a:lstStyle/>
           <a:p>
             <a:r>
-              <a:rPr lang="en-US" smtClean="0"/>
+              <a:rPr lang="en-US"/>
               <a:t>Click to edit Master title style</a:t>
             </a:r>
-            <a:endParaRPr lang="nl-BE"/>
+            <a:endParaRPr lang="en-US" dirty="0"/>
           </a:p>
         </p:txBody>
       </p:sp>
@@ -1923,8 +2641,8 @@
         </p:nvSpPr>
         <p:spPr>
           <a:xfrm>
-            <a:off x="628650" y="1825625"/>
-            <a:ext cx="3886200" cy="4351338"/>
+            <a:off x="838200" y="1825625"/>
+            <a:ext cx="5181600" cy="4351338"/>
           </a:xfrm>
         </p:spPr>
         <p:txBody>
@@ -1933,38 +2651,38 @@
           <a:p>
             <a:pPr lvl="0"/>
             <a:r>
-              <a:rPr lang="en-US" smtClean="0"/>
-              <a:t>Edit Master text styles</a:t>
+              <a:rPr lang="en-US"/>
+              <a:t>Click to edit Master text styles</a:t>
             </a:r>
           </a:p>
           <a:p>
             <a:pPr lvl="1"/>
             <a:r>
-              <a:rPr lang="en-US" smtClean="0"/>
+              <a:rPr lang="en-US"/>
               <a:t>Second level</a:t>
             </a:r>
           </a:p>
           <a:p>
             <a:pPr lvl="2"/>
             <a:r>
-              <a:rPr lang="en-US" smtClean="0"/>
+              <a:rPr lang="en-US"/>
               <a:t>Third level</a:t>
             </a:r>
           </a:p>
           <a:p>
             <a:pPr lvl="3"/>
             <a:r>
-              <a:rPr lang="en-US" smtClean="0"/>
+              <a:rPr lang="en-US"/>
               <a:t>Fourth level</a:t>
             </a:r>
           </a:p>
           <a:p>
             <a:pPr lvl="4"/>
             <a:r>
-              <a:rPr lang="en-US" smtClean="0"/>
+              <a:rPr lang="en-US"/>
               <a:t>Fifth level</a:t>
             </a:r>
-            <a:endParaRPr lang="nl-BE"/>
+            <a:endParaRPr lang="en-US" dirty="0"/>
           </a:p>
         </p:txBody>
       </p:sp>
@@ -1980,8 +2698,8 @@
         </p:nvSpPr>
         <p:spPr>
           <a:xfrm>
-            <a:off x="4629150" y="1825625"/>
-            <a:ext cx="3886200" cy="4351338"/>
+            <a:off x="6172200" y="1825625"/>
+            <a:ext cx="5181600" cy="4351338"/>
           </a:xfrm>
         </p:spPr>
         <p:txBody>
@@ -1990,38 +2708,38 @@
           <a:p>
             <a:pPr lvl="0"/>
             <a:r>
-              <a:rPr lang="en-US" smtClean="0"/>
-              <a:t>Edit Master text styles</a:t>
+              <a:rPr lang="en-US"/>
+              <a:t>Click to edit Master text styles</a:t>
             </a:r>
           </a:p>
           <a:p>
             <a:pPr lvl="1"/>
             <a:r>
-              <a:rPr lang="en-US" smtClean="0"/>
+              <a:rPr lang="en-US"/>
               <a:t>Second level</a:t>
             </a:r>
           </a:p>
           <a:p>
             <a:pPr lvl="2"/>
             <a:r>
-              <a:rPr lang="en-US" smtClean="0"/>
+              <a:rPr lang="en-US"/>
               <a:t>Third level</a:t>
             </a:r>
           </a:p>
           <a:p>
             <a:pPr lvl="3"/>
             <a:r>
-              <a:rPr lang="en-US" smtClean="0"/>
+              <a:rPr lang="en-US"/>
               <a:t>Fourth level</a:t>
             </a:r>
           </a:p>
           <a:p>
             <a:pPr lvl="4"/>
             <a:r>
-              <a:rPr lang="en-US" smtClean="0"/>
+              <a:rPr lang="en-US"/>
               <a:t>Fifth level</a:t>
             </a:r>
-            <a:endParaRPr lang="nl-BE"/>
+            <a:endParaRPr lang="en-US" dirty="0"/>
           </a:p>
         </p:txBody>
       </p:sp>
@@ -2042,7 +2760,7 @@
           <a:p>
             <a:fld id="{21F21368-17C6-4870-9BCB-BC49B72EC322}" type="datetimeFigureOut">
               <a:rPr lang="nl-BE" smtClean="0"/>
-              <a:t>8/02/2016</a:t>
+              <a:t>15/10/2020</a:t>
             </a:fld>
             <a:endParaRPr lang="nl-BE"/>
           </a:p>
@@ -2093,7 +2811,7 @@
     </p:spTree>
     <p:extLst>
       <p:ext uri="{BB962C8B-B14F-4D97-AF65-F5344CB8AC3E}">
-        <p14:creationId xmlns:p14="http://schemas.microsoft.com/office/powerpoint/2010/main" val="3093619845"/>
+        <p14:creationId xmlns:p14="http://schemas.microsoft.com/office/powerpoint/2010/main" val="361415615"/>
       </p:ext>
     </p:extLst>
   </p:cSld>
@@ -2132,8 +2850,8 @@
         </p:nvSpPr>
         <p:spPr>
           <a:xfrm>
-            <a:off x="629841" y="365126"/>
-            <a:ext cx="7886700" cy="1325563"/>
+            <a:off x="839788" y="365125"/>
+            <a:ext cx="10515600" cy="1325563"/>
           </a:xfrm>
         </p:spPr>
         <p:txBody>
@@ -2141,10 +2859,10 @@
           <a:lstStyle/>
           <a:p>
             <a:r>
-              <a:rPr lang="en-US" smtClean="0"/>
+              <a:rPr lang="en-US"/>
               <a:t>Click to edit Master title style</a:t>
             </a:r>
-            <a:endParaRPr lang="nl-BE"/>
+            <a:endParaRPr lang="en-US" dirty="0"/>
           </a:p>
         </p:txBody>
       </p:sp>
@@ -2160,8 +2878,8 @@
         </p:nvSpPr>
         <p:spPr>
           <a:xfrm>
-            <a:off x="629842" y="1681163"/>
-            <a:ext cx="3868340" cy="823912"/>
+            <a:off x="839788" y="1681163"/>
+            <a:ext cx="5157787" cy="823912"/>
           </a:xfrm>
         </p:spPr>
         <p:txBody>
@@ -2207,8 +2925,8 @@
           <a:p>
             <a:pPr lvl="0"/>
             <a:r>
-              <a:rPr lang="en-US" smtClean="0"/>
-              <a:t>Edit Master text styles</a:t>
+              <a:rPr lang="en-US"/>
+              <a:t>Click to edit Master text styles</a:t>
             </a:r>
           </a:p>
         </p:txBody>
@@ -2225,8 +2943,8 @@
         </p:nvSpPr>
         <p:spPr>
           <a:xfrm>
-            <a:off x="629842" y="2505075"/>
-            <a:ext cx="3868340" cy="3684588"/>
+            <a:off x="839788" y="2505075"/>
+            <a:ext cx="5157787" cy="3684588"/>
           </a:xfrm>
         </p:spPr>
         <p:txBody>
@@ -2235,38 +2953,38 @@
           <a:p>
             <a:pPr lvl="0"/>
             <a:r>
-              <a:rPr lang="en-US" smtClean="0"/>
-              <a:t>Edit Master text styles</a:t>
+              <a:rPr lang="en-US"/>
+              <a:t>Click to edit Master text styles</a:t>
             </a:r>
           </a:p>
           <a:p>
             <a:pPr lvl="1"/>
             <a:r>
-              <a:rPr lang="en-US" smtClean="0"/>
+              <a:rPr lang="en-US"/>
               <a:t>Second level</a:t>
             </a:r>
           </a:p>
           <a:p>
             <a:pPr lvl="2"/>
             <a:r>
-              <a:rPr lang="en-US" smtClean="0"/>
+              <a:rPr lang="en-US"/>
               <a:t>Third level</a:t>
             </a:r>
           </a:p>
           <a:p>
             <a:pPr lvl="3"/>
             <a:r>
-              <a:rPr lang="en-US" smtClean="0"/>
+              <a:rPr lang="en-US"/>
               <a:t>Fourth level</a:t>
             </a:r>
           </a:p>
           <a:p>
             <a:pPr lvl="4"/>
             <a:r>
-              <a:rPr lang="en-US" smtClean="0"/>
+              <a:rPr lang="en-US"/>
               <a:t>Fifth level</a:t>
             </a:r>
-            <a:endParaRPr lang="nl-BE"/>
+            <a:endParaRPr lang="en-US" dirty="0"/>
           </a:p>
         </p:txBody>
       </p:sp>
@@ -2282,8 +3000,8 @@
         </p:nvSpPr>
         <p:spPr>
           <a:xfrm>
-            <a:off x="4629150" y="1681163"/>
-            <a:ext cx="3887391" cy="823912"/>
+            <a:off x="6172200" y="1681163"/>
+            <a:ext cx="5183188" cy="823912"/>
           </a:xfrm>
         </p:spPr>
         <p:txBody>
@@ -2329,8 +3047,8 @@
           <a:p>
             <a:pPr lvl="0"/>
             <a:r>
-              <a:rPr lang="en-US" smtClean="0"/>
-              <a:t>Edit Master text styles</a:t>
+              <a:rPr lang="en-US"/>
+              <a:t>Click to edit Master text styles</a:t>
             </a:r>
           </a:p>
         </p:txBody>
@@ -2347,8 +3065,8 @@
         </p:nvSpPr>
         <p:spPr>
           <a:xfrm>
-            <a:off x="4629150" y="2505075"/>
-            <a:ext cx="3887391" cy="3684588"/>
+            <a:off x="6172200" y="2505075"/>
+            <a:ext cx="5183188" cy="3684588"/>
           </a:xfrm>
         </p:spPr>
         <p:txBody>
@@ -2357,38 +3075,38 @@
           <a:p>
             <a:pPr lvl="0"/>
             <a:r>
-              <a:rPr lang="en-US" smtClean="0"/>
-              <a:t>Edit Master text styles</a:t>
+              <a:rPr lang="en-US"/>
+              <a:t>Click to edit Master text styles</a:t>
             </a:r>
           </a:p>
           <a:p>
             <a:pPr lvl="1"/>
             <a:r>
-              <a:rPr lang="en-US" smtClean="0"/>
+              <a:rPr lang="en-US"/>
               <a:t>Second level</a:t>
             </a:r>
           </a:p>
           <a:p>
             <a:pPr lvl="2"/>
             <a:r>
-              <a:rPr lang="en-US" smtClean="0"/>
+              <a:rPr lang="en-US"/>
               <a:t>Third level</a:t>
             </a:r>
           </a:p>
           <a:p>
             <a:pPr lvl="3"/>
             <a:r>
-              <a:rPr lang="en-US" smtClean="0"/>
+              <a:rPr lang="en-US"/>
               <a:t>Fourth level</a:t>
             </a:r>
           </a:p>
           <a:p>
             <a:pPr lvl="4"/>
             <a:r>
-              <a:rPr lang="en-US" smtClean="0"/>
+              <a:rPr lang="en-US"/>
               <a:t>Fifth level</a:t>
             </a:r>
-            <a:endParaRPr lang="nl-BE"/>
+            <a:endParaRPr lang="en-US" dirty="0"/>
           </a:p>
         </p:txBody>
       </p:sp>
@@ -2409,7 +3127,7 @@
           <a:p>
             <a:fld id="{21F21368-17C6-4870-9BCB-BC49B72EC322}" type="datetimeFigureOut">
               <a:rPr lang="nl-BE" smtClean="0"/>
-              <a:t>8/02/2016</a:t>
+              <a:t>15/10/2020</a:t>
             </a:fld>
             <a:endParaRPr lang="nl-BE"/>
           </a:p>
@@ -2460,7 +3178,7 @@
     </p:spTree>
     <p:extLst>
       <p:ext uri="{BB962C8B-B14F-4D97-AF65-F5344CB8AC3E}">
-        <p14:creationId xmlns:p14="http://schemas.microsoft.com/office/powerpoint/2010/main" val="443289627"/>
+        <p14:creationId xmlns:p14="http://schemas.microsoft.com/office/powerpoint/2010/main" val="1890907866"/>
       </p:ext>
     </p:extLst>
   </p:cSld>
@@ -2503,10 +3221,10 @@
           <a:lstStyle/>
           <a:p>
             <a:r>
-              <a:rPr lang="en-US" smtClean="0"/>
+              <a:rPr lang="en-US"/>
               <a:t>Click to edit Master title style</a:t>
             </a:r>
-            <a:endParaRPr lang="nl-BE"/>
+            <a:endParaRPr lang="en-US" dirty="0"/>
           </a:p>
         </p:txBody>
       </p:sp>
@@ -2527,7 +3245,7 @@
           <a:p>
             <a:fld id="{21F21368-17C6-4870-9BCB-BC49B72EC322}" type="datetimeFigureOut">
               <a:rPr lang="nl-BE" smtClean="0"/>
-              <a:t>8/02/2016</a:t>
+              <a:t>15/10/2020</a:t>
             </a:fld>
             <a:endParaRPr lang="nl-BE"/>
           </a:p>
@@ -2578,7 +3296,7 @@
     </p:spTree>
     <p:extLst>
       <p:ext uri="{BB962C8B-B14F-4D97-AF65-F5344CB8AC3E}">
-        <p14:creationId xmlns:p14="http://schemas.microsoft.com/office/powerpoint/2010/main" val="1370930586"/>
+        <p14:creationId xmlns:p14="http://schemas.microsoft.com/office/powerpoint/2010/main" val="4006749599"/>
       </p:ext>
     </p:extLst>
   </p:cSld>
@@ -2622,7 +3340,7 @@
           <a:p>
             <a:fld id="{21F21368-17C6-4870-9BCB-BC49B72EC322}" type="datetimeFigureOut">
               <a:rPr lang="nl-BE" smtClean="0"/>
-              <a:t>8/02/2016</a:t>
+              <a:t>15/10/2020</a:t>
             </a:fld>
             <a:endParaRPr lang="nl-BE"/>
           </a:p>
@@ -2673,7 +3391,7 @@
     </p:spTree>
     <p:extLst>
       <p:ext uri="{BB962C8B-B14F-4D97-AF65-F5344CB8AC3E}">
-        <p14:creationId xmlns:p14="http://schemas.microsoft.com/office/powerpoint/2010/main" val="2194026261"/>
+        <p14:creationId xmlns:p14="http://schemas.microsoft.com/office/powerpoint/2010/main" val="1370712243"/>
       </p:ext>
     </p:extLst>
   </p:cSld>
@@ -2712,8 +3430,8 @@
         </p:nvSpPr>
         <p:spPr>
           <a:xfrm>
-            <a:off x="629841" y="457200"/>
-            <a:ext cx="2949178" cy="1600200"/>
+            <a:off x="839788" y="457200"/>
+            <a:ext cx="3932237" cy="1600200"/>
           </a:xfrm>
         </p:spPr>
         <p:txBody>
@@ -2725,10 +3443,10 @@
           </a:lstStyle>
           <a:p>
             <a:r>
-              <a:rPr lang="en-US" smtClean="0"/>
+              <a:rPr lang="en-US"/>
               <a:t>Click to edit Master title style</a:t>
             </a:r>
-            <a:endParaRPr lang="nl-BE"/>
+            <a:endParaRPr lang="en-US" dirty="0"/>
           </a:p>
         </p:txBody>
       </p:sp>
@@ -2744,8 +3462,8 @@
         </p:nvSpPr>
         <p:spPr>
           <a:xfrm>
-            <a:off x="3887391" y="987426"/>
-            <a:ext cx="4629150" cy="4873625"/>
+            <a:off x="5183188" y="987425"/>
+            <a:ext cx="6172200" cy="4873625"/>
           </a:xfrm>
         </p:spPr>
         <p:txBody>
@@ -2782,38 +3500,38 @@
           <a:p>
             <a:pPr lvl="0"/>
             <a:r>
-              <a:rPr lang="en-US" smtClean="0"/>
-              <a:t>Edit Master text styles</a:t>
+              <a:rPr lang="en-US"/>
+              <a:t>Click to edit Master text styles</a:t>
             </a:r>
           </a:p>
           <a:p>
             <a:pPr lvl="1"/>
             <a:r>
-              <a:rPr lang="en-US" smtClean="0"/>
+              <a:rPr lang="en-US"/>
               <a:t>Second level</a:t>
             </a:r>
           </a:p>
           <a:p>
             <a:pPr lvl="2"/>
             <a:r>
-              <a:rPr lang="en-US" smtClean="0"/>
+              <a:rPr lang="en-US"/>
               <a:t>Third level</a:t>
             </a:r>
           </a:p>
           <a:p>
             <a:pPr lvl="3"/>
             <a:r>
-              <a:rPr lang="en-US" smtClean="0"/>
+              <a:rPr lang="en-US"/>
               <a:t>Fourth level</a:t>
             </a:r>
           </a:p>
           <a:p>
             <a:pPr lvl="4"/>
             <a:r>
-              <a:rPr lang="en-US" smtClean="0"/>
+              <a:rPr lang="en-US"/>
               <a:t>Fifth level</a:t>
             </a:r>
-            <a:endParaRPr lang="nl-BE"/>
+            <a:endParaRPr lang="en-US" dirty="0"/>
           </a:p>
         </p:txBody>
       </p:sp>
@@ -2829,8 +3547,8 @@
         </p:nvSpPr>
         <p:spPr>
           <a:xfrm>
-            <a:off x="629841" y="2057400"/>
-            <a:ext cx="2949178" cy="3811588"/>
+            <a:off x="839788" y="2057400"/>
+            <a:ext cx="3932237" cy="3811588"/>
           </a:xfrm>
         </p:spPr>
         <p:txBody>
@@ -2876,8 +3594,8 @@
           <a:p>
             <a:pPr lvl="0"/>
             <a:r>
-              <a:rPr lang="en-US" smtClean="0"/>
-              <a:t>Edit Master text styles</a:t>
+              <a:rPr lang="en-US"/>
+              <a:t>Click to edit Master text styles</a:t>
             </a:r>
           </a:p>
         </p:txBody>
@@ -2899,7 +3617,7 @@
           <a:p>
             <a:fld id="{21F21368-17C6-4870-9BCB-BC49B72EC322}" type="datetimeFigureOut">
               <a:rPr lang="nl-BE" smtClean="0"/>
-              <a:t>8/02/2016</a:t>
+              <a:t>15/10/2020</a:t>
             </a:fld>
             <a:endParaRPr lang="nl-BE"/>
           </a:p>
@@ -2950,7 +3668,7 @@
     </p:spTree>
     <p:extLst>
       <p:ext uri="{BB962C8B-B14F-4D97-AF65-F5344CB8AC3E}">
-        <p14:creationId xmlns:p14="http://schemas.microsoft.com/office/powerpoint/2010/main" val="858006356"/>
+        <p14:creationId xmlns:p14="http://schemas.microsoft.com/office/powerpoint/2010/main" val="2002610314"/>
       </p:ext>
     </p:extLst>
   </p:cSld>
@@ -2989,8 +3707,8 @@
         </p:nvSpPr>
         <p:spPr>
           <a:xfrm>
-            <a:off x="629841" y="457200"/>
-            <a:ext cx="2949178" cy="1600200"/>
+            <a:off x="839788" y="457200"/>
+            <a:ext cx="3932237" cy="1600200"/>
           </a:xfrm>
         </p:spPr>
         <p:txBody>
@@ -3002,10 +3720,10 @@
           </a:lstStyle>
           <a:p>
             <a:r>
-              <a:rPr lang="en-US" smtClean="0"/>
+              <a:rPr lang="en-US"/>
               <a:t>Click to edit Master title style</a:t>
             </a:r>
-            <a:endParaRPr lang="nl-BE"/>
+            <a:endParaRPr lang="en-US" dirty="0"/>
           </a:p>
         </p:txBody>
       </p:sp>
@@ -3013,7 +3731,7 @@
         <p:nvSpPr>
           <p:cNvPr id="3" name="Picture Placeholder 2"/>
           <p:cNvSpPr>
-            <a:spLocks noGrp="1"/>
+            <a:spLocks noGrp="1" noChangeAspect="1"/>
           </p:cNvSpPr>
           <p:nvPr>
             <p:ph type="pic" idx="1"/>
@@ -3021,12 +3739,12 @@
         </p:nvSpPr>
         <p:spPr>
           <a:xfrm>
-            <a:off x="3887391" y="987426"/>
-            <a:ext cx="4629150" cy="4873625"/>
+            <a:off x="5183188" y="987425"/>
+            <a:ext cx="6172200" cy="4873625"/>
           </a:xfrm>
         </p:spPr>
         <p:txBody>
-          <a:bodyPr/>
+          <a:bodyPr anchor="t"/>
           <a:lstStyle>
             <a:lvl1pPr marL="0" indent="0">
               <a:buNone/>
@@ -3066,7 +3784,11 @@
             </a:lvl9pPr>
           </a:lstStyle>
           <a:p>
-            <a:endParaRPr lang="nl-BE"/>
+            <a:r>
+              <a:rPr lang="en-US"/>
+              <a:t>Click icon to add picture</a:t>
+            </a:r>
+            <a:endParaRPr lang="en-US" dirty="0"/>
           </a:p>
         </p:txBody>
       </p:sp>
@@ -3082,8 +3804,8 @@
         </p:nvSpPr>
         <p:spPr>
           <a:xfrm>
-            <a:off x="629841" y="2057400"/>
-            <a:ext cx="2949178" cy="3811588"/>
+            <a:off x="839788" y="2057400"/>
+            <a:ext cx="3932237" cy="3811588"/>
           </a:xfrm>
         </p:spPr>
         <p:txBody>
@@ -3129,8 +3851,8 @@
           <a:p>
             <a:pPr lvl="0"/>
             <a:r>
-              <a:rPr lang="en-US" smtClean="0"/>
-              <a:t>Edit Master text styles</a:t>
+              <a:rPr lang="en-US"/>
+              <a:t>Click to edit Master text styles</a:t>
             </a:r>
           </a:p>
         </p:txBody>
@@ -3152,7 +3874,7 @@
           <a:p>
             <a:fld id="{21F21368-17C6-4870-9BCB-BC49B72EC322}" type="datetimeFigureOut">
               <a:rPr lang="nl-BE" smtClean="0"/>
-              <a:t>8/02/2016</a:t>
+              <a:t>15/10/2020</a:t>
             </a:fld>
             <a:endParaRPr lang="nl-BE"/>
           </a:p>
@@ -3203,7 +3925,7 @@
     </p:spTree>
     <p:extLst>
       <p:ext uri="{BB962C8B-B14F-4D97-AF65-F5344CB8AC3E}">
-        <p14:creationId xmlns:p14="http://schemas.microsoft.com/office/powerpoint/2010/main" val="3625297547"/>
+        <p14:creationId xmlns:p14="http://schemas.microsoft.com/office/powerpoint/2010/main" val="68249640"/>
       </p:ext>
     </p:extLst>
   </p:cSld>
@@ -3247,8 +3969,8 @@
         </p:nvSpPr>
         <p:spPr>
           <a:xfrm>
-            <a:off x="628650" y="365126"/>
-            <a:ext cx="7886700" cy="1325563"/>
+            <a:off x="838200" y="365125"/>
+            <a:ext cx="10515600" cy="1325563"/>
           </a:xfrm>
           <a:prstGeom prst="rect">
             <a:avLst/>
@@ -3261,10 +3983,10 @@
           <a:lstStyle/>
           <a:p>
             <a:r>
-              <a:rPr lang="en-US" smtClean="0"/>
+              <a:rPr lang="en-US"/>
               <a:t>Click to edit Master title style</a:t>
             </a:r>
-            <a:endParaRPr lang="nl-BE"/>
+            <a:endParaRPr lang="en-US" dirty="0"/>
           </a:p>
         </p:txBody>
       </p:sp>
@@ -3280,8 +4002,8 @@
         </p:nvSpPr>
         <p:spPr>
           <a:xfrm>
-            <a:off x="628650" y="1825625"/>
-            <a:ext cx="7886700" cy="4351338"/>
+            <a:off x="838200" y="1825625"/>
+            <a:ext cx="10515600" cy="4351338"/>
           </a:xfrm>
           <a:prstGeom prst="rect">
             <a:avLst/>
@@ -3295,38 +4017,38 @@
           <a:p>
             <a:pPr lvl="0"/>
             <a:r>
-              <a:rPr lang="en-US" smtClean="0"/>
-              <a:t>Edit Master text styles</a:t>
+              <a:rPr lang="en-US"/>
+              <a:t>Click to edit Master text styles</a:t>
             </a:r>
           </a:p>
           <a:p>
             <a:pPr lvl="1"/>
             <a:r>
-              <a:rPr lang="en-US" smtClean="0"/>
+              <a:rPr lang="en-US"/>
               <a:t>Second level</a:t>
             </a:r>
           </a:p>
           <a:p>
             <a:pPr lvl="2"/>
             <a:r>
-              <a:rPr lang="en-US" smtClean="0"/>
+              <a:rPr lang="en-US"/>
               <a:t>Third level</a:t>
             </a:r>
           </a:p>
           <a:p>
             <a:pPr lvl="3"/>
             <a:r>
-              <a:rPr lang="en-US" smtClean="0"/>
+              <a:rPr lang="en-US"/>
               <a:t>Fourth level</a:t>
             </a:r>
           </a:p>
           <a:p>
             <a:pPr lvl="4"/>
             <a:r>
-              <a:rPr lang="en-US" smtClean="0"/>
+              <a:rPr lang="en-US"/>
               <a:t>Fifth level</a:t>
             </a:r>
-            <a:endParaRPr lang="nl-BE"/>
+            <a:endParaRPr lang="en-US" dirty="0"/>
           </a:p>
         </p:txBody>
       </p:sp>
@@ -3342,8 +4064,8 @@
         </p:nvSpPr>
         <p:spPr>
           <a:xfrm>
-            <a:off x="628650" y="6356351"/>
-            <a:ext cx="2057400" cy="365125"/>
+            <a:off x="838200" y="6356350"/>
+            <a:ext cx="2743200" cy="365125"/>
           </a:xfrm>
           <a:prstGeom prst="rect">
             <a:avLst/>
@@ -3365,7 +4087,7 @@
           <a:p>
             <a:fld id="{21F21368-17C6-4870-9BCB-BC49B72EC322}" type="datetimeFigureOut">
               <a:rPr lang="nl-BE" smtClean="0"/>
-              <a:t>8/02/2016</a:t>
+              <a:t>15/10/2020</a:t>
             </a:fld>
             <a:endParaRPr lang="nl-BE"/>
           </a:p>
@@ -3383,8 +4105,8 @@
         </p:nvSpPr>
         <p:spPr>
           <a:xfrm>
-            <a:off x="3028950" y="6356351"/>
-            <a:ext cx="3086100" cy="365125"/>
+            <a:off x="4038600" y="6356350"/>
+            <a:ext cx="4114800" cy="365125"/>
           </a:xfrm>
           <a:prstGeom prst="rect">
             <a:avLst/>
@@ -3420,8 +4142,8 @@
         </p:nvSpPr>
         <p:spPr>
           <a:xfrm>
-            <a:off x="6457950" y="6356351"/>
-            <a:ext cx="2057400" cy="365125"/>
+            <a:off x="8610600" y="6356350"/>
+            <a:ext cx="2743200" cy="365125"/>
           </a:xfrm>
           <a:prstGeom prst="rect">
             <a:avLst/>
@@ -3452,24 +4174,24 @@
     </p:spTree>
     <p:extLst>
       <p:ext uri="{BB962C8B-B14F-4D97-AF65-F5344CB8AC3E}">
-        <p14:creationId xmlns:p14="http://schemas.microsoft.com/office/powerpoint/2010/main" val="1643627598"/>
+        <p14:creationId xmlns:p14="http://schemas.microsoft.com/office/powerpoint/2010/main" val="3174737552"/>
       </p:ext>
     </p:extLst>
   </p:cSld>
   <p:clrMap bg1="lt1" tx1="dk1" bg2="lt2" tx2="dk2" accent1="accent1" accent2="accent2" accent3="accent3" accent4="accent4" accent5="accent5" accent6="accent6" hlink="hlink" folHlink="folHlink"/>
   <p:sldLayoutIdLst>
-    <p:sldLayoutId id="2147483649" r:id="rId1"/>
-    <p:sldLayoutId id="2147483650" r:id="rId2"/>
-    <p:sldLayoutId id="2147483651" r:id="rId3"/>
-    <p:sldLayoutId id="2147483652" r:id="rId4"/>
-    <p:sldLayoutId id="2147483653" r:id="rId5"/>
-    <p:sldLayoutId id="2147483654" r:id="rId6"/>
-    <p:sldLayoutId id="2147483655" r:id="rId7"/>
-    <p:sldLayoutId id="2147483656" r:id="rId8"/>
-    <p:sldLayoutId id="2147483657" r:id="rId9"/>
-    <p:sldLayoutId id="2147483658" r:id="rId10"/>
-    <p:sldLayoutId id="2147483659" r:id="rId11"/>
-    <p:sldLayoutId id="2147483660" r:id="rId12"/>
+    <p:sldLayoutId id="2147483662" r:id="rId1"/>
+    <p:sldLayoutId id="2147483663" r:id="rId2"/>
+    <p:sldLayoutId id="2147483664" r:id="rId3"/>
+    <p:sldLayoutId id="2147483665" r:id="rId4"/>
+    <p:sldLayoutId id="2147483666" r:id="rId5"/>
+    <p:sldLayoutId id="2147483667" r:id="rId6"/>
+    <p:sldLayoutId id="2147483668" r:id="rId7"/>
+    <p:sldLayoutId id="2147483669" r:id="rId8"/>
+    <p:sldLayoutId id="2147483670" r:id="rId9"/>
+    <p:sldLayoutId id="2147483671" r:id="rId10"/>
+    <p:sldLayoutId id="2147483672" r:id="rId11"/>
+    <p:sldLayoutId id="2147483673" r:id="rId12"/>
   </p:sldLayoutIdLst>
   <p:txStyles>
     <p:titleStyle>
@@ -3657,7 +4379,7 @@
     </p:bodyStyle>
     <p:otherStyle>
       <a:defPPr>
-        <a:defRPr lang="nl-BE"/>
+        <a:defRPr lang="en-US"/>
       </a:defPPr>
       <a:lvl1pPr marL="0" algn="l" defTabSz="914400" rtl="0" eaLnBrk="1" latinLnBrk="0" hangingPunct="1">
         <a:defRPr sz="1800" kern="1200">
@@ -3783,7 +4505,7 @@
         </p:nvSpPr>
         <p:spPr>
           <a:xfrm>
-            <a:off x="0" y="3357192"/>
+            <a:off x="1524000" y="3357192"/>
             <a:ext cx="9144000" cy="1119012"/>
           </a:xfrm>
         </p:spPr>
@@ -3793,7 +4515,7 @@
           <a:p>
             <a:pPr algn="l" eaLnBrk="1" hangingPunct="1"/>
             <a:r>
-              <a:rPr lang="en-GB" sz="2800" smtClean="0"/>
+              <a:rPr lang="en-GB" sz="2800"/>
               <a:t>System administration and automation in a Windows environment</a:t>
             </a:r>
           </a:p>
@@ -3816,7 +4538,7 @@
           <a:p>
             <a:pPr algn="l" eaLnBrk="1" hangingPunct="1"/>
             <a:r>
-              <a:rPr lang="en-GB" smtClean="0"/>
+              <a:rPr lang="en-GB"/>
               <a:t>Windows PowerShell </a:t>
             </a:r>
           </a:p>
@@ -3830,7 +4552,7 @@
         </p:nvSpPr>
         <p:spPr>
           <a:xfrm>
-            <a:off x="3491880" y="6093296"/>
+            <a:off x="5015881" y="6093296"/>
             <a:ext cx="4357687" cy="400110"/>
           </a:xfrm>
           <a:prstGeom prst="rect">
@@ -3848,20 +4570,13 @@
               <a:defRPr/>
             </a:pPr>
             <a:r>
-              <a:rPr lang="en-GB" sz="2000" smtClean="0">
+              <a:rPr lang="en-GB" sz="2000">
                 <a:solidFill>
                   <a:srgbClr val="00234D"/>
                 </a:solidFill>
-                <a:latin typeface="+mn-lt"/>
               </a:rPr>
               <a:t>Karin De Maertelaere, Jochen Mariën</a:t>
             </a:r>
-            <a:endParaRPr lang="en-GB" sz="2000">
-              <a:solidFill>
-                <a:srgbClr val="00234D"/>
-              </a:solidFill>
-              <a:latin typeface="+mn-lt"/>
-            </a:endParaRPr>
           </a:p>
         </p:txBody>
       </p:sp>
@@ -3881,7 +4596,7 @@
         </p:blipFill>
         <p:spPr>
           <a:xfrm>
-            <a:off x="6228184" y="437780"/>
+            <a:off x="7752184" y="437780"/>
             <a:ext cx="2438400" cy="2438400"/>
           </a:xfrm>
           <a:prstGeom prst="rect">
@@ -3899,7 +4614,7 @@
         </p:nvSpPr>
         <p:spPr>
           <a:xfrm>
-            <a:off x="0" y="4476204"/>
+            <a:off x="1524000" y="4476204"/>
             <a:ext cx="9144000" cy="1119012"/>
           </a:xfrm>
           <a:prstGeom prst="rect">
@@ -4095,13 +4810,8 @@
             <a:pPr algn="r"/>
             <a:r>
               <a:rPr lang="en-GB" sz="2800" dirty="0"/>
-              <a:t>- Windows Management Instrumentation </a:t>
-            </a:r>
-            <a:r>
-              <a:rPr lang="en-GB" sz="2800" dirty="0" smtClean="0"/>
-              <a:t>-</a:t>
-            </a:r>
-            <a:endParaRPr lang="en-GB" sz="2800" dirty="0" smtClean="0"/>
+              <a:t>- Windows Management Instrumentation -</a:t>
+            </a:r>
           </a:p>
         </p:txBody>
       </p:sp>
@@ -4116,13 +4826,6 @@
     <a:masterClrMapping/>
   </p:clrMapOvr>
   <p:transition/>
-  <p:timing>
-    <p:tnLst>
-      <p:par>
-        <p:cTn id="1" dur="indefinite" restart="never" nodeType="tmRoot"/>
-      </p:par>
-    </p:tnLst>
-  </p:timing>
 </p:sld>
 </file>
 
@@ -4159,11 +4862,11 @@
           <a:lstStyle/>
           <a:p>
             <a:r>
-              <a:rPr lang="nl-BE" dirty="0" smtClean="0"/>
+              <a:rPr lang="nl-BE" dirty="0"/>
               <a:t>Date </a:t>
             </a:r>
             <a:r>
-              <a:rPr lang="nl-BE" dirty="0" err="1" smtClean="0"/>
+              <a:rPr lang="nl-BE" dirty="0" err="1"/>
               <a:t>conversion</a:t>
             </a:r>
             <a:endParaRPr lang="en-GB" dirty="0"/>
@@ -4186,15 +4889,15 @@
           <a:lstStyle/>
           <a:p>
             <a:r>
-              <a:rPr lang="nl-BE" dirty="0" smtClean="0"/>
+              <a:rPr lang="nl-BE" dirty="0"/>
               <a:t>WMI </a:t>
             </a:r>
             <a:r>
-              <a:rPr lang="nl-BE" dirty="0" err="1" smtClean="0"/>
+              <a:rPr lang="nl-BE" dirty="0" err="1"/>
               <a:t>provides</a:t>
             </a:r>
             <a:r>
-              <a:rPr lang="nl-BE" dirty="0" smtClean="0"/>
+              <a:rPr lang="nl-BE" dirty="0"/>
               <a:t> dates in UTC-format</a:t>
             </a:r>
           </a:p>
@@ -4204,88 +4907,34 @@
               <a:rPr lang="en-GB" dirty="0"/>
               <a:t> </a:t>
             </a:r>
+          </a:p>
+          <a:p>
+            <a:endParaRPr lang="en-GB" dirty="0"/>
+          </a:p>
+          <a:p>
             <a:r>
               <a:rPr lang="en-GB" dirty="0"/>
-              <a:t>Get-</a:t>
+              <a:t>Get-Cim… </a:t>
             </a:r>
             <a:r>
               <a:rPr lang="en-GB" dirty="0" err="1"/>
-              <a:t>WmiObject</a:t>
+              <a:t>performes</a:t>
             </a:r>
             <a:r>
               <a:rPr lang="en-GB" dirty="0"/>
-              <a:t> -Class Win32_OperatingSystem -property </a:t>
-            </a:r>
-            <a:r>
-              <a:rPr lang="en-GB" dirty="0" err="1"/>
-              <a:t>LastBootUpTime</a:t>
-            </a:r>
-            <a:r>
-              <a:rPr lang="en-GB" dirty="0"/>
-              <a:t> </a:t>
+              <a:t> automatic conversion</a:t>
             </a:r>
           </a:p>
           <a:p>
             <a:pPr lvl="1"/>
-            <a:endParaRPr lang="en-GB" dirty="0" smtClean="0"/>
-          </a:p>
-          <a:p>
-            <a:r>
-              <a:rPr lang="en-GB" dirty="0" smtClean="0"/>
-              <a:t>Get-</a:t>
-            </a:r>
-            <a:r>
-              <a:rPr lang="en-GB" dirty="0" err="1" smtClean="0"/>
-              <a:t>Cim</a:t>
-            </a:r>
-            <a:r>
-              <a:rPr lang="en-GB" dirty="0" smtClean="0"/>
-              <a:t>… </a:t>
-            </a:r>
-            <a:r>
-              <a:rPr lang="en-GB" dirty="0" err="1" smtClean="0"/>
-              <a:t>performes</a:t>
-            </a:r>
-            <a:r>
-              <a:rPr lang="en-GB" dirty="0" smtClean="0"/>
-              <a:t> automatic conversion </a:t>
-            </a:r>
-          </a:p>
-          <a:p>
-            <a:pPr lvl="1"/>
-            <a:r>
-              <a:rPr lang="en-GB" dirty="0" smtClean="0"/>
-              <a:t>(</a:t>
-            </a:r>
-            <a:r>
-              <a:rPr lang="en-GB" dirty="0"/>
-              <a:t>Get-</a:t>
-            </a:r>
-            <a:r>
-              <a:rPr lang="en-GB" dirty="0" err="1"/>
-              <a:t>CimInstance</a:t>
-            </a:r>
-            <a:r>
-              <a:rPr lang="en-GB" dirty="0"/>
-              <a:t> -Class Win32_OperatingSystem -property </a:t>
-            </a:r>
-            <a:r>
-              <a:rPr lang="en-GB" dirty="0" err="1"/>
-              <a:t>LastBootUpTime</a:t>
-            </a:r>
-            <a:r>
-              <a:rPr lang="en-GB" dirty="0"/>
-              <a:t>).</a:t>
-            </a:r>
-            <a:r>
-              <a:rPr lang="en-GB" dirty="0" err="1"/>
-              <a:t>lastbootuptime</a:t>
-            </a:r>
             <a:r>
               <a:rPr lang="en-GB" dirty="0"/>
               <a:t>  </a:t>
             </a:r>
-            <a:endParaRPr lang="en-GB" dirty="0" smtClean="0"/>
+          </a:p>
+          <a:p>
+            <a:pPr lvl="1"/>
+            <a:endParaRPr lang="en-GB" dirty="0"/>
           </a:p>
           <a:p>
             <a:pPr lvl="1"/>
@@ -4312,7 +4961,7 @@
         </p:blipFill>
         <p:spPr>
           <a:xfrm>
-            <a:off x="821416" y="3071804"/>
+            <a:off x="2345417" y="2826529"/>
             <a:ext cx="7501167" cy="257183"/>
           </a:xfrm>
           <a:prstGeom prst="rect">
@@ -4336,7 +4985,7 @@
         </p:blipFill>
         <p:spPr>
           <a:xfrm>
-            <a:off x="821416" y="4598980"/>
+            <a:off x="2345417" y="4555439"/>
             <a:ext cx="4474887" cy="307989"/>
           </a:xfrm>
           <a:prstGeom prst="rect">
@@ -4344,6 +4993,338 @@
           </a:prstGeom>
         </p:spPr>
       </p:pic>
+      <p:sp>
+        <p:nvSpPr>
+          <p:cNvPr id="7" name="TextBox 6">
+            <a:extLst>
+              <a:ext uri="{FF2B5EF4-FFF2-40B4-BE49-F238E27FC236}">
+                <a16:creationId xmlns:a16="http://schemas.microsoft.com/office/drawing/2014/main" id="{CD2C896B-CC8B-4C0A-82A2-79E15C990F7C}"/>
+              </a:ext>
+            </a:extLst>
+          </p:cNvPr>
+          <p:cNvSpPr txBox="1"/>
+          <p:nvPr/>
+        </p:nvSpPr>
+        <p:spPr>
+          <a:xfrm>
+            <a:off x="1628503" y="2277945"/>
+            <a:ext cx="9596846" cy="646331"/>
+          </a:xfrm>
+          <a:prstGeom prst="rect">
+            <a:avLst/>
+          </a:prstGeom>
+          <a:noFill/>
+        </p:spPr>
+        <p:txBody>
+          <a:bodyPr wrap="square">
+            <a:spAutoFit/>
+          </a:bodyPr>
+          <a:lstStyle/>
+          <a:p>
+            <a:r>
+              <a:rPr lang="en-US" dirty="0"/>
+              <a:t> </a:t>
+            </a:r>
+            <a:r>
+              <a:rPr lang="en-US" sz="1800" dirty="0">
+                <a:solidFill>
+                  <a:srgbClr val="0000FF"/>
+                </a:solidFill>
+                <a:latin typeface="Lucida Console" panose="020B0609040504020204" pitchFamily="49" charset="0"/>
+              </a:rPr>
+              <a:t>Get-</a:t>
+            </a:r>
+            <a:r>
+              <a:rPr lang="en-US" sz="1800" dirty="0" err="1">
+                <a:solidFill>
+                  <a:srgbClr val="0000FF"/>
+                </a:solidFill>
+                <a:latin typeface="Lucida Console" panose="020B0609040504020204" pitchFamily="49" charset="0"/>
+              </a:rPr>
+              <a:t>WmiObject</a:t>
+            </a:r>
+            <a:r>
+              <a:rPr lang="en-US" sz="1800" dirty="0">
+                <a:solidFill>
+                  <a:prstClr val="black"/>
+                </a:solidFill>
+                <a:latin typeface="Lucida Console" panose="020B0609040504020204" pitchFamily="49" charset="0"/>
+              </a:rPr>
+              <a:t> </a:t>
+            </a:r>
+            <a:r>
+              <a:rPr lang="en-US" sz="1800" dirty="0">
+                <a:solidFill>
+                  <a:srgbClr val="000080"/>
+                </a:solidFill>
+                <a:latin typeface="Lucida Console" panose="020B0609040504020204" pitchFamily="49" charset="0"/>
+              </a:rPr>
+              <a:t>-Class</a:t>
+            </a:r>
+            <a:r>
+              <a:rPr lang="en-US" sz="1800" dirty="0">
+                <a:solidFill>
+                  <a:prstClr val="black"/>
+                </a:solidFill>
+                <a:latin typeface="Lucida Console" panose="020B0609040504020204" pitchFamily="49" charset="0"/>
+              </a:rPr>
+              <a:t> </a:t>
+            </a:r>
+            <a:r>
+              <a:rPr lang="en-US" sz="1800" dirty="0">
+                <a:solidFill>
+                  <a:srgbClr val="8A2BE2"/>
+                </a:solidFill>
+                <a:latin typeface="Lucida Console" panose="020B0609040504020204" pitchFamily="49" charset="0"/>
+              </a:rPr>
+              <a:t>Win32_OperatingSystem</a:t>
+            </a:r>
+            <a:r>
+              <a:rPr lang="en-US" sz="1800" dirty="0">
+                <a:solidFill>
+                  <a:prstClr val="black"/>
+                </a:solidFill>
+                <a:latin typeface="Lucida Console" panose="020B0609040504020204" pitchFamily="49" charset="0"/>
+              </a:rPr>
+              <a:t> </a:t>
+            </a:r>
+            <a:r>
+              <a:rPr lang="en-US" sz="1800" dirty="0">
+                <a:solidFill>
+                  <a:srgbClr val="000080"/>
+                </a:solidFill>
+                <a:latin typeface="Lucida Console" panose="020B0609040504020204" pitchFamily="49" charset="0"/>
+              </a:rPr>
+              <a:t>-property</a:t>
+            </a:r>
+            <a:r>
+              <a:rPr lang="en-US" sz="1800" dirty="0">
+                <a:solidFill>
+                  <a:prstClr val="black"/>
+                </a:solidFill>
+                <a:latin typeface="Lucida Console" panose="020B0609040504020204" pitchFamily="49" charset="0"/>
+              </a:rPr>
+              <a:t> </a:t>
+            </a:r>
+            <a:r>
+              <a:rPr lang="en-US" sz="1800" dirty="0" err="1">
+                <a:solidFill>
+                  <a:srgbClr val="8A2BE2"/>
+                </a:solidFill>
+                <a:latin typeface="Lucida Console" panose="020B0609040504020204" pitchFamily="49" charset="0"/>
+              </a:rPr>
+              <a:t>LastBootUpTime</a:t>
+            </a:r>
+            <a:r>
+              <a:rPr lang="en-US" sz="1800" dirty="0">
+                <a:solidFill>
+                  <a:prstClr val="black"/>
+                </a:solidFill>
+                <a:latin typeface="Lucida Console" panose="020B0609040504020204" pitchFamily="49" charset="0"/>
+              </a:rPr>
+              <a:t> </a:t>
+            </a:r>
+          </a:p>
+          <a:p>
+            <a:r>
+              <a:rPr lang="en-GB" sz="1800" dirty="0">
+                <a:solidFill>
+                  <a:prstClr val="black"/>
+                </a:solidFill>
+                <a:latin typeface="Lucida Console" panose="020B0609040504020204" pitchFamily="49" charset="0"/>
+              </a:rPr>
+              <a:t> </a:t>
+            </a:r>
+          </a:p>
+        </p:txBody>
+      </p:sp>
+      <p:sp>
+        <p:nvSpPr>
+          <p:cNvPr id="9" name="TextBox 8">
+            <a:extLst>
+              <a:ext uri="{FF2B5EF4-FFF2-40B4-BE49-F238E27FC236}">
+                <a16:creationId xmlns:a16="http://schemas.microsoft.com/office/drawing/2014/main" id="{90BF6E1D-4A5A-44B8-82EB-CF61123D40D7}"/>
+              </a:ext>
+            </a:extLst>
+          </p:cNvPr>
+          <p:cNvSpPr txBox="1"/>
+          <p:nvPr/>
+        </p:nvSpPr>
+        <p:spPr>
+          <a:xfrm>
+            <a:off x="1628503" y="3774289"/>
+            <a:ext cx="8900160" cy="646331"/>
+          </a:xfrm>
+          <a:prstGeom prst="rect">
+            <a:avLst/>
+          </a:prstGeom>
+          <a:noFill/>
+        </p:spPr>
+        <p:txBody>
+          <a:bodyPr wrap="square">
+            <a:spAutoFit/>
+          </a:bodyPr>
+          <a:lstStyle/>
+          <a:p>
+            <a:r>
+              <a:rPr lang="en-US" dirty="0"/>
+              <a:t> </a:t>
+            </a:r>
+            <a:r>
+              <a:rPr lang="en-US" sz="1800" dirty="0">
+                <a:latin typeface="Lucida Console" panose="020B0609040504020204" pitchFamily="49" charset="0"/>
+              </a:rPr>
+              <a:t>(</a:t>
+            </a:r>
+            <a:r>
+              <a:rPr lang="en-US" sz="1800" dirty="0">
+                <a:solidFill>
+                  <a:srgbClr val="0000FF"/>
+                </a:solidFill>
+                <a:latin typeface="Lucida Console" panose="020B0609040504020204" pitchFamily="49" charset="0"/>
+              </a:rPr>
+              <a:t>Get-</a:t>
+            </a:r>
+            <a:r>
+              <a:rPr lang="en-US" sz="1800" dirty="0" err="1">
+                <a:solidFill>
+                  <a:srgbClr val="0000FF"/>
+                </a:solidFill>
+                <a:latin typeface="Lucida Console" panose="020B0609040504020204" pitchFamily="49" charset="0"/>
+              </a:rPr>
+              <a:t>CimInstance</a:t>
+            </a:r>
+            <a:r>
+              <a:rPr lang="en-US" sz="1800" dirty="0">
+                <a:solidFill>
+                  <a:prstClr val="black"/>
+                </a:solidFill>
+                <a:latin typeface="Lucida Console" panose="020B0609040504020204" pitchFamily="49" charset="0"/>
+              </a:rPr>
+              <a:t> </a:t>
+            </a:r>
+            <a:r>
+              <a:rPr lang="en-US" sz="1800" dirty="0">
+                <a:solidFill>
+                  <a:srgbClr val="000080"/>
+                </a:solidFill>
+                <a:latin typeface="Lucida Console" panose="020B0609040504020204" pitchFamily="49" charset="0"/>
+              </a:rPr>
+              <a:t>-Class</a:t>
+            </a:r>
+            <a:r>
+              <a:rPr lang="en-US" sz="1800" dirty="0">
+                <a:solidFill>
+                  <a:prstClr val="black"/>
+                </a:solidFill>
+                <a:latin typeface="Lucida Console" panose="020B0609040504020204" pitchFamily="49" charset="0"/>
+              </a:rPr>
+              <a:t> </a:t>
+            </a:r>
+            <a:r>
+              <a:rPr lang="en-US" sz="1800" dirty="0">
+                <a:solidFill>
+                  <a:srgbClr val="8A2BE2"/>
+                </a:solidFill>
+                <a:latin typeface="Lucida Console" panose="020B0609040504020204" pitchFamily="49" charset="0"/>
+              </a:rPr>
+              <a:t>Win32_OperatingSystem</a:t>
+            </a:r>
+            <a:r>
+              <a:rPr lang="en-US" sz="1800" dirty="0">
+                <a:solidFill>
+                  <a:prstClr val="black"/>
+                </a:solidFill>
+                <a:latin typeface="Lucida Console" panose="020B0609040504020204" pitchFamily="49" charset="0"/>
+              </a:rPr>
+              <a:t> `</a:t>
+            </a:r>
+          </a:p>
+          <a:p>
+            <a:r>
+              <a:rPr lang="en-US" sz="1800">
+                <a:solidFill>
+                  <a:prstClr val="black"/>
+                </a:solidFill>
+                <a:latin typeface="Lucida Console" panose="020B0609040504020204" pitchFamily="49" charset="0"/>
+              </a:rPr>
+              <a:t>					</a:t>
+            </a:r>
+            <a:r>
+              <a:rPr lang="en-US" sz="1800">
+                <a:solidFill>
+                  <a:srgbClr val="000080"/>
+                </a:solidFill>
+                <a:latin typeface="Lucida Console" panose="020B0609040504020204" pitchFamily="49" charset="0"/>
+              </a:rPr>
+              <a:t>-</a:t>
+            </a:r>
+            <a:r>
+              <a:rPr lang="en-US" sz="1800" dirty="0">
+                <a:solidFill>
+                  <a:srgbClr val="000080"/>
+                </a:solidFill>
+                <a:latin typeface="Lucida Console" panose="020B0609040504020204" pitchFamily="49" charset="0"/>
+              </a:rPr>
+              <a:t>property</a:t>
+            </a:r>
+            <a:r>
+              <a:rPr lang="en-US" sz="1800" dirty="0">
+                <a:solidFill>
+                  <a:prstClr val="black"/>
+                </a:solidFill>
+                <a:latin typeface="Lucida Console" panose="020B0609040504020204" pitchFamily="49" charset="0"/>
+              </a:rPr>
+              <a:t> </a:t>
+            </a:r>
+            <a:r>
+              <a:rPr lang="en-US" sz="1800" dirty="0" err="1">
+                <a:solidFill>
+                  <a:srgbClr val="8A2BE2"/>
+                </a:solidFill>
+                <a:latin typeface="Lucida Console" panose="020B0609040504020204" pitchFamily="49" charset="0"/>
+              </a:rPr>
+              <a:t>LastBootUpTime</a:t>
+            </a:r>
+            <a:r>
+              <a:rPr lang="en-US" sz="1800" dirty="0">
+                <a:solidFill>
+                  <a:prstClr val="black"/>
+                </a:solidFill>
+                <a:latin typeface="Lucida Console" panose="020B0609040504020204" pitchFamily="49" charset="0"/>
+              </a:rPr>
+              <a:t>)</a:t>
+            </a:r>
+            <a:r>
+              <a:rPr lang="en-US" sz="1800" dirty="0">
+                <a:solidFill>
+                  <a:srgbClr val="696969"/>
+                </a:solidFill>
+                <a:latin typeface="Lucida Console" panose="020B0609040504020204" pitchFamily="49" charset="0"/>
+              </a:rPr>
+              <a:t>.</a:t>
+            </a:r>
+            <a:r>
+              <a:rPr lang="en-US" sz="1800" dirty="0" err="1">
+                <a:solidFill>
+                  <a:prstClr val="black"/>
+                </a:solidFill>
+                <a:latin typeface="Lucida Console" panose="020B0609040504020204" pitchFamily="49" charset="0"/>
+              </a:rPr>
+              <a:t>lastbootuptime</a:t>
+            </a:r>
+            <a:r>
+              <a:rPr lang="en-US" sz="1800" dirty="0">
+                <a:solidFill>
+                  <a:prstClr val="black"/>
+                </a:solidFill>
+                <a:latin typeface="Lucida Console" panose="020B0609040504020204" pitchFamily="49" charset="0"/>
+              </a:rPr>
+              <a:t>   </a:t>
+            </a:r>
+          </a:p>
+        </p:txBody>
+      </p:sp>
     </p:spTree>
     <p:extLst>
       <p:ext uri="{BB962C8B-B14F-4D97-AF65-F5344CB8AC3E}">
@@ -4390,11 +5371,11 @@
           <a:lstStyle/>
           <a:p>
             <a:r>
-              <a:rPr lang="nl-BE" dirty="0" smtClean="0"/>
+              <a:rPr lang="nl-BE" dirty="0"/>
               <a:t>WQL </a:t>
             </a:r>
             <a:r>
-              <a:rPr lang="nl-BE" dirty="0" err="1" smtClean="0"/>
+              <a:rPr lang="nl-BE" dirty="0" err="1"/>
               <a:t>Queries</a:t>
             </a:r>
             <a:endParaRPr lang="en-GB" dirty="0"/>
@@ -4419,41 +5400,41 @@
           <a:lstStyle/>
           <a:p>
             <a:r>
-              <a:rPr lang="nl-BE" dirty="0" err="1" smtClean="0"/>
+              <a:rPr lang="nl-BE" dirty="0" err="1"/>
               <a:t>Queries</a:t>
             </a:r>
             <a:r>
-              <a:rPr lang="nl-BE" dirty="0" smtClean="0"/>
+              <a:rPr lang="nl-BE" dirty="0"/>
               <a:t> are </a:t>
             </a:r>
             <a:r>
-              <a:rPr lang="nl-BE" dirty="0" err="1" smtClean="0"/>
+              <a:rPr lang="nl-BE" dirty="0" err="1"/>
               <a:t>written</a:t>
             </a:r>
             <a:r>
-              <a:rPr lang="nl-BE" dirty="0" smtClean="0"/>
+              <a:rPr lang="nl-BE" dirty="0"/>
               <a:t> in </a:t>
             </a:r>
             <a:r>
-              <a:rPr lang="nl-BE" dirty="0" err="1" smtClean="0"/>
+              <a:rPr lang="nl-BE" dirty="0" err="1"/>
               <a:t>the</a:t>
             </a:r>
             <a:r>
-              <a:rPr lang="nl-BE" dirty="0" smtClean="0"/>
+              <a:rPr lang="nl-BE" dirty="0"/>
               <a:t> WMI Query Language</a:t>
             </a:r>
           </a:p>
           <a:p>
             <a:r>
-              <a:rPr lang="nl-BE" dirty="0" smtClean="0"/>
+              <a:rPr lang="nl-BE" dirty="0"/>
               <a:t>Looks a lot like </a:t>
             </a:r>
             <a:r>
-              <a:rPr lang="nl-BE" dirty="0" err="1" smtClean="0"/>
+              <a:rPr lang="nl-BE" dirty="0" err="1"/>
               <a:t>normal</a:t>
             </a:r>
             <a:r>
-              <a:rPr lang="nl-BE" dirty="0" smtClean="0"/>
+              <a:rPr lang="nl-BE" dirty="0"/>
               <a:t> SQL</a:t>
             </a:r>
           </a:p>
@@ -4490,26 +5471,14 @@
             <a:pPr lvl="1"/>
             <a:r>
               <a:rPr lang="en-GB" dirty="0"/>
-              <a:t>Soft comparison operator LIKE </a:t>
-            </a:r>
-            <a:r>
-              <a:rPr lang="en-GB" dirty="0" smtClean="0"/>
-              <a:t>with </a:t>
-            </a:r>
+              <a:t>Soft comparison operator LIKE with wildcards %, [ ], ^, _</a:t>
+            </a:r>
+          </a:p>
+          <a:p>
+            <a:pPr lvl="1"/>
             <a:r>
               <a:rPr lang="en-GB" dirty="0"/>
-              <a:t>wildcards %, [ ], ^, _</a:t>
-            </a:r>
-          </a:p>
-          <a:p>
-            <a:pPr lvl="1"/>
-            <a:r>
-              <a:rPr lang="en-GB" dirty="0"/>
-              <a:t>Keywords TRUE and </a:t>
-            </a:r>
-            <a:r>
-              <a:rPr lang="en-GB" dirty="0" smtClean="0"/>
-              <a:t>FALSE</a:t>
+              <a:t>Keywords TRUE and FALSE</a:t>
             </a:r>
           </a:p>
           <a:p>
@@ -4571,14 +5540,10 @@
           <a:p>
             <a:r>
               <a:rPr lang="nl-BE" dirty="0"/>
-              <a:t>WQL </a:t>
-            </a:r>
-            <a:r>
-              <a:rPr lang="nl-BE" dirty="0" smtClean="0"/>
-              <a:t>Query </a:t>
-            </a:r>
-            <a:r>
-              <a:rPr lang="nl-BE" dirty="0" err="1" smtClean="0"/>
+              <a:t>WQL Query </a:t>
+            </a:r>
+            <a:r>
+              <a:rPr lang="nl-BE" dirty="0" err="1"/>
               <a:t>examples</a:t>
             </a:r>
             <a:endParaRPr lang="en-GB" dirty="0"/>
@@ -4598,7 +5563,7 @@
         <p:spPr/>
         <p:txBody>
           <a:bodyPr>
-            <a:normAutofit fontScale="92500"/>
+            <a:normAutofit/>
           </a:bodyPr>
           <a:lstStyle/>
           <a:p>
@@ -4610,18 +5575,9 @@
           <a:p>
             <a:pPr lvl="1"/>
             <a:r>
-              <a:rPr lang="en-GB" dirty="0" smtClean="0"/>
-              <a:t>“SELECT </a:t>
-            </a:r>
-            <a:r>
               <a:rPr lang="en-GB" dirty="0"/>
-              <a:t>* FROM Win32_Service</a:t>
-            </a:r>
-            <a:r>
-              <a:rPr lang="en-GB" dirty="0" smtClean="0"/>
-              <a:t>”</a:t>
-            </a:r>
-            <a:endParaRPr lang="en-GB" dirty="0"/>
+              <a:t>“SELECT * FROM Win32_Service”</a:t>
+            </a:r>
           </a:p>
           <a:p>
             <a:r>
@@ -4632,27 +5588,15 @@
           <a:p>
             <a:pPr lvl="1"/>
             <a:r>
-              <a:rPr lang="en-GB" dirty="0" smtClean="0"/>
-              <a:t>“</a:t>
-            </a:r>
-            <a:r>
               <a:rPr lang="en-GB" dirty="0"/>
-              <a:t>SELECT Name , State FROM Win32_Service</a:t>
-            </a:r>
-            <a:r>
-              <a:rPr lang="en-GB" dirty="0" smtClean="0"/>
-              <a:t>”</a:t>
+              <a:t>“SELECT Name , State FROM Win32_Service”</a:t>
             </a:r>
           </a:p>
           <a:p>
             <a:pPr lvl="1"/>
             <a:r>
-              <a:rPr lang="en-GB" dirty="0" smtClean="0"/>
-              <a:t>“</a:t>
-            </a:r>
-            <a:r>
               <a:rPr lang="en-GB" dirty="0"/>
-              <a:t>SELECT </a:t>
+              <a:t>“SELECT </a:t>
             </a:r>
             <a:r>
               <a:rPr lang="en-GB" dirty="0" err="1"/>
@@ -4660,36 +5604,20 @@
             </a:r>
             <a:r>
               <a:rPr lang="en-GB" dirty="0"/>
-              <a:t> FROM </a:t>
-            </a:r>
-            <a:r>
-              <a:rPr lang="en-GB" dirty="0" smtClean="0"/>
-              <a:t>Win32_Service”</a:t>
-            </a:r>
-          </a:p>
-          <a:p>
-            <a:r>
-              <a:rPr lang="en-GB" dirty="0" smtClean="0"/>
-              <a:t>Selection </a:t>
-            </a:r>
+              <a:t> FROM Win32_Service”</a:t>
+            </a:r>
+          </a:p>
+          <a:p>
             <a:r>
               <a:rPr lang="en-GB" dirty="0"/>
-              <a:t>of all properties of specific instances of a </a:t>
-            </a:r>
-            <a:r>
-              <a:rPr lang="en-GB" dirty="0" smtClean="0"/>
-              <a:t>class</a:t>
+              <a:t>Selection of all properties of specific instances of a class</a:t>
             </a:r>
           </a:p>
           <a:p>
             <a:pPr lvl="1"/>
             <a:r>
-              <a:rPr lang="en-GB" dirty="0" smtClean="0"/>
-              <a:t>“SELECT </a:t>
-            </a:r>
-            <a:r>
               <a:rPr lang="en-GB" dirty="0"/>
-              <a:t>* FROM Win32_Service WHERE State = ‘Stopped’ AND </a:t>
+              <a:t>“SELECT * FROM Win32_Service WHERE State = ‘Stopped’ AND </a:t>
             </a:r>
             <a:r>
               <a:rPr lang="en-GB" dirty="0" err="1"/>
@@ -4697,22 +5625,14 @@
             </a:r>
             <a:r>
               <a:rPr lang="en-GB" dirty="0"/>
-              <a:t> = ‘Auto</a:t>
-            </a:r>
-            <a:r>
-              <a:rPr lang="en-GB" dirty="0" smtClean="0"/>
-              <a:t>’”</a:t>
+              <a:t> = ‘Auto’”</a:t>
             </a:r>
           </a:p>
           <a:p>
             <a:pPr lvl="1"/>
             <a:r>
-              <a:rPr lang="en-GB" dirty="0" smtClean="0"/>
-              <a:t>“</a:t>
-            </a:r>
-            <a:r>
               <a:rPr lang="en-GB" dirty="0"/>
-              <a:t>SELECT * FROM Win32_Service WHERE </a:t>
+              <a:t>“SELECT * FROM Win32_Service WHERE </a:t>
             </a:r>
             <a:r>
               <a:rPr lang="en-GB" dirty="0" err="1"/>
@@ -4787,7 +5707,7 @@
         </p:blipFill>
         <p:spPr bwMode="auto">
           <a:xfrm>
-            <a:off x="2000250" y="1090612"/>
+            <a:off x="3524250" y="1090613"/>
             <a:ext cx="5143500" cy="4838701"/>
           </a:xfrm>
           <a:prstGeom prst="rect">
@@ -4854,7 +5774,6 @@
               <a:rPr lang="en-GB" dirty="0"/>
               <a:t>Windows Management Instrumentation</a:t>
             </a:r>
-            <a:endParaRPr lang="en-GB" dirty="0"/>
           </a:p>
         </p:txBody>
       </p:sp>
@@ -4883,44 +5802,28 @@
           <a:p>
             <a:pPr lvl="1"/>
             <a:r>
-              <a:rPr lang="en-GB" dirty="0" smtClean="0"/>
-              <a:t>of </a:t>
-            </a:r>
-            <a:r>
               <a:rPr lang="en-GB" dirty="0"/>
-              <a:t>client pc’s and servers</a:t>
+              <a:t>of client pc’s and servers</a:t>
             </a:r>
           </a:p>
           <a:p>
             <a:pPr lvl="1"/>
             <a:r>
-              <a:rPr lang="en-GB" dirty="0" smtClean="0"/>
-              <a:t>of </a:t>
-            </a:r>
-            <a:r>
               <a:rPr lang="en-GB" dirty="0"/>
-              <a:t>applications</a:t>
+              <a:t>of applications</a:t>
             </a:r>
           </a:p>
           <a:p>
             <a:pPr lvl="1"/>
             <a:r>
-              <a:rPr lang="en-GB" dirty="0" smtClean="0"/>
-              <a:t>of </a:t>
-            </a:r>
-            <a:r>
               <a:rPr lang="en-GB" dirty="0"/>
-              <a:t>network </a:t>
-            </a:r>
-            <a:r>
-              <a:rPr lang="en-GB" dirty="0" smtClean="0"/>
-              <a:t>components</a:t>
+              <a:t>of network components</a:t>
             </a:r>
           </a:p>
           <a:p>
             <a:pPr lvl="1"/>
             <a:r>
-              <a:rPr lang="nl-BE" dirty="0" smtClean="0"/>
+              <a:rPr lang="nl-BE" dirty="0"/>
               <a:t>…</a:t>
             </a:r>
             <a:endParaRPr lang="en-GB" dirty="0"/>
@@ -4928,56 +5831,40 @@
           <a:p>
             <a:pPr lvl="1"/>
             <a:r>
-              <a:rPr lang="en-GB" dirty="0" smtClean="0"/>
-              <a:t>of </a:t>
-            </a:r>
-            <a:r>
               <a:rPr lang="en-GB" dirty="0"/>
-              <a:t>all objects (both local and remote)</a:t>
-            </a:r>
-          </a:p>
-          <a:p>
-            <a:r>
-              <a:rPr lang="en-GB" dirty="0" smtClean="0"/>
+              <a:t>of all objects (both local and remote)</a:t>
+            </a:r>
+          </a:p>
+          <a:p>
+            <a:r>
+              <a:rPr lang="en-GB" dirty="0"/>
               <a:t>Installed software or hardware, services, </a:t>
             </a:r>
             <a:r>
-              <a:rPr lang="en-GB" dirty="0" err="1" smtClean="0"/>
+              <a:rPr lang="en-GB" dirty="0" err="1"/>
               <a:t>useraccounts</a:t>
             </a:r>
             <a:r>
-              <a:rPr lang="en-GB" dirty="0" smtClean="0"/>
+              <a:rPr lang="en-GB" dirty="0"/>
               <a:t>, …</a:t>
             </a:r>
           </a:p>
           <a:p>
             <a:pPr lvl="1"/>
             <a:r>
-              <a:rPr lang="en-GB" dirty="0" smtClean="0"/>
-              <a:t>Everything </a:t>
-            </a:r>
-            <a:r>
               <a:rPr lang="en-GB" dirty="0"/>
-              <a:t>for which a class </a:t>
-            </a:r>
-            <a:r>
-              <a:rPr lang="en-GB" dirty="0" smtClean="0"/>
-              <a:t>exists</a:t>
+              <a:t>Everything for which a class exists</a:t>
             </a:r>
           </a:p>
           <a:p>
             <a:pPr lvl="1"/>
             <a:r>
-              <a:rPr lang="nl-BE" dirty="0" err="1" smtClean="0"/>
+              <a:rPr lang="nl-BE" dirty="0" err="1"/>
               <a:t>Examples</a:t>
             </a:r>
             <a:r>
               <a:rPr lang="nl-BE" dirty="0"/>
-              <a:t>: Win32_LogicalDisk.ps1, </a:t>
-            </a:r>
-            <a:r>
-              <a:rPr lang="nl-BE" dirty="0" smtClean="0"/>
-              <a:t>WMIinstances.ps1</a:t>
+              <a:t>: Win32_LogicalDisk.ps1, WMIinstances.ps1</a:t>
             </a:r>
             <a:endParaRPr lang="en-GB" dirty="0"/>
           </a:p>
@@ -5029,15 +5916,15 @@
           <a:lstStyle/>
           <a:p>
             <a:r>
-              <a:rPr lang="nl-BE" dirty="0" smtClean="0"/>
+              <a:rPr lang="nl-BE" dirty="0"/>
               <a:t>WMI </a:t>
             </a:r>
             <a:r>
-              <a:rPr lang="nl-BE" dirty="0" err="1" smtClean="0"/>
+              <a:rPr lang="nl-BE" dirty="0" err="1"/>
               <a:t>vs</a:t>
             </a:r>
             <a:r>
-              <a:rPr lang="nl-BE" dirty="0" smtClean="0"/>
+              <a:rPr lang="nl-BE" dirty="0"/>
               <a:t> CIM</a:t>
             </a:r>
             <a:endParaRPr lang="en-GB" dirty="0"/>
@@ -5059,7 +5946,7 @@
           </p:nvPr>
         </p:nvGraphicFramePr>
         <p:xfrm>
-          <a:off x="0" y="1690689"/>
+          <a:off x="1524000" y="1690689"/>
           <a:ext cx="9144000" cy="4399280"/>
         </p:xfrm>
         <a:graphic>
@@ -5108,7 +5995,7 @@
                         <a:defRPr/>
                       </a:pPr>
                       <a:r>
-                        <a:rPr lang="nl-BE" dirty="0" smtClean="0"/>
+                        <a:rPr lang="nl-BE" dirty="0"/>
                         <a:t>PS V2.0</a:t>
                       </a:r>
                     </a:p>
@@ -5122,10 +6009,9 @@
                     <a:p>
                       <a:pPr algn="ctr"/>
                       <a:r>
-                        <a:rPr lang="nl-BE" dirty="0" smtClean="0"/>
+                        <a:rPr lang="nl-BE" dirty="0"/>
                         <a:t>PS V3.0</a:t>
                       </a:r>
-                      <a:endParaRPr lang="nl-BE" dirty="0"/>
                     </a:p>
                   </a:txBody>
                   <a:tcPr/>
@@ -5160,22 +6046,18 @@
                         <a:defRPr/>
                       </a:pPr>
                       <a:r>
-                        <a:rPr lang="nl-BE" dirty="0" smtClean="0"/>
+                        <a:rPr lang="nl-BE" dirty="0"/>
                         <a:t>WMI-</a:t>
                       </a:r>
                       <a:r>
-                        <a:rPr lang="nl-BE" dirty="0" err="1" smtClean="0"/>
+                        <a:rPr lang="nl-BE" dirty="0" err="1"/>
                         <a:t>cmdlets</a:t>
                       </a:r>
-                      <a:r>
-                        <a:rPr lang="nl-BE" dirty="0" smtClean="0"/>
-                        <a:t/>
-                      </a:r>
                       <a:br>
-                        <a:rPr lang="nl-BE" dirty="0" smtClean="0"/>
+                        <a:rPr lang="nl-BE" dirty="0"/>
                       </a:br>
                       <a:r>
-                        <a:rPr lang="nl-BE" dirty="0" smtClean="0"/>
+                        <a:rPr lang="nl-BE" dirty="0"/>
                         <a:t>Get-Help *WMI*</a:t>
                       </a:r>
                     </a:p>
@@ -5197,7 +6079,7 @@
                         <a:tabLst/>
                         <a:defRPr/>
                       </a:pPr>
-                      <a:endParaRPr lang="nl-BE" dirty="0" smtClean="0"/>
+                      <a:endParaRPr lang="nl-BE" dirty="0"/>
                     </a:p>
                   </a:txBody>
                   <a:tcPr/>
@@ -5225,22 +6107,18 @@
                         <a:defRPr/>
                       </a:pPr>
                       <a:r>
-                        <a:rPr lang="nl-BE" dirty="0" smtClean="0"/>
+                        <a:rPr lang="nl-BE" dirty="0"/>
                         <a:t>CIM-</a:t>
                       </a:r>
                       <a:r>
-                        <a:rPr lang="nl-BE" dirty="0" err="1" smtClean="0"/>
+                        <a:rPr lang="nl-BE" dirty="0" err="1"/>
                         <a:t>cmdlets</a:t>
                       </a:r>
-                      <a:r>
-                        <a:rPr lang="nl-BE" dirty="0" smtClean="0"/>
-                        <a:t/>
-                      </a:r>
                       <a:br>
-                        <a:rPr lang="nl-BE" dirty="0" smtClean="0"/>
+                        <a:rPr lang="nl-BE" dirty="0"/>
                       </a:br>
                       <a:r>
-                        <a:rPr lang="nl-BE" dirty="0" smtClean="0"/>
+                        <a:rPr lang="nl-BE" dirty="0"/>
                         <a:t>Get-Help *CIM*</a:t>
                       </a:r>
                     </a:p>
@@ -5277,34 +6155,29 @@
                         <a:defRPr/>
                       </a:pPr>
                       <a:r>
-                        <a:rPr lang="nl-BE" dirty="0" err="1" smtClean="0"/>
+                        <a:rPr lang="nl-BE" dirty="0" err="1"/>
                         <a:t>Legacy</a:t>
                       </a:r>
                       <a:r>
-                        <a:rPr lang="nl-BE" dirty="0" smtClean="0"/>
+                        <a:rPr lang="nl-BE" dirty="0"/>
                         <a:t> of the past, no </a:t>
                       </a:r>
                       <a:r>
-                        <a:rPr lang="nl-BE" dirty="0" err="1" smtClean="0"/>
+                        <a:rPr lang="nl-BE" dirty="0" err="1"/>
                         <a:t>further</a:t>
                       </a:r>
                       <a:r>
-                        <a:rPr lang="nl-BE" dirty="0" smtClean="0"/>
+                        <a:rPr lang="nl-BE" dirty="0"/>
                         <a:t> investment </a:t>
                       </a:r>
                       <a:r>
-                        <a:rPr lang="nl-BE" dirty="0" err="1" smtClean="0"/>
+                        <a:rPr lang="nl-BE" dirty="0" err="1"/>
                         <a:t>by</a:t>
                       </a:r>
                       <a:r>
-                        <a:rPr lang="nl-BE" dirty="0" smtClean="0"/>
-                        <a:t> </a:t>
+                        <a:rPr lang="nl-BE" dirty="0"/>
+                        <a:t> Microsoft</a:t>
                       </a:r>
-                      <a:r>
-                        <a:rPr lang="nl-BE" dirty="0" smtClean="0"/>
-                        <a:t>Microsoft</a:t>
-                      </a:r>
-                      <a:endParaRPr lang="nl-BE" dirty="0" smtClean="0"/>
                     </a:p>
                     <a:p>
                       <a:pPr marL="0" marR="0" indent="0" algn="l" defTabSz="914400" rtl="0" eaLnBrk="1" fontAlgn="auto" latinLnBrk="0" hangingPunct="1">
@@ -5324,7 +6197,7 @@
                         <a:tabLst/>
                         <a:defRPr/>
                       </a:pPr>
-                      <a:endParaRPr lang="nl-BE" dirty="0" smtClean="0"/>
+                      <a:endParaRPr lang="nl-BE" dirty="0"/>
                     </a:p>
                   </a:txBody>
                   <a:tcPr/>
@@ -5339,46 +6212,45 @@
                         <a:buChar char="•"/>
                       </a:pPr>
                       <a:r>
-                        <a:rPr lang="nl-BE" dirty="0" smtClean="0"/>
+                        <a:rPr lang="nl-BE" dirty="0"/>
                         <a:t>Microsoft </a:t>
                       </a:r>
                       <a:r>
-                        <a:rPr lang="nl-BE" dirty="0" err="1" smtClean="0"/>
+                        <a:rPr lang="nl-BE" dirty="0" err="1"/>
                         <a:t>invests</a:t>
                       </a:r>
                       <a:r>
-                        <a:rPr lang="nl-BE" dirty="0" smtClean="0"/>
+                        <a:rPr lang="nl-BE" dirty="0"/>
                         <a:t> in new </a:t>
                       </a:r>
                       <a:r>
-                        <a:rPr lang="nl-BE" dirty="0" err="1" smtClean="0"/>
+                        <a:rPr lang="nl-BE" dirty="0" err="1"/>
                         <a:t>functionalities</a:t>
                       </a:r>
                       <a:r>
-                        <a:rPr lang="nl-BE" dirty="0" smtClean="0"/>
+                        <a:rPr lang="nl-BE" dirty="0"/>
                         <a:t> </a:t>
                       </a:r>
                       <a:r>
-                        <a:rPr lang="nl-BE" dirty="0" err="1" smtClean="0"/>
+                        <a:rPr lang="nl-BE" dirty="0" err="1"/>
                         <a:t>and</a:t>
                       </a:r>
                       <a:r>
-                        <a:rPr lang="nl-BE" dirty="0" smtClean="0"/>
+                        <a:rPr lang="nl-BE" dirty="0"/>
                         <a:t> performance</a:t>
                       </a:r>
                       <a:r>
-                        <a:rPr lang="nl-BE" baseline="0" dirty="0" smtClean="0"/>
+                        <a:rPr lang="nl-BE" baseline="0" dirty="0"/>
                         <a:t> </a:t>
                       </a:r>
                       <a:r>
-                        <a:rPr lang="nl-BE" baseline="0" dirty="0" err="1" smtClean="0"/>
+                        <a:rPr lang="nl-BE" baseline="0" dirty="0" err="1"/>
                         <a:t>improvement</a:t>
                       </a:r>
                       <a:r>
-                        <a:rPr lang="nl-BE" dirty="0" smtClean="0"/>
+                        <a:rPr lang="nl-BE" dirty="0"/>
                         <a:t> </a:t>
                       </a:r>
-                      <a:endParaRPr lang="nl-BE" dirty="0"/>
                     </a:p>
                   </a:txBody>
                   <a:tcPr/>
@@ -5413,70 +6285,70 @@
                         <a:defRPr/>
                       </a:pPr>
                       <a:r>
-                        <a:rPr lang="nl-BE" dirty="0" smtClean="0"/>
+                        <a:rPr lang="nl-BE" dirty="0"/>
                         <a:t>Communication </a:t>
                       </a:r>
                       <a:r>
-                        <a:rPr lang="nl-BE" dirty="0" err="1" smtClean="0"/>
+                        <a:rPr lang="nl-BE" dirty="0" err="1"/>
                         <a:t>through</a:t>
                       </a:r>
                       <a:r>
-                        <a:rPr lang="nl-BE" dirty="0" smtClean="0"/>
+                        <a:rPr lang="nl-BE" dirty="0"/>
                         <a:t> </a:t>
                       </a:r>
                       <a:r>
-                        <a:rPr lang="nl-BE" dirty="0" err="1" smtClean="0"/>
+                        <a:rPr lang="nl-BE" dirty="0" err="1"/>
                         <a:t>RPC’s</a:t>
                       </a:r>
                       <a:r>
-                        <a:rPr lang="nl-BE" dirty="0" smtClean="0"/>
+                        <a:rPr lang="nl-BE" dirty="0"/>
                         <a:t> -&gt; </a:t>
                       </a:r>
                       <a:r>
-                        <a:rPr lang="nl-BE" dirty="0" err="1" smtClean="0"/>
+                        <a:rPr lang="nl-BE" dirty="0" err="1"/>
                         <a:t>through</a:t>
                       </a:r>
                       <a:r>
-                        <a:rPr lang="nl-BE" dirty="0" smtClean="0"/>
+                        <a:rPr lang="nl-BE" dirty="0"/>
                         <a:t> firewall </a:t>
                       </a:r>
                       <a:r>
-                        <a:rPr lang="nl-BE" dirty="0" err="1" smtClean="0"/>
+                        <a:rPr lang="nl-BE" dirty="0" err="1"/>
                         <a:t>with</a:t>
                       </a:r>
                       <a:r>
-                        <a:rPr lang="nl-BE" dirty="0" smtClean="0"/>
+                        <a:rPr lang="nl-BE" dirty="0"/>
                         <a:t> </a:t>
                       </a:r>
                       <a:r>
-                        <a:rPr lang="nl-BE" dirty="0" err="1" smtClean="0"/>
+                        <a:rPr lang="nl-BE" dirty="0" err="1"/>
                         <a:t>stateful</a:t>
                       </a:r>
                       <a:r>
-                        <a:rPr lang="nl-BE" dirty="0" smtClean="0"/>
+                        <a:rPr lang="nl-BE" dirty="0"/>
                         <a:t> </a:t>
                       </a:r>
                       <a:r>
-                        <a:rPr lang="nl-BE" dirty="0" err="1" smtClean="0"/>
+                        <a:rPr lang="nl-BE" dirty="0" err="1"/>
                         <a:t>inspection</a:t>
                       </a:r>
                       <a:r>
-                        <a:rPr lang="nl-BE" dirty="0" smtClean="0"/>
+                        <a:rPr lang="nl-BE" dirty="0"/>
                         <a:t> -&gt; tricky </a:t>
                       </a:r>
                       <a:r>
-                        <a:rPr lang="nl-BE" dirty="0" err="1" smtClean="0"/>
+                        <a:rPr lang="nl-BE" dirty="0" err="1"/>
                         <a:t>to</a:t>
                       </a:r>
                       <a:r>
-                        <a:rPr lang="nl-BE" dirty="0" smtClean="0"/>
+                        <a:rPr lang="nl-BE" dirty="0"/>
                         <a:t> </a:t>
                       </a:r>
                       <a:r>
-                        <a:rPr lang="nl-BE" dirty="0" err="1" smtClean="0"/>
+                        <a:rPr lang="nl-BE" dirty="0" err="1"/>
                         <a:t>implement</a:t>
                       </a:r>
-                      <a:endParaRPr lang="nl-BE" dirty="0" smtClean="0"/>
+                      <a:endParaRPr lang="nl-BE" dirty="0"/>
                     </a:p>
                     <a:p>
                       <a:pPr marL="0" marR="0" indent="0" algn="l" defTabSz="914400" rtl="0" eaLnBrk="1" fontAlgn="auto" latinLnBrk="0" hangingPunct="1">
@@ -5496,7 +6368,7 @@
                         <a:tabLst/>
                         <a:defRPr/>
                       </a:pPr>
-                      <a:endParaRPr lang="nl-BE" dirty="0" smtClean="0"/>
+                      <a:endParaRPr lang="nl-BE" dirty="0"/>
                     </a:p>
                   </a:txBody>
                   <a:tcPr/>
@@ -5524,34 +6396,30 @@
                         <a:defRPr/>
                       </a:pPr>
                       <a:r>
-                        <a:rPr lang="nl-BE" dirty="0" smtClean="0"/>
+                        <a:rPr lang="nl-BE" dirty="0"/>
                         <a:t>Communication</a:t>
                       </a:r>
                       <a:r>
-                        <a:rPr lang="nl-BE" baseline="0" dirty="0" smtClean="0"/>
+                        <a:rPr lang="nl-BE" baseline="0" dirty="0"/>
                         <a:t> </a:t>
                       </a:r>
                       <a:r>
-                        <a:rPr lang="nl-BE" baseline="0" dirty="0" err="1" smtClean="0"/>
+                        <a:rPr lang="nl-BE" baseline="0" dirty="0" err="1"/>
                         <a:t>through</a:t>
                       </a:r>
                       <a:r>
-                        <a:rPr lang="nl-BE" baseline="0" dirty="0" smtClean="0"/>
+                        <a:rPr lang="nl-BE" baseline="0" dirty="0"/>
                         <a:t> </a:t>
                       </a:r>
                       <a:r>
-                        <a:rPr lang="nl-BE" dirty="0" smtClean="0"/>
-                        <a:t>WS-MAN via http </a:t>
+                        <a:rPr lang="nl-BE" dirty="0"/>
+                        <a:t>WS-MAN via http or </a:t>
                       </a:r>
                       <a:r>
-                        <a:rPr lang="nl-BE" dirty="0" smtClean="0"/>
-                        <a:t>or </a:t>
-                      </a:r>
-                      <a:r>
-                        <a:rPr lang="nl-BE" dirty="0" err="1" smtClean="0"/>
+                        <a:rPr lang="nl-BE" dirty="0" err="1"/>
                         <a:t>https</a:t>
                       </a:r>
-                      <a:endParaRPr lang="nl-BE" dirty="0" smtClean="0"/>
+                      <a:endParaRPr lang="nl-BE" dirty="0"/>
                     </a:p>
                     <a:p>
                       <a:pPr marL="0" indent="0">
@@ -5593,19 +6461,19 @@
                         <a:defRPr/>
                       </a:pPr>
                       <a:r>
-                        <a:rPr lang="nl-BE" dirty="0" err="1" smtClean="0"/>
+                        <a:rPr lang="nl-BE" dirty="0" err="1"/>
                         <a:t>Many</a:t>
                       </a:r>
                       <a:r>
-                        <a:rPr lang="nl-BE" dirty="0" smtClean="0"/>
+                        <a:rPr lang="nl-BE" dirty="0"/>
                         <a:t> </a:t>
                       </a:r>
                       <a:r>
-                        <a:rPr lang="nl-BE" dirty="0" err="1" smtClean="0"/>
+                        <a:rPr lang="nl-BE" dirty="0" err="1"/>
                         <a:t>examples</a:t>
                       </a:r>
                       <a:r>
-                        <a:rPr lang="nl-BE" dirty="0" smtClean="0"/>
+                        <a:rPr lang="nl-BE" dirty="0"/>
                         <a:t> on the Internet</a:t>
                       </a:r>
                     </a:p>
@@ -5627,7 +6495,7 @@
                         <a:tabLst/>
                         <a:defRPr/>
                       </a:pPr>
-                      <a:endParaRPr lang="nl-BE" dirty="0" smtClean="0"/>
+                      <a:endParaRPr lang="nl-BE" dirty="0"/>
                     </a:p>
                   </a:txBody>
                   <a:tcPr/>
@@ -5655,30 +6523,30 @@
                         <a:defRPr/>
                       </a:pPr>
                       <a:r>
-                        <a:rPr lang="nl-BE" dirty="0" smtClean="0"/>
+                        <a:rPr lang="nl-BE" dirty="0"/>
                         <a:t>Simple </a:t>
                       </a:r>
                       <a:r>
-                        <a:rPr lang="nl-BE" dirty="0" err="1" smtClean="0"/>
+                        <a:rPr lang="nl-BE" dirty="0" err="1"/>
                         <a:t>and</a:t>
                       </a:r>
                       <a:r>
-                        <a:rPr lang="nl-BE" dirty="0" smtClean="0"/>
+                        <a:rPr lang="nl-BE" dirty="0"/>
                         <a:t> </a:t>
                       </a:r>
                       <a:r>
-                        <a:rPr lang="nl-BE" dirty="0" err="1" smtClean="0"/>
+                        <a:rPr lang="nl-BE" dirty="0" err="1"/>
                         <a:t>powerful</a:t>
                       </a:r>
                       <a:r>
-                        <a:rPr lang="nl-BE" dirty="0" smtClean="0"/>
+                        <a:rPr lang="nl-BE" dirty="0"/>
                         <a:t> </a:t>
                       </a:r>
                       <a:r>
-                        <a:rPr lang="nl-BE" dirty="0" err="1" smtClean="0"/>
+                        <a:rPr lang="nl-BE" dirty="0" err="1"/>
                         <a:t>cmdlets</a:t>
                       </a:r>
-                      <a:endParaRPr lang="nl-BE" dirty="0" smtClean="0"/>
+                      <a:endParaRPr lang="nl-BE" dirty="0"/>
                     </a:p>
                   </a:txBody>
                   <a:tcPr/>
@@ -5713,11 +6581,11 @@
                         <a:defRPr/>
                       </a:pPr>
                       <a:r>
-                        <a:rPr lang="nl-BE" dirty="0" err="1" smtClean="0"/>
+                        <a:rPr lang="nl-BE" dirty="0" err="1"/>
                         <a:t>Wrapper</a:t>
                       </a:r>
                       <a:r>
-                        <a:rPr lang="nl-BE" dirty="0" smtClean="0"/>
+                        <a:rPr lang="nl-BE" dirty="0"/>
                         <a:t> on top of WMI</a:t>
                       </a:r>
                     </a:p>
@@ -5747,11 +6615,11 @@
                         <a:defRPr/>
                       </a:pPr>
                       <a:r>
-                        <a:rPr lang="nl-BE" dirty="0" err="1" smtClean="0"/>
+                        <a:rPr lang="nl-BE" dirty="0" err="1"/>
                         <a:t>Wrapper</a:t>
                       </a:r>
                       <a:r>
-                        <a:rPr lang="nl-BE" dirty="0" smtClean="0"/>
+                        <a:rPr lang="nl-BE" dirty="0"/>
                         <a:t> on top of WMI</a:t>
                       </a:r>
                     </a:p>
@@ -5833,7 +6701,7 @@
         <p:spPr/>
         <p:txBody>
           <a:bodyPr>
-            <a:normAutofit lnSpcReduction="10000"/>
+            <a:normAutofit/>
           </a:bodyPr>
           <a:lstStyle/>
           <a:p>
@@ -5846,22 +6714,14 @@
             <a:pPr lvl="1"/>
             <a:r>
               <a:rPr lang="en-GB" strike="sngStrike" dirty="0"/>
-              <a:t>DCOM (Remote Procedure Call</a:t>
-            </a:r>
-            <a:r>
-              <a:rPr lang="en-GB" strike="sngStrike" dirty="0" smtClean="0"/>
-              <a:t>)</a:t>
+              <a:t>DCOM (Remote Procedure Call)</a:t>
             </a:r>
           </a:p>
           <a:p>
             <a:pPr lvl="2"/>
             <a:r>
               <a:rPr lang="en-GB" dirty="0"/>
-              <a:t> </a:t>
-            </a:r>
-            <a:r>
-              <a:rPr lang="en-GB" dirty="0"/>
-              <a:t>Get-Command -noun "*</a:t>
+              <a:t> Get-Command -noun "*</a:t>
             </a:r>
             <a:r>
               <a:rPr lang="en-GB" dirty="0" err="1"/>
@@ -5875,7 +6735,7 @@
           <a:p>
             <a:pPr lvl="1"/>
             <a:r>
-              <a:rPr lang="en-GB" dirty="0" smtClean="0"/>
+              <a:rPr lang="en-GB" dirty="0"/>
               <a:t>WSMAN</a:t>
             </a:r>
           </a:p>
@@ -5883,19 +6743,14 @@
             <a:pPr lvl="2"/>
             <a:r>
               <a:rPr lang="en-GB" dirty="0"/>
-              <a:t> </a:t>
-            </a:r>
+              <a:t> Get-Command -noun "*CIM*" </a:t>
+            </a:r>
+          </a:p>
+          <a:p>
             <a:r>
               <a:rPr lang="en-GB" dirty="0"/>
-              <a:t>Get-Command -noun "*CIM*" </a:t>
-            </a:r>
-          </a:p>
-          <a:p>
-            <a:r>
-              <a:rPr lang="en-GB" dirty="0" smtClean="0"/>
               <a:t>Benefits of CIM/WSMAN: </a:t>
             </a:r>
-            <a:endParaRPr lang="en-GB" dirty="0"/>
           </a:p>
           <a:p>
             <a:pPr lvl="1"/>
@@ -5915,41 +6770,37 @@
             <a:pPr lvl="1"/>
             <a:r>
               <a:rPr lang="en-GB" dirty="0"/>
-              <a:t>Only one point to communicate with -&gt; consistent </a:t>
-            </a:r>
-            <a:r>
-              <a:rPr lang="en-GB" dirty="0" smtClean="0"/>
-              <a:t>interface</a:t>
+              <a:t>Only one point to communicate with -&gt; consistent interface</a:t>
             </a:r>
           </a:p>
           <a:p>
             <a:pPr lvl="1"/>
             <a:r>
-              <a:rPr lang="nl-BE" dirty="0" smtClean="0"/>
+              <a:rPr lang="nl-BE" dirty="0"/>
               <a:t>Will </a:t>
             </a:r>
             <a:r>
-              <a:rPr lang="nl-BE" dirty="0" err="1" smtClean="0"/>
+              <a:rPr lang="nl-BE" dirty="0" err="1"/>
               <a:t>work</a:t>
             </a:r>
             <a:r>
-              <a:rPr lang="nl-BE" dirty="0" smtClean="0"/>
+              <a:rPr lang="nl-BE" dirty="0"/>
               <a:t> </a:t>
             </a:r>
             <a:r>
-              <a:rPr lang="nl-BE" dirty="0" err="1" smtClean="0"/>
+              <a:rPr lang="nl-BE" dirty="0" err="1"/>
               <a:t>with</a:t>
             </a:r>
             <a:r>
-              <a:rPr lang="nl-BE" dirty="0" smtClean="0"/>
+              <a:rPr lang="nl-BE" dirty="0"/>
               <a:t> </a:t>
             </a:r>
             <a:r>
-              <a:rPr lang="nl-BE" dirty="0" err="1" smtClean="0"/>
+              <a:rPr lang="nl-BE" dirty="0" err="1"/>
               <a:t>any</a:t>
             </a:r>
             <a:r>
-              <a:rPr lang="nl-BE" dirty="0" smtClean="0"/>
+              <a:rPr lang="nl-BE" dirty="0"/>
               <a:t> DMTF-compatible device</a:t>
             </a:r>
             <a:endParaRPr lang="en-GB" dirty="0"/>
@@ -6008,7 +6859,7 @@
         </p:blipFill>
         <p:spPr>
           <a:xfrm>
-            <a:off x="1484201" y="454864"/>
+            <a:off x="3008201" y="454865"/>
             <a:ext cx="6175598" cy="5722099"/>
           </a:xfrm>
           <a:prstGeom prst="rect">
@@ -6063,11 +6914,11 @@
           <a:lstStyle/>
           <a:p>
             <a:r>
-              <a:rPr lang="nl-BE" dirty="0" smtClean="0"/>
+              <a:rPr lang="nl-BE" dirty="0"/>
               <a:t>A </a:t>
             </a:r>
             <a:r>
-              <a:rPr lang="nl-BE" dirty="0" err="1" smtClean="0"/>
+              <a:rPr lang="nl-BE" dirty="0" err="1"/>
               <a:t>namespace</a:t>
             </a:r>
             <a:endParaRPr lang="en-GB" dirty="0"/>
@@ -6087,7 +6938,7 @@
         <p:spPr/>
         <p:txBody>
           <a:bodyPr>
-            <a:normAutofit fontScale="92500" lnSpcReduction="20000"/>
+            <a:normAutofit/>
           </a:bodyPr>
           <a:lstStyle/>
           <a:p>
@@ -6105,160 +6956,313 @@
           </a:p>
           <a:p>
             <a:r>
-              <a:rPr lang="en-GB" dirty="0" smtClean="0"/>
-              <a:t>Connecting </a:t>
-            </a:r>
-            <a:r>
               <a:rPr lang="en-GB" dirty="0"/>
-              <a:t>to a </a:t>
-            </a:r>
-            <a:r>
-              <a:rPr lang="en-GB" dirty="0" smtClean="0"/>
-              <a:t>namespace:</a:t>
-            </a:r>
-            <a:endParaRPr lang="en-GB" dirty="0"/>
+              <a:t>Connecting to a namespace:</a:t>
+            </a:r>
           </a:p>
           <a:p>
             <a:pPr marL="0" indent="0">
               <a:buNone/>
             </a:pPr>
-            <a:r>
-              <a:rPr lang="en-GB" dirty="0" smtClean="0"/>
+            <a:endParaRPr lang="en-GB" dirty="0"/>
+          </a:p>
+          <a:p>
+            <a:pPr marL="0" indent="0">
+              <a:buNone/>
+            </a:pPr>
+            <a:endParaRPr lang="en-GB" dirty="0"/>
+          </a:p>
+          <a:p>
+            <a:r>
+              <a:rPr lang="en-GB" dirty="0"/>
+              <a:t>Example: Namespaces.ps1</a:t>
+            </a:r>
+          </a:p>
+          <a:p>
+            <a:pPr lvl="1"/>
+            <a:r>
+              <a:rPr lang="en-GB" dirty="0"/>
+              <a:t>Shows the default namespace (root\cimv2) and all CIM namespaces</a:t>
+            </a:r>
+          </a:p>
+          <a:p>
+            <a:r>
+              <a:rPr lang="nl-BE" dirty="0" err="1"/>
+              <a:t>Example</a:t>
+            </a:r>
+            <a:r>
+              <a:rPr lang="nl-BE" dirty="0"/>
+              <a:t>: NameSpaceConnection.ps1</a:t>
+            </a:r>
+          </a:p>
+          <a:p>
+            <a:pPr lvl="1"/>
+            <a:r>
+              <a:rPr lang="nl-BE" dirty="0" err="1"/>
+              <a:t>Connecting</a:t>
+            </a:r>
+            <a:r>
+              <a:rPr lang="nl-BE" dirty="0"/>
+              <a:t> </a:t>
+            </a:r>
+            <a:r>
+              <a:rPr lang="nl-BE" dirty="0" err="1"/>
+              <a:t>to</a:t>
+            </a:r>
+            <a:r>
+              <a:rPr lang="nl-BE" dirty="0"/>
+              <a:t> </a:t>
+            </a:r>
+            <a:r>
+              <a:rPr lang="nl-BE" dirty="0" err="1"/>
+              <a:t>one</a:t>
+            </a:r>
+            <a:r>
+              <a:rPr lang="nl-BE" dirty="0"/>
+              <a:t> of </a:t>
+            </a:r>
+            <a:r>
+              <a:rPr lang="nl-BE" dirty="0" err="1"/>
+              <a:t>the</a:t>
+            </a:r>
+            <a:r>
+              <a:rPr lang="nl-BE" dirty="0"/>
+              <a:t> </a:t>
+            </a:r>
+            <a:r>
+              <a:rPr lang="nl-BE" dirty="0" err="1"/>
+              <a:t>namespaces</a:t>
+            </a:r>
+            <a:endParaRPr lang="en-GB" dirty="0"/>
+          </a:p>
+          <a:p>
+            <a:endParaRPr lang="en-GB" dirty="0"/>
+          </a:p>
+          <a:p>
+            <a:endParaRPr lang="en-GB" dirty="0"/>
+          </a:p>
+        </p:txBody>
+      </p:sp>
+      <p:sp>
+        <p:nvSpPr>
+          <p:cNvPr id="5" name="TextBox 4">
+            <a:extLst>
+              <a:ext uri="{FF2B5EF4-FFF2-40B4-BE49-F238E27FC236}">
+                <a16:creationId xmlns:a16="http://schemas.microsoft.com/office/drawing/2014/main" id="{E569BAAC-7699-4712-A4D0-62F37532637D}"/>
+              </a:ext>
+            </a:extLst>
+          </p:cNvPr>
+          <p:cNvSpPr txBox="1"/>
+          <p:nvPr/>
+        </p:nvSpPr>
+        <p:spPr>
+          <a:xfrm>
+            <a:off x="1201781" y="3429000"/>
+            <a:ext cx="9640389" cy="646331"/>
+          </a:xfrm>
+          <a:prstGeom prst="rect">
+            <a:avLst/>
+          </a:prstGeom>
+          <a:noFill/>
+        </p:spPr>
+        <p:txBody>
+          <a:bodyPr wrap="square">
+            <a:spAutoFit/>
+          </a:bodyPr>
+          <a:lstStyle/>
+          <a:p>
+            <a:r>
+              <a:rPr lang="en-US" dirty="0"/>
+              <a:t> </a:t>
+            </a:r>
+            <a:r>
+              <a:rPr lang="en-US" sz="1800" dirty="0">
+                <a:solidFill>
+                  <a:srgbClr val="0000FF"/>
+                </a:solidFill>
+                <a:latin typeface="Lucida Console" panose="020B0609040504020204" pitchFamily="49" charset="0"/>
+              </a:rPr>
               <a:t>Get-</a:t>
             </a:r>
             <a:r>
-              <a:rPr lang="en-GB" dirty="0" err="1" smtClean="0"/>
+              <a:rPr lang="en-US" sz="1800" dirty="0" err="1">
+                <a:solidFill>
+                  <a:srgbClr val="0000FF"/>
+                </a:solidFill>
+                <a:latin typeface="Lucida Console" panose="020B0609040504020204" pitchFamily="49" charset="0"/>
+              </a:rPr>
               <a:t>CIMInstance</a:t>
             </a:r>
             <a:r>
-              <a:rPr lang="en-GB" dirty="0"/>
-              <a:t>	-Namespace </a:t>
-            </a:r>
-            <a:r>
-              <a:rPr lang="en-GB" dirty="0" smtClean="0"/>
+              <a:rPr lang="en-US" sz="1800" dirty="0">
+                <a:solidFill>
+                  <a:srgbClr val="000080"/>
+                </a:solidFill>
+                <a:latin typeface="Lucida Console" panose="020B0609040504020204" pitchFamily="49" charset="0"/>
+              </a:rPr>
+              <a:t>-Namespace</a:t>
+            </a:r>
+            <a:r>
+              <a:rPr lang="en-US" sz="1800" dirty="0">
+                <a:solidFill>
+                  <a:prstClr val="black"/>
+                </a:solidFill>
+                <a:latin typeface="Lucida Console" panose="020B0609040504020204" pitchFamily="49" charset="0"/>
+              </a:rPr>
+              <a:t> </a:t>
+            </a:r>
+            <a:r>
+              <a:rPr lang="en-US" sz="1800" dirty="0">
+                <a:solidFill>
+                  <a:srgbClr val="8A2BE2"/>
+                </a:solidFill>
+                <a:latin typeface="Lucida Console" panose="020B0609040504020204" pitchFamily="49" charset="0"/>
+              </a:rPr>
               <a:t>root\cimv2</a:t>
             </a:r>
             <a:r>
-              <a:rPr lang="en-GB" dirty="0"/>
-              <a:t>		</a:t>
-            </a:r>
-            <a:r>
-              <a:rPr lang="en-GB" dirty="0" smtClean="0"/>
-              <a:t>	</a:t>
-            </a:r>
-            <a:r>
-              <a:rPr lang="en-GB" dirty="0"/>
-              <a:t>		-</a:t>
-            </a:r>
-            <a:r>
-              <a:rPr lang="en-GB" dirty="0" err="1"/>
+              <a:rPr lang="en-US" sz="1800" dirty="0">
+                <a:solidFill>
+                  <a:prstClr val="black"/>
+                </a:solidFill>
+                <a:latin typeface="Lucida Console" panose="020B0609040504020204" pitchFamily="49" charset="0"/>
+              </a:rPr>
+              <a:t> </a:t>
+            </a:r>
+            <a:r>
+              <a:rPr lang="en-US" sz="1800" dirty="0">
+                <a:solidFill>
+                  <a:srgbClr val="000080"/>
+                </a:solidFill>
+                <a:latin typeface="Lucida Console" panose="020B0609040504020204" pitchFamily="49" charset="0"/>
+              </a:rPr>
+              <a:t>-</a:t>
+            </a:r>
+            <a:r>
+              <a:rPr lang="en-US" sz="1800" dirty="0" err="1">
+                <a:solidFill>
+                  <a:srgbClr val="000080"/>
+                </a:solidFill>
+                <a:latin typeface="Lucida Console" panose="020B0609040504020204" pitchFamily="49" charset="0"/>
+              </a:rPr>
               <a:t>Computername</a:t>
             </a:r>
             <a:r>
-              <a:rPr lang="en-GB" dirty="0"/>
-              <a:t> \\plato					-</a:t>
-            </a:r>
-            <a:r>
-              <a:rPr lang="en-GB" dirty="0" err="1"/>
+              <a:rPr lang="en-US" sz="1800" dirty="0">
+                <a:solidFill>
+                  <a:prstClr val="black"/>
+                </a:solidFill>
+                <a:latin typeface="Lucida Console" panose="020B0609040504020204" pitchFamily="49" charset="0"/>
+              </a:rPr>
+              <a:t> </a:t>
+            </a:r>
+            <a:r>
+              <a:rPr lang="en-US" sz="1800" dirty="0">
+                <a:solidFill>
+                  <a:srgbClr val="8A2BE2"/>
+                </a:solidFill>
+                <a:latin typeface="Lucida Console" panose="020B0609040504020204" pitchFamily="49" charset="0"/>
+              </a:rPr>
+              <a:t>\\plato</a:t>
+            </a:r>
+            <a:r>
+              <a:rPr lang="en-US" sz="1800" dirty="0">
+                <a:solidFill>
+                  <a:prstClr val="black"/>
+                </a:solidFill>
+                <a:latin typeface="Lucida Console" panose="020B0609040504020204" pitchFamily="49" charset="0"/>
+              </a:rPr>
+              <a:t> `</a:t>
+            </a:r>
+            <a:br>
+              <a:rPr lang="en-US" sz="1800" dirty="0">
+                <a:solidFill>
+                  <a:prstClr val="black"/>
+                </a:solidFill>
+                <a:latin typeface="Lucida Console" panose="020B0609040504020204" pitchFamily="49" charset="0"/>
+              </a:rPr>
+            </a:br>
+            <a:r>
+              <a:rPr lang="en-US" sz="1800" dirty="0">
+                <a:solidFill>
+                  <a:prstClr val="black"/>
+                </a:solidFill>
+                <a:latin typeface="Lucida Console" panose="020B0609040504020204" pitchFamily="49" charset="0"/>
+              </a:rPr>
+              <a:t>					</a:t>
+            </a:r>
+            <a:r>
+              <a:rPr lang="en-US" sz="1800" dirty="0">
+                <a:solidFill>
+                  <a:srgbClr val="000080"/>
+                </a:solidFill>
+                <a:latin typeface="Lucida Console" panose="020B0609040504020204" pitchFamily="49" charset="0"/>
+              </a:rPr>
+              <a:t>-</a:t>
+            </a:r>
+            <a:r>
+              <a:rPr lang="en-US" sz="1800" dirty="0" err="1">
+                <a:solidFill>
+                  <a:srgbClr val="000080"/>
+                </a:solidFill>
+                <a:latin typeface="Lucida Console" panose="020B0609040504020204" pitchFamily="49" charset="0"/>
+              </a:rPr>
               <a:t>ClassName</a:t>
             </a:r>
             <a:r>
-              <a:rPr lang="en-GB" dirty="0"/>
+              <a:rPr lang="en-US" sz="1800" dirty="0">
+                <a:solidFill>
+                  <a:prstClr val="black"/>
+                </a:solidFill>
+                <a:latin typeface="Lucida Console" panose="020B0609040504020204" pitchFamily="49" charset="0"/>
+              </a:rPr>
               <a:t> </a:t>
             </a:r>
             <a:r>
-              <a:rPr lang="en-GB" dirty="0" smtClean="0"/>
+              <a:rPr lang="en-US" sz="1800" dirty="0">
+                <a:solidFill>
+                  <a:srgbClr val="8A2BE2"/>
+                </a:solidFill>
+                <a:latin typeface="Lucida Console" panose="020B0609040504020204" pitchFamily="49" charset="0"/>
+              </a:rPr>
               <a:t>Win32_Service</a:t>
             </a:r>
-            <a:br>
-              <a:rPr lang="en-GB" dirty="0" smtClean="0"/>
-            </a:br>
-            <a:r>
-              <a:rPr lang="en-GB" dirty="0"/>
-              <a:t>			-Filter “Name = ‘BITS</a:t>
-            </a:r>
-            <a:r>
-              <a:rPr lang="en-GB" dirty="0" smtClean="0"/>
-              <a:t>’</a:t>
-            </a:r>
-          </a:p>
-          <a:p>
-            <a:r>
-              <a:rPr lang="en-GB" dirty="0" smtClean="0"/>
-              <a:t>Example: Namespaces.ps1</a:t>
-            </a:r>
-            <a:endParaRPr lang="en-GB" dirty="0"/>
-          </a:p>
-          <a:p>
-            <a:pPr lvl="1"/>
-            <a:r>
-              <a:rPr lang="en-GB" dirty="0"/>
-              <a:t>Shows the default namespace (root\cimv2) and all CIM </a:t>
-            </a:r>
-            <a:r>
-              <a:rPr lang="en-GB" dirty="0" smtClean="0"/>
-              <a:t>namespaces</a:t>
-            </a:r>
-          </a:p>
-          <a:p>
-            <a:r>
-              <a:rPr lang="nl-BE" dirty="0" err="1" smtClean="0"/>
-              <a:t>Example</a:t>
-            </a:r>
-            <a:r>
-              <a:rPr lang="nl-BE" dirty="0"/>
-              <a:t>: </a:t>
-            </a:r>
-            <a:r>
-              <a:rPr lang="nl-BE" dirty="0" smtClean="0"/>
-              <a:t>NameSpaceConnection.ps1</a:t>
-            </a:r>
-          </a:p>
-          <a:p>
-            <a:pPr lvl="1"/>
-            <a:r>
-              <a:rPr lang="nl-BE" dirty="0" err="1" smtClean="0"/>
-              <a:t>Connecting</a:t>
-            </a:r>
-            <a:r>
-              <a:rPr lang="nl-BE" dirty="0" smtClean="0"/>
+            <a:r>
+              <a:rPr lang="en-US" sz="1800" dirty="0">
+                <a:solidFill>
+                  <a:prstClr val="black"/>
+                </a:solidFill>
+                <a:latin typeface="Lucida Console" panose="020B0609040504020204" pitchFamily="49" charset="0"/>
+              </a:rPr>
               <a:t> </a:t>
             </a:r>
             <a:r>
-              <a:rPr lang="nl-BE" dirty="0" err="1" smtClean="0"/>
-              <a:t>to</a:t>
-            </a:r>
-            <a:r>
-              <a:rPr lang="nl-BE" dirty="0" smtClean="0"/>
+              <a:rPr lang="en-US" sz="1800" dirty="0">
+                <a:solidFill>
+                  <a:srgbClr val="000080"/>
+                </a:solidFill>
+                <a:latin typeface="Lucida Console" panose="020B0609040504020204" pitchFamily="49" charset="0"/>
+              </a:rPr>
+              <a:t>-Filter</a:t>
+            </a:r>
+            <a:r>
+              <a:rPr lang="en-US" sz="1800" dirty="0">
+                <a:solidFill>
+                  <a:prstClr val="black"/>
+                </a:solidFill>
+                <a:latin typeface="Lucida Console" panose="020B0609040504020204" pitchFamily="49" charset="0"/>
+              </a:rPr>
               <a:t> </a:t>
             </a:r>
             <a:r>
-              <a:rPr lang="nl-BE" dirty="0" err="1" smtClean="0"/>
-              <a:t>one</a:t>
-            </a:r>
-            <a:r>
-              <a:rPr lang="nl-BE" dirty="0" smtClean="0"/>
-              <a:t> of </a:t>
-            </a:r>
-            <a:r>
-              <a:rPr lang="nl-BE" dirty="0" err="1" smtClean="0"/>
-              <a:t>the</a:t>
-            </a:r>
-            <a:r>
-              <a:rPr lang="nl-BE" dirty="0" smtClean="0"/>
-              <a:t> </a:t>
-            </a:r>
-            <a:r>
-              <a:rPr lang="nl-BE" dirty="0" err="1" smtClean="0"/>
-              <a:t>namespaces</a:t>
-            </a:r>
-            <a:endParaRPr lang="en-GB" dirty="0"/>
-          </a:p>
-          <a:p>
-            <a:endParaRPr lang="en-GB" dirty="0"/>
-          </a:p>
-          <a:p>
-            <a:endParaRPr lang="en-GB" dirty="0"/>
+              <a:rPr lang="en-US" sz="1800" dirty="0">
+                <a:solidFill>
+                  <a:srgbClr val="8B0000"/>
+                </a:solidFill>
+                <a:latin typeface="Lucida Console" panose="020B0609040504020204" pitchFamily="49" charset="0"/>
+              </a:rPr>
+              <a:t>" Name = 'BITS' " </a:t>
+            </a:r>
           </a:p>
         </p:txBody>
       </p:sp>
@@ -6308,7 +7312,7 @@
           <a:lstStyle/>
           <a:p>
             <a:r>
-              <a:rPr lang="nl-BE" dirty="0" smtClean="0"/>
+              <a:rPr lang="nl-BE" dirty="0"/>
               <a:t>WMI Classes</a:t>
             </a:r>
             <a:endParaRPr lang="en-GB" dirty="0"/>
@@ -6331,162 +7335,289 @@
           <a:lstStyle/>
           <a:p>
             <a:r>
-              <a:rPr lang="nl-BE" dirty="0" smtClean="0"/>
+              <a:rPr lang="nl-BE" dirty="0"/>
               <a:t>A </a:t>
             </a:r>
             <a:r>
-              <a:rPr lang="nl-BE" dirty="0" err="1" smtClean="0"/>
+              <a:rPr lang="nl-BE" dirty="0" err="1"/>
               <a:t>namespace</a:t>
             </a:r>
             <a:r>
-              <a:rPr lang="nl-BE" dirty="0" smtClean="0"/>
+              <a:rPr lang="nl-BE" dirty="0"/>
               <a:t> </a:t>
             </a:r>
             <a:r>
-              <a:rPr lang="nl-BE" dirty="0" err="1" smtClean="0"/>
+              <a:rPr lang="nl-BE" dirty="0" err="1"/>
               <a:t>consists</a:t>
             </a:r>
             <a:r>
-              <a:rPr lang="nl-BE" dirty="0" smtClean="0"/>
+              <a:rPr lang="nl-BE" dirty="0"/>
               <a:t> of classes</a:t>
             </a:r>
           </a:p>
           <a:p>
             <a:r>
-              <a:rPr lang="nl-BE" dirty="0" smtClean="0"/>
+              <a:rPr lang="nl-BE" dirty="0"/>
               <a:t>In a class, </a:t>
             </a:r>
             <a:r>
-              <a:rPr lang="nl-BE" dirty="0" err="1" smtClean="0"/>
+              <a:rPr lang="nl-BE" dirty="0" err="1"/>
               <a:t>you</a:t>
             </a:r>
             <a:r>
-              <a:rPr lang="nl-BE" dirty="0" smtClean="0"/>
+              <a:rPr lang="nl-BE" dirty="0"/>
               <a:t> </a:t>
             </a:r>
             <a:r>
-              <a:rPr lang="nl-BE" dirty="0" err="1" smtClean="0"/>
+              <a:rPr lang="nl-BE" dirty="0" err="1"/>
               <a:t>can</a:t>
             </a:r>
             <a:r>
-              <a:rPr lang="nl-BE" dirty="0" smtClean="0"/>
+              <a:rPr lang="nl-BE" dirty="0"/>
               <a:t> </a:t>
             </a:r>
             <a:r>
-              <a:rPr lang="nl-BE" dirty="0" err="1" smtClean="0"/>
+              <a:rPr lang="nl-BE" dirty="0" err="1"/>
               <a:t>find</a:t>
             </a:r>
             <a:r>
-              <a:rPr lang="nl-BE" dirty="0" smtClean="0"/>
+              <a:rPr lang="nl-BE" dirty="0"/>
               <a:t> </a:t>
             </a:r>
             <a:r>
-              <a:rPr lang="en-GB" dirty="0" smtClean="0"/>
+              <a:rPr lang="en-GB" dirty="0"/>
               <a:t>useful</a:t>
             </a:r>
             <a:r>
-              <a:rPr lang="nl-BE" dirty="0" smtClean="0"/>
+              <a:rPr lang="nl-BE" dirty="0"/>
               <a:t> information</a:t>
             </a:r>
           </a:p>
           <a:p>
+            <a:endParaRPr lang="nl-BE" dirty="0"/>
+          </a:p>
+          <a:p>
+            <a:endParaRPr lang="en-GB" dirty="0"/>
+          </a:p>
+          <a:p>
+            <a:endParaRPr lang="nl-BE" dirty="0"/>
+          </a:p>
+          <a:p>
+            <a:r>
+              <a:rPr lang="nl-BE" dirty="0" err="1"/>
+              <a:t>Example</a:t>
+            </a:r>
+            <a:r>
+              <a:rPr lang="nl-BE" dirty="0"/>
+              <a:t>: AllClasses.ps1</a:t>
+            </a:r>
+          </a:p>
+          <a:p>
             <a:pPr lvl="1"/>
             <a:r>
-              <a:rPr lang="en-GB" dirty="0"/>
+              <a:rPr lang="nl-BE" dirty="0" err="1"/>
+              <a:t>There</a:t>
+            </a:r>
+            <a:r>
+              <a:rPr lang="nl-BE" dirty="0"/>
+              <a:t> are a lot of classes</a:t>
+            </a:r>
+            <a:endParaRPr lang="en-GB" dirty="0"/>
+          </a:p>
+        </p:txBody>
+      </p:sp>
+      <p:sp>
+        <p:nvSpPr>
+          <p:cNvPr id="5" name="TextBox 4">
+            <a:extLst>
+              <a:ext uri="{FF2B5EF4-FFF2-40B4-BE49-F238E27FC236}">
+                <a16:creationId xmlns:a16="http://schemas.microsoft.com/office/drawing/2014/main" id="{B6B883E3-6720-425D-B22D-357E5CEABFB7}"/>
+              </a:ext>
+            </a:extLst>
+          </p:cNvPr>
+          <p:cNvSpPr txBox="1"/>
+          <p:nvPr/>
+        </p:nvSpPr>
+        <p:spPr>
+          <a:xfrm>
+            <a:off x="1201782" y="3178518"/>
+            <a:ext cx="9004663" cy="646331"/>
+          </a:xfrm>
+          <a:prstGeom prst="rect">
+            <a:avLst/>
+          </a:prstGeom>
+          <a:noFill/>
+        </p:spPr>
+        <p:txBody>
+          <a:bodyPr wrap="square">
+            <a:spAutoFit/>
+          </a:bodyPr>
+          <a:lstStyle/>
+          <a:p>
+            <a:r>
+              <a:rPr lang="en-US" sz="1800" dirty="0">
+                <a:solidFill>
+                  <a:srgbClr val="0000FF"/>
+                </a:solidFill>
+                <a:latin typeface="Lucida Console" panose="020B0609040504020204" pitchFamily="49" charset="0"/>
+              </a:rPr>
+              <a:t>Get-</a:t>
+            </a:r>
+            <a:r>
+              <a:rPr lang="en-US" sz="1800" dirty="0" err="1">
+                <a:solidFill>
+                  <a:srgbClr val="0000FF"/>
+                </a:solidFill>
+                <a:latin typeface="Lucida Console" panose="020B0609040504020204" pitchFamily="49" charset="0"/>
+              </a:rPr>
+              <a:t>CimInstance</a:t>
+            </a:r>
+            <a:r>
+              <a:rPr lang="en-US" sz="1800" dirty="0">
+                <a:solidFill>
+                  <a:prstClr val="black"/>
+                </a:solidFill>
+                <a:latin typeface="Lucida Console" panose="020B0609040504020204" pitchFamily="49" charset="0"/>
+              </a:rPr>
               <a:t> </a:t>
             </a:r>
             <a:r>
-              <a:rPr lang="en-GB" dirty="0"/>
-              <a:t>Get-</a:t>
-            </a:r>
-            <a:r>
-              <a:rPr lang="en-GB" dirty="0" err="1"/>
-              <a:t>CimInstance</a:t>
-            </a:r>
-            <a:r>
-              <a:rPr lang="en-GB" dirty="0"/>
-              <a:t> -Namespace "</a:t>
-            </a:r>
-            <a:r>
-              <a:rPr lang="en-GB" dirty="0" smtClean="0"/>
-              <a:t>root\cimv2</a:t>
-            </a:r>
-            <a:r>
-              <a:rPr lang="en-GB" dirty="0"/>
-              <a:t>"</a:t>
-            </a:r>
-            <a:r>
-              <a:rPr lang="en-GB" dirty="0" smtClean="0"/>
-              <a:t/>
-            </a:r>
-            <a:br>
-              <a:rPr lang="en-GB" dirty="0" smtClean="0"/>
-            </a:br>
-            <a:r>
-              <a:rPr lang="en-GB" dirty="0" smtClean="0"/>
-              <a:t>			-</a:t>
-            </a:r>
-            <a:r>
-              <a:rPr lang="en-GB" dirty="0" err="1"/>
+              <a:rPr lang="en-US" sz="1800" dirty="0">
+                <a:solidFill>
+                  <a:srgbClr val="000080"/>
+                </a:solidFill>
+                <a:latin typeface="Lucida Console" panose="020B0609040504020204" pitchFamily="49" charset="0"/>
+              </a:rPr>
+              <a:t>-Namespace</a:t>
+            </a:r>
+            <a:r>
+              <a:rPr lang="en-US" sz="1800" dirty="0">
+                <a:solidFill>
+                  <a:prstClr val="black"/>
+                </a:solidFill>
+                <a:latin typeface="Lucida Console" panose="020B0609040504020204" pitchFamily="49" charset="0"/>
+              </a:rPr>
+              <a:t> </a:t>
+            </a:r>
+            <a:r>
+              <a:rPr lang="en-US" sz="1800" dirty="0">
+                <a:solidFill>
+                  <a:srgbClr val="8B0000"/>
+                </a:solidFill>
+                <a:latin typeface="Lucida Console" panose="020B0609040504020204" pitchFamily="49" charset="0"/>
+              </a:rPr>
+              <a:t>"root\cimv2"</a:t>
+            </a:r>
+            <a:r>
+              <a:rPr lang="en-US" sz="1800" dirty="0">
+                <a:solidFill>
+                  <a:prstClr val="black"/>
+                </a:solidFill>
+                <a:latin typeface="Lucida Console" panose="020B0609040504020204" pitchFamily="49" charset="0"/>
+              </a:rPr>
+              <a:t> `</a:t>
+            </a:r>
+          </a:p>
+          <a:p>
+            <a:r>
+              <a:rPr lang="en-US" dirty="0">
+                <a:solidFill>
+                  <a:prstClr val="black"/>
+                </a:solidFill>
+                <a:latin typeface="Lucida Console" panose="020B0609040504020204" pitchFamily="49" charset="0"/>
+              </a:rPr>
+              <a:t>		</a:t>
+            </a:r>
+            <a:r>
+              <a:rPr lang="en-US" sz="1800" dirty="0">
+                <a:solidFill>
+                  <a:srgbClr val="000080"/>
+                </a:solidFill>
+                <a:latin typeface="Lucida Console" panose="020B0609040504020204" pitchFamily="49" charset="0"/>
+              </a:rPr>
+              <a:t>-</a:t>
+            </a:r>
+            <a:r>
+              <a:rPr lang="en-US" sz="1800" dirty="0" err="1">
+                <a:solidFill>
+                  <a:srgbClr val="000080"/>
+                </a:solidFill>
+                <a:latin typeface="Lucida Console" panose="020B0609040504020204" pitchFamily="49" charset="0"/>
+              </a:rPr>
               <a:t>ComputerName</a:t>
             </a:r>
             <a:r>
-              <a:rPr lang="en-GB" dirty="0"/>
+              <a:rPr lang="en-US" sz="1800" dirty="0">
+                <a:solidFill>
+                  <a:prstClr val="black"/>
+                </a:solidFill>
+                <a:latin typeface="Lucida Console" panose="020B0609040504020204" pitchFamily="49" charset="0"/>
+              </a:rPr>
               <a:t> </a:t>
             </a:r>
             <a:r>
-              <a:rPr lang="en-GB" dirty="0" smtClean="0"/>
-              <a:t>".</a:t>
-            </a:r>
-            <a:r>
-              <a:rPr lang="en-GB" dirty="0"/>
-              <a:t> "</a:t>
-            </a:r>
-            <a:r>
-              <a:rPr lang="en-GB" dirty="0" smtClean="0"/>
-              <a:t/>
-            </a:r>
-            <a:br>
-              <a:rPr lang="en-GB" dirty="0" smtClean="0"/>
-            </a:br>
-            <a:r>
-              <a:rPr lang="en-GB" dirty="0" smtClean="0"/>
-              <a:t>			-</a:t>
-            </a:r>
-            <a:r>
-              <a:rPr lang="en-GB" dirty="0" err="1"/>
+              <a:rPr lang="en-US" sz="1800" dirty="0">
+                <a:solidFill>
+                  <a:srgbClr val="8B0000"/>
+                </a:solidFill>
+                <a:latin typeface="Lucida Console" panose="020B0609040504020204" pitchFamily="49" charset="0"/>
+              </a:rPr>
+              <a:t>". "</a:t>
+            </a:r>
+            <a:r>
+              <a:rPr lang="en-US" sz="1800" dirty="0">
+                <a:solidFill>
+                  <a:prstClr val="black"/>
+                </a:solidFill>
+                <a:latin typeface="Lucida Console" panose="020B0609040504020204" pitchFamily="49" charset="0"/>
+              </a:rPr>
+              <a:t> </a:t>
+            </a:r>
+            <a:r>
+              <a:rPr lang="en-US" sz="1800" dirty="0">
+                <a:solidFill>
+                  <a:srgbClr val="000080"/>
+                </a:solidFill>
+                <a:latin typeface="Lucida Console" panose="020B0609040504020204" pitchFamily="49" charset="0"/>
+              </a:rPr>
+              <a:t>-</a:t>
+            </a:r>
+            <a:r>
+              <a:rPr lang="en-US" sz="1800" dirty="0" err="1">
+                <a:solidFill>
+                  <a:srgbClr val="000080"/>
+                </a:solidFill>
+                <a:latin typeface="Lucida Console" panose="020B0609040504020204" pitchFamily="49" charset="0"/>
+              </a:rPr>
               <a:t>classname</a:t>
             </a:r>
             <a:r>
-              <a:rPr lang="en-GB" dirty="0"/>
-              <a:t> Win32_OperatingSystem </a:t>
-            </a:r>
-            <a:endParaRPr lang="en-GB" dirty="0" smtClean="0"/>
-          </a:p>
-          <a:p>
-            <a:endParaRPr lang="nl-BE" dirty="0" smtClean="0"/>
-          </a:p>
-          <a:p>
-            <a:r>
-              <a:rPr lang="nl-BE" dirty="0" err="1" smtClean="0"/>
-              <a:t>Example</a:t>
-            </a:r>
-            <a:r>
-              <a:rPr lang="nl-BE" dirty="0" smtClean="0"/>
-              <a:t>: AllClasses.ps1</a:t>
-            </a:r>
-          </a:p>
-          <a:p>
-            <a:pPr lvl="1"/>
-            <a:r>
-              <a:rPr lang="nl-BE" dirty="0" err="1" smtClean="0"/>
-              <a:t>There</a:t>
-            </a:r>
-            <a:r>
-              <a:rPr lang="nl-BE" dirty="0" smtClean="0"/>
-              <a:t> are a lot of classes</a:t>
-            </a:r>
-            <a:endParaRPr lang="en-GB" dirty="0"/>
+              <a:rPr lang="en-US" sz="1800" dirty="0">
+                <a:solidFill>
+                  <a:prstClr val="black"/>
+                </a:solidFill>
+                <a:latin typeface="Lucida Console" panose="020B0609040504020204" pitchFamily="49" charset="0"/>
+              </a:rPr>
+              <a:t> </a:t>
+            </a:r>
+            <a:r>
+              <a:rPr lang="en-US" sz="1800" dirty="0">
+                <a:solidFill>
+                  <a:srgbClr val="8A2BE2"/>
+                </a:solidFill>
+                <a:latin typeface="Lucida Console" panose="020B0609040504020204" pitchFamily="49" charset="0"/>
+              </a:rPr>
+              <a:t>Win32_OperatingSystem</a:t>
+            </a:r>
+            <a:r>
+              <a:rPr lang="en-US" sz="1800" dirty="0">
+                <a:solidFill>
+                  <a:prstClr val="black"/>
+                </a:solidFill>
+                <a:latin typeface="Lucida Console" panose="020B0609040504020204" pitchFamily="49" charset="0"/>
+              </a:rPr>
+              <a:t>  </a:t>
+            </a:r>
           </a:p>
         </p:txBody>
       </p:sp>
@@ -6568,34 +7699,22 @@
           <a:p>
             <a:pPr lvl="1"/>
             <a:r>
-              <a:rPr lang="en-GB" dirty="0" smtClean="0"/>
-              <a:t>Properties: describe </a:t>
-            </a:r>
-            <a:r>
               <a:rPr lang="en-GB" dirty="0"/>
-              <a:t>the object</a:t>
+              <a:t>Properties: describe the object</a:t>
             </a:r>
           </a:p>
           <a:p>
             <a:pPr lvl="1"/>
             <a:r>
-              <a:rPr lang="en-GB" dirty="0" smtClean="0"/>
-              <a:t>Methods: describe </a:t>
-            </a:r>
-            <a:r>
               <a:rPr lang="en-GB" dirty="0"/>
-              <a:t>the actions that can be performed on the object</a:t>
+              <a:t>Methods: describe the actions that can be performed on the object</a:t>
             </a:r>
           </a:p>
           <a:p>
             <a:pPr lvl="1"/>
             <a:r>
-              <a:rPr lang="en-GB" dirty="0" smtClean="0"/>
-              <a:t>Qualifiers: Provide </a:t>
-            </a:r>
-            <a:r>
               <a:rPr lang="en-GB" dirty="0"/>
-              <a:t>additional information about a class, a property or a method</a:t>
+              <a:t>Qualifiers: Provide additional information about a class, a property or a method</a:t>
             </a:r>
           </a:p>
           <a:p>
@@ -6608,28 +7727,16 @@
             <a:pPr lvl="1"/>
             <a:r>
               <a:rPr lang="en-GB" dirty="0"/>
-              <a:t>Child classes inherit properties, methods and qualifiers and add </a:t>
-            </a:r>
-            <a:r>
-              <a:rPr lang="en-GB" dirty="0" smtClean="0"/>
-              <a:t>their own properties</a:t>
-            </a:r>
-            <a:r>
-              <a:rPr lang="en-GB" dirty="0"/>
-              <a:t>, methods and </a:t>
-            </a:r>
-            <a:r>
-              <a:rPr lang="en-GB" dirty="0" smtClean="0"/>
-              <a:t>qualifiers</a:t>
-            </a:r>
-          </a:p>
-          <a:p>
-            <a:r>
-              <a:rPr lang="nl-BE" dirty="0" err="1" smtClean="0"/>
+              <a:t>Child classes inherit properties, methods and qualifiers and add their own properties, methods and qualifiers</a:t>
+            </a:r>
+          </a:p>
+          <a:p>
+            <a:r>
+              <a:rPr lang="nl-BE" dirty="0" err="1"/>
               <a:t>Example</a:t>
             </a:r>
             <a:r>
-              <a:rPr lang="nl-BE" dirty="0" smtClean="0"/>
+              <a:rPr lang="nl-BE" dirty="0"/>
               <a:t>: Methods.ps1</a:t>
             </a:r>
             <a:endParaRPr lang="en-GB" dirty="0"/>
@@ -6685,7 +7792,7 @@
           <a:lstStyle/>
           <a:p>
             <a:r>
-              <a:rPr lang="nl-BE" dirty="0" smtClean="0"/>
+              <a:rPr lang="nl-BE" dirty="0"/>
               <a:t>WMI</a:t>
             </a:r>
             <a:endParaRPr lang="en-GB" dirty="0"/>
@@ -6708,212 +7815,200 @@
           <a:lstStyle/>
           <a:p>
             <a:r>
-              <a:rPr lang="nl-BE" dirty="0" smtClean="0"/>
+              <a:rPr lang="nl-BE" dirty="0"/>
               <a:t>Love-</a:t>
             </a:r>
             <a:r>
-              <a:rPr lang="nl-BE" dirty="0" err="1" smtClean="0"/>
+              <a:rPr lang="nl-BE" dirty="0" err="1"/>
               <a:t>hate</a:t>
             </a:r>
-            <a:endParaRPr lang="nl-BE" dirty="0" smtClean="0"/>
+            <a:endParaRPr lang="nl-BE" dirty="0"/>
           </a:p>
           <a:p>
             <a:pPr lvl="1"/>
             <a:r>
-              <a:rPr lang="nl-BE" dirty="0" smtClean="0"/>
+              <a:rPr lang="nl-BE" dirty="0"/>
               <a:t>Love </a:t>
             </a:r>
             <a:r>
-              <a:rPr lang="nl-BE" dirty="0" err="1" smtClean="0"/>
+              <a:rPr lang="nl-BE" dirty="0" err="1"/>
               <a:t>the</a:t>
             </a:r>
             <a:r>
-              <a:rPr lang="nl-BE" dirty="0" smtClean="0"/>
+              <a:rPr lang="nl-BE" dirty="0"/>
               <a:t> </a:t>
             </a:r>
             <a:r>
-              <a:rPr lang="nl-BE" dirty="0" err="1" smtClean="0"/>
+              <a:rPr lang="nl-BE" dirty="0" err="1"/>
               <a:t>fact</a:t>
             </a:r>
             <a:r>
-              <a:rPr lang="nl-BE" dirty="0" smtClean="0"/>
+              <a:rPr lang="nl-BE" dirty="0"/>
               <a:t> </a:t>
             </a:r>
             <a:r>
-              <a:rPr lang="nl-BE" dirty="0" err="1" smtClean="0"/>
+              <a:rPr lang="nl-BE" dirty="0" err="1"/>
               <a:t>that</a:t>
             </a:r>
             <a:r>
-              <a:rPr lang="nl-BE" dirty="0" smtClean="0"/>
+              <a:rPr lang="nl-BE" dirty="0"/>
               <a:t> </a:t>
             </a:r>
             <a:r>
-              <a:rPr lang="nl-BE" dirty="0" err="1" smtClean="0"/>
+              <a:rPr lang="nl-BE" dirty="0" err="1"/>
               <a:t>you</a:t>
             </a:r>
             <a:r>
-              <a:rPr lang="nl-BE" dirty="0" smtClean="0"/>
+              <a:rPr lang="nl-BE" dirty="0"/>
               <a:t> </a:t>
             </a:r>
             <a:r>
-              <a:rPr lang="nl-BE" dirty="0" err="1" smtClean="0"/>
+              <a:rPr lang="nl-BE" dirty="0" err="1"/>
               <a:t>can</a:t>
             </a:r>
             <a:r>
-              <a:rPr lang="nl-BE" dirty="0" smtClean="0"/>
+              <a:rPr lang="nl-BE" dirty="0"/>
               <a:t> do </a:t>
             </a:r>
             <a:r>
-              <a:rPr lang="nl-BE" dirty="0" err="1" smtClean="0"/>
+              <a:rPr lang="nl-BE" dirty="0" err="1"/>
               <a:t>everything</a:t>
             </a:r>
             <a:r>
-              <a:rPr lang="nl-BE" dirty="0" smtClean="0"/>
+              <a:rPr lang="nl-BE" dirty="0"/>
               <a:t> </a:t>
             </a:r>
             <a:r>
-              <a:rPr lang="nl-BE" dirty="0" err="1" smtClean="0"/>
+              <a:rPr lang="nl-BE" dirty="0" err="1"/>
               <a:t>with</a:t>
             </a:r>
             <a:r>
-              <a:rPr lang="nl-BE" dirty="0" smtClean="0"/>
+              <a:rPr lang="nl-BE" dirty="0"/>
               <a:t> WMI</a:t>
             </a:r>
           </a:p>
           <a:p>
             <a:pPr lvl="1"/>
             <a:r>
-              <a:rPr lang="nl-BE" dirty="0" err="1" smtClean="0"/>
+              <a:rPr lang="nl-BE" dirty="0" err="1"/>
               <a:t>Hate</a:t>
             </a:r>
             <a:r>
-              <a:rPr lang="nl-BE" dirty="0" smtClean="0"/>
+              <a:rPr lang="nl-BE" dirty="0"/>
               <a:t> </a:t>
             </a:r>
             <a:r>
-              <a:rPr lang="nl-BE" dirty="0" err="1" smtClean="0"/>
+              <a:rPr lang="nl-BE" dirty="0" err="1"/>
               <a:t>the</a:t>
             </a:r>
             <a:r>
-              <a:rPr lang="nl-BE" dirty="0" smtClean="0"/>
+              <a:rPr lang="nl-BE" dirty="0"/>
               <a:t> </a:t>
             </a:r>
             <a:r>
-              <a:rPr lang="nl-BE" dirty="0" err="1" smtClean="0"/>
+              <a:rPr lang="nl-BE" dirty="0" err="1"/>
               <a:t>fact</a:t>
             </a:r>
             <a:r>
-              <a:rPr lang="nl-BE" dirty="0" smtClean="0"/>
+              <a:rPr lang="nl-BE" dirty="0"/>
               <a:t> </a:t>
             </a:r>
             <a:r>
-              <a:rPr lang="nl-BE" dirty="0" err="1" smtClean="0"/>
+              <a:rPr lang="nl-BE" dirty="0" err="1"/>
               <a:t>that</a:t>
             </a:r>
             <a:r>
-              <a:rPr lang="nl-BE" dirty="0" smtClean="0"/>
+              <a:rPr lang="nl-BE" dirty="0"/>
               <a:t> </a:t>
             </a:r>
             <a:r>
-              <a:rPr lang="nl-BE" dirty="0" err="1" smtClean="0"/>
+              <a:rPr lang="nl-BE" dirty="0" err="1"/>
               <a:t>it</a:t>
             </a:r>
             <a:r>
-              <a:rPr lang="nl-BE" dirty="0" smtClean="0"/>
+              <a:rPr lang="nl-BE" dirty="0"/>
               <a:t> is </a:t>
             </a:r>
             <a:r>
-              <a:rPr lang="nl-BE" dirty="0" err="1" smtClean="0"/>
+              <a:rPr lang="nl-BE" dirty="0" err="1"/>
               <a:t>very</a:t>
             </a:r>
             <a:r>
-              <a:rPr lang="nl-BE" dirty="0" smtClean="0"/>
+              <a:rPr lang="nl-BE" dirty="0"/>
               <a:t> </a:t>
             </a:r>
             <a:r>
-              <a:rPr lang="nl-BE" dirty="0" err="1" smtClean="0"/>
+              <a:rPr lang="nl-BE" dirty="0" err="1"/>
               <a:t>difficult</a:t>
             </a:r>
             <a:r>
-              <a:rPr lang="nl-BE" dirty="0" smtClean="0"/>
+              <a:rPr lang="nl-BE" dirty="0"/>
               <a:t> </a:t>
             </a:r>
             <a:r>
-              <a:rPr lang="nl-BE" dirty="0" err="1" smtClean="0"/>
+              <a:rPr lang="nl-BE" dirty="0" err="1"/>
               <a:t>to</a:t>
             </a:r>
             <a:r>
-              <a:rPr lang="nl-BE" dirty="0" smtClean="0"/>
+              <a:rPr lang="nl-BE" dirty="0"/>
               <a:t> </a:t>
             </a:r>
             <a:r>
-              <a:rPr lang="nl-BE" dirty="0" err="1" smtClean="0"/>
+              <a:rPr lang="nl-BE" dirty="0" err="1"/>
               <a:t>find</a:t>
             </a:r>
             <a:r>
-              <a:rPr lang="nl-BE" dirty="0" smtClean="0"/>
+              <a:rPr lang="nl-BE" dirty="0"/>
               <a:t> </a:t>
             </a:r>
             <a:r>
-              <a:rPr lang="nl-BE" dirty="0" err="1" smtClean="0"/>
+              <a:rPr lang="nl-BE" dirty="0" err="1"/>
               <a:t>the</a:t>
             </a:r>
             <a:r>
-              <a:rPr lang="nl-BE" dirty="0" smtClean="0"/>
+              <a:rPr lang="nl-BE" dirty="0"/>
               <a:t> right class</a:t>
             </a:r>
           </a:p>
           <a:p>
             <a:r>
-              <a:rPr lang="nl-BE" dirty="0" smtClean="0"/>
+              <a:rPr lang="nl-BE" dirty="0"/>
               <a:t>The WMI </a:t>
             </a:r>
             <a:r>
-              <a:rPr lang="nl-BE" dirty="0" err="1" smtClean="0"/>
+              <a:rPr lang="nl-BE" dirty="0" err="1"/>
               <a:t>explorer</a:t>
             </a:r>
             <a:r>
-              <a:rPr lang="nl-BE" dirty="0" smtClean="0"/>
+              <a:rPr lang="nl-BE" dirty="0"/>
               <a:t>:</a:t>
             </a:r>
           </a:p>
           <a:p>
             <a:pPr lvl="1"/>
-            <a:r>
-              <a:rPr lang="nl-BE" dirty="0" smtClean="0">
-                <a:hlinkClick r:id="rId2"/>
-              </a:rPr>
-              <a:t>https</a:t>
-            </a:r>
             <a:r>
               <a:rPr lang="nl-BE" dirty="0">
                 <a:hlinkClick r:id="rId2"/>
               </a:rPr>
-              <a:t>://wmie.codeplex.com</a:t>
-            </a:r>
-            <a:r>
-              <a:rPr lang="nl-BE" dirty="0" smtClean="0">
-                <a:hlinkClick r:id="rId2"/>
-              </a:rPr>
-              <a:t>/</a:t>
-            </a:r>
-            <a:endParaRPr lang="nl-BE" dirty="0" smtClean="0"/>
+              <a:t>https://wmie.codeplex.com/</a:t>
+            </a:r>
+            <a:endParaRPr lang="nl-BE" dirty="0"/>
           </a:p>
           <a:p>
             <a:pPr lvl="1"/>
             <a:r>
-              <a:rPr lang="nl-BE" dirty="0" smtClean="0"/>
+              <a:rPr lang="nl-BE" dirty="0"/>
               <a:t>A </a:t>
             </a:r>
             <a:r>
-              <a:rPr lang="nl-BE" dirty="0" err="1" smtClean="0"/>
+              <a:rPr lang="nl-BE" dirty="0" err="1"/>
               <a:t>PowerShell</a:t>
             </a:r>
             <a:r>
-              <a:rPr lang="nl-BE" i="1" dirty="0" err="1" smtClean="0"/>
+              <a:rPr lang="nl-BE" i="1" dirty="0" err="1"/>
               <a:t>script</a:t>
             </a:r>
-            <a:endParaRPr lang="nl-BE" i="1" dirty="0" smtClean="0"/>
+            <a:endParaRPr lang="nl-BE" i="1" dirty="0"/>
           </a:p>
         </p:txBody>
       </p:sp>
@@ -6933,7 +8028,7 @@
 <file path=ppt/theme/theme1.xml><?xml version="1.0" encoding="utf-8"?>
 <a:theme xmlns:a="http://schemas.openxmlformats.org/drawingml/2006/main" name="Office Theme">
   <a:themeElements>
-    <a:clrScheme name="Office">
+    <a:clrScheme name="Office Theme">
       <a:dk1>
         <a:sysClr val="windowText" lastClr="000000"/>
       </a:dk1>
@@ -6947,7 +8042,7 @@
         <a:srgbClr val="E7E6E6"/>
       </a:lt2>
       <a:accent1>
-        <a:srgbClr val="5B9BD5"/>
+        <a:srgbClr val="4472C4"/>
       </a:accent1>
       <a:accent2>
         <a:srgbClr val="ED7D31"/>
@@ -6959,7 +8054,7 @@
         <a:srgbClr val="FFC000"/>
       </a:accent4>
       <a:accent5>
-        <a:srgbClr val="4472C4"/>
+        <a:srgbClr val="5B9BD5"/>
       </a:accent5>
       <a:accent6>
         <a:srgbClr val="70AD47"/>
@@ -6971,7 +8066,7 @@
         <a:srgbClr val="954F72"/>
       </a:folHlink>
     </a:clrScheme>
-    <a:fontScheme name="Office">
+    <a:fontScheme name="Office Theme">
       <a:majorFont>
         <a:latin typeface="Calibri Light" panose="020F0302020204030204"/>
         <a:ea typeface=""/>
@@ -7043,7 +8138,7 @@
         <a:font script="Geor" typeface="Sylfaen"/>
       </a:minorFont>
     </a:fontScheme>
-    <a:fmtScheme name="Office">
+    <a:fmtScheme name="Office Theme">
       <a:fillStyleLst>
         <a:solidFill>
           <a:schemeClr val="phClr"/>

--- a/CIM/CIM.pptx
+++ b/CIM/CIM.pptx
@@ -5,22 +5,21 @@
     <p:sldMasterId id="2147483661" r:id="rId1"/>
   </p:sldMasterIdLst>
   <p:notesMasterIdLst>
-    <p:notesMasterId r:id="rId15"/>
+    <p:notesMasterId r:id="rId14"/>
   </p:notesMasterIdLst>
   <p:sldIdLst>
     <p:sldId id="257" r:id="rId2"/>
     <p:sldId id="275" r:id="rId3"/>
     <p:sldId id="283" r:id="rId4"/>
     <p:sldId id="276" r:id="rId5"/>
-    <p:sldId id="277" r:id="rId6"/>
-    <p:sldId id="279" r:id="rId7"/>
-    <p:sldId id="280" r:id="rId8"/>
-    <p:sldId id="281" r:id="rId9"/>
-    <p:sldId id="282" r:id="rId10"/>
-    <p:sldId id="284" r:id="rId11"/>
-    <p:sldId id="285" r:id="rId12"/>
-    <p:sldId id="286" r:id="rId13"/>
-    <p:sldId id="274" r:id="rId14"/>
+    <p:sldId id="279" r:id="rId6"/>
+    <p:sldId id="280" r:id="rId7"/>
+    <p:sldId id="281" r:id="rId8"/>
+    <p:sldId id="282" r:id="rId9"/>
+    <p:sldId id="284" r:id="rId10"/>
+    <p:sldId id="285" r:id="rId11"/>
+    <p:sldId id="286" r:id="rId12"/>
+    <p:sldId id="274" r:id="rId13"/>
   </p:sldIdLst>
   <p:sldSz cx="12192000" cy="6858000"/>
   <p:notesSz cx="6858000" cy="9144000"/>
@@ -922,7 +921,7 @@
           <a:p>
             <a:fld id="{3C1CD153-15DE-46E9-BB45-7F70E88D2337}" type="datetimeFigureOut">
               <a:rPr lang="nl-BE" smtClean="0"/>
-              <a:t>15/10/2020</a:t>
+              <a:t>10/05/2022</a:t>
             </a:fld>
             <a:endParaRPr lang="nl-BE"/>
           </a:p>
@@ -1081,7 +1080,7 @@
           <a:p>
             <a:fld id="{86518AAE-73D8-4A7F-BD2A-F3659414D35C}" type="slidenum">
               <a:rPr lang="nl-BE" smtClean="0"/>
-              <a:t>‹#›</a:t>
+              <a:t>‹nr.›</a:t>
             </a:fld>
             <a:endParaRPr lang="nl-BE"/>
           </a:p>
@@ -1418,7 +1417,7 @@
           <a:p>
             <a:fld id="{21F21368-17C6-4870-9BCB-BC49B72EC322}" type="datetimeFigureOut">
               <a:rPr lang="nl-BE" smtClean="0"/>
-              <a:t>15/10/2020</a:t>
+              <a:t>10/05/2022</a:t>
             </a:fld>
             <a:endParaRPr lang="nl-BE"/>
           </a:p>
@@ -1460,7 +1459,7 @@
           <a:p>
             <a:fld id="{D92E16BA-4A14-44E5-AD93-051CA6FDCB01}" type="slidenum">
               <a:rPr lang="nl-BE" smtClean="0"/>
-              <a:t>‹#›</a:t>
+              <a:t>‹nr.›</a:t>
             </a:fld>
             <a:endParaRPr lang="nl-BE"/>
           </a:p>
@@ -1588,7 +1587,7 @@
           <a:p>
             <a:fld id="{21F21368-17C6-4870-9BCB-BC49B72EC322}" type="datetimeFigureOut">
               <a:rPr lang="nl-BE" smtClean="0"/>
-              <a:t>15/10/2020</a:t>
+              <a:t>10/05/2022</a:t>
             </a:fld>
             <a:endParaRPr lang="nl-BE"/>
           </a:p>
@@ -1630,7 +1629,7 @@
           <a:p>
             <a:fld id="{D92E16BA-4A14-44E5-AD93-051CA6FDCB01}" type="slidenum">
               <a:rPr lang="nl-BE" smtClean="0"/>
-              <a:t>‹#›</a:t>
+              <a:t>‹nr.›</a:t>
             </a:fld>
             <a:endParaRPr lang="nl-BE"/>
           </a:p>
@@ -1768,7 +1767,7 @@
           <a:p>
             <a:fld id="{21F21368-17C6-4870-9BCB-BC49B72EC322}" type="datetimeFigureOut">
               <a:rPr lang="nl-BE" smtClean="0"/>
-              <a:t>15/10/2020</a:t>
+              <a:t>10/05/2022</a:t>
             </a:fld>
             <a:endParaRPr lang="nl-BE"/>
           </a:p>
@@ -1810,7 +1809,7 @@
           <a:p>
             <a:fld id="{D92E16BA-4A14-44E5-AD93-051CA6FDCB01}" type="slidenum">
               <a:rPr lang="nl-BE" smtClean="0"/>
-              <a:t>‹#›</a:t>
+              <a:t>‹nr.›</a:t>
             </a:fld>
             <a:endParaRPr lang="nl-BE"/>
           </a:p>
@@ -2282,7 +2281,7 @@
           <a:p>
             <a:fld id="{21F21368-17C6-4870-9BCB-BC49B72EC322}" type="datetimeFigureOut">
               <a:rPr lang="nl-BE" smtClean="0"/>
-              <a:t>15/10/2020</a:t>
+              <a:t>10/05/2022</a:t>
             </a:fld>
             <a:endParaRPr lang="nl-BE"/>
           </a:p>
@@ -2324,7 +2323,7 @@
           <a:p>
             <a:fld id="{D92E16BA-4A14-44E5-AD93-051CA6FDCB01}" type="slidenum">
               <a:rPr lang="nl-BE" smtClean="0"/>
-              <a:t>‹#›</a:t>
+              <a:t>‹nr.›</a:t>
             </a:fld>
             <a:endParaRPr lang="nl-BE"/>
           </a:p>
@@ -2528,7 +2527,7 @@
           <a:p>
             <a:fld id="{21F21368-17C6-4870-9BCB-BC49B72EC322}" type="datetimeFigureOut">
               <a:rPr lang="nl-BE" smtClean="0"/>
-              <a:t>15/10/2020</a:t>
+              <a:t>10/05/2022</a:t>
             </a:fld>
             <a:endParaRPr lang="nl-BE"/>
           </a:p>
@@ -2570,7 +2569,7 @@
           <a:p>
             <a:fld id="{D92E16BA-4A14-44E5-AD93-051CA6FDCB01}" type="slidenum">
               <a:rPr lang="nl-BE" smtClean="0"/>
-              <a:t>‹#›</a:t>
+              <a:t>‹nr.›</a:t>
             </a:fld>
             <a:endParaRPr lang="nl-BE"/>
           </a:p>
@@ -2760,7 +2759,7 @@
           <a:p>
             <a:fld id="{21F21368-17C6-4870-9BCB-BC49B72EC322}" type="datetimeFigureOut">
               <a:rPr lang="nl-BE" smtClean="0"/>
-              <a:t>15/10/2020</a:t>
+              <a:t>10/05/2022</a:t>
             </a:fld>
             <a:endParaRPr lang="nl-BE"/>
           </a:p>
@@ -2802,7 +2801,7 @@
           <a:p>
             <a:fld id="{D92E16BA-4A14-44E5-AD93-051CA6FDCB01}" type="slidenum">
               <a:rPr lang="nl-BE" smtClean="0"/>
-              <a:t>‹#›</a:t>
+              <a:t>‹nr.›</a:t>
             </a:fld>
             <a:endParaRPr lang="nl-BE"/>
           </a:p>
@@ -3127,7 +3126,7 @@
           <a:p>
             <a:fld id="{21F21368-17C6-4870-9BCB-BC49B72EC322}" type="datetimeFigureOut">
               <a:rPr lang="nl-BE" smtClean="0"/>
-              <a:t>15/10/2020</a:t>
+              <a:t>10/05/2022</a:t>
             </a:fld>
             <a:endParaRPr lang="nl-BE"/>
           </a:p>
@@ -3169,7 +3168,7 @@
           <a:p>
             <a:fld id="{D92E16BA-4A14-44E5-AD93-051CA6FDCB01}" type="slidenum">
               <a:rPr lang="nl-BE" smtClean="0"/>
-              <a:t>‹#›</a:t>
+              <a:t>‹nr.›</a:t>
             </a:fld>
             <a:endParaRPr lang="nl-BE"/>
           </a:p>
@@ -3245,7 +3244,7 @@
           <a:p>
             <a:fld id="{21F21368-17C6-4870-9BCB-BC49B72EC322}" type="datetimeFigureOut">
               <a:rPr lang="nl-BE" smtClean="0"/>
-              <a:t>15/10/2020</a:t>
+              <a:t>10/05/2022</a:t>
             </a:fld>
             <a:endParaRPr lang="nl-BE"/>
           </a:p>
@@ -3287,7 +3286,7 @@
           <a:p>
             <a:fld id="{D92E16BA-4A14-44E5-AD93-051CA6FDCB01}" type="slidenum">
               <a:rPr lang="nl-BE" smtClean="0"/>
-              <a:t>‹#›</a:t>
+              <a:t>‹nr.›</a:t>
             </a:fld>
             <a:endParaRPr lang="nl-BE"/>
           </a:p>
@@ -3340,7 +3339,7 @@
           <a:p>
             <a:fld id="{21F21368-17C6-4870-9BCB-BC49B72EC322}" type="datetimeFigureOut">
               <a:rPr lang="nl-BE" smtClean="0"/>
-              <a:t>15/10/2020</a:t>
+              <a:t>10/05/2022</a:t>
             </a:fld>
             <a:endParaRPr lang="nl-BE"/>
           </a:p>
@@ -3382,7 +3381,7 @@
           <a:p>
             <a:fld id="{D92E16BA-4A14-44E5-AD93-051CA6FDCB01}" type="slidenum">
               <a:rPr lang="nl-BE" smtClean="0"/>
-              <a:t>‹#›</a:t>
+              <a:t>‹nr.›</a:t>
             </a:fld>
             <a:endParaRPr lang="nl-BE"/>
           </a:p>
@@ -3617,7 +3616,7 @@
           <a:p>
             <a:fld id="{21F21368-17C6-4870-9BCB-BC49B72EC322}" type="datetimeFigureOut">
               <a:rPr lang="nl-BE" smtClean="0"/>
-              <a:t>15/10/2020</a:t>
+              <a:t>10/05/2022</a:t>
             </a:fld>
             <a:endParaRPr lang="nl-BE"/>
           </a:p>
@@ -3659,7 +3658,7 @@
           <a:p>
             <a:fld id="{D92E16BA-4A14-44E5-AD93-051CA6FDCB01}" type="slidenum">
               <a:rPr lang="nl-BE" smtClean="0"/>
-              <a:t>‹#›</a:t>
+              <a:t>‹nr.›</a:t>
             </a:fld>
             <a:endParaRPr lang="nl-BE"/>
           </a:p>
@@ -3874,7 +3873,7 @@
           <a:p>
             <a:fld id="{21F21368-17C6-4870-9BCB-BC49B72EC322}" type="datetimeFigureOut">
               <a:rPr lang="nl-BE" smtClean="0"/>
-              <a:t>15/10/2020</a:t>
+              <a:t>10/05/2022</a:t>
             </a:fld>
             <a:endParaRPr lang="nl-BE"/>
           </a:p>
@@ -3916,7 +3915,7 @@
           <a:p>
             <a:fld id="{D92E16BA-4A14-44E5-AD93-051CA6FDCB01}" type="slidenum">
               <a:rPr lang="nl-BE" smtClean="0"/>
-              <a:t>‹#›</a:t>
+              <a:t>‹nr.›</a:t>
             </a:fld>
             <a:endParaRPr lang="nl-BE"/>
           </a:p>
@@ -4087,7 +4086,7 @@
           <a:p>
             <a:fld id="{21F21368-17C6-4870-9BCB-BC49B72EC322}" type="datetimeFigureOut">
               <a:rPr lang="nl-BE" smtClean="0"/>
-              <a:t>15/10/2020</a:t>
+              <a:t>10/05/2022</a:t>
             </a:fld>
             <a:endParaRPr lang="nl-BE"/>
           </a:p>
@@ -4165,7 +4164,7 @@
           <a:p>
             <a:fld id="{D92E16BA-4A14-44E5-AD93-051CA6FDCB01}" type="slidenum">
               <a:rPr lang="nl-BE" smtClean="0"/>
-              <a:t>‹#›</a:t>
+              <a:t>‹nr.›</a:t>
             </a:fld>
             <a:endParaRPr lang="nl-BE"/>
           </a:p>
@@ -4863,11 +4862,11 @@
           <a:p>
             <a:r>
               <a:rPr lang="nl-BE" dirty="0"/>
-              <a:t>Date </a:t>
+              <a:t>WQL </a:t>
             </a:r>
             <a:r>
               <a:rPr lang="nl-BE" dirty="0" err="1"/>
-              <a:t>conversion</a:t>
+              <a:t>Queries</a:t>
             </a:r>
             <a:endParaRPr lang="en-GB" dirty="0"/>
           </a:p>
@@ -4885,51 +4884,91 @@
         </p:nvSpPr>
         <p:spPr/>
         <p:txBody>
-          <a:bodyPr/>
+          <a:bodyPr>
+            <a:normAutofit/>
+          </a:bodyPr>
           <a:lstStyle/>
           <a:p>
             <a:r>
+              <a:rPr lang="nl-BE" dirty="0" err="1"/>
+              <a:t>Queries</a:t>
+            </a:r>
+            <a:r>
               <a:rPr lang="nl-BE" dirty="0"/>
-              <a:t>WMI </a:t>
+              <a:t> are </a:t>
             </a:r>
             <a:r>
               <a:rPr lang="nl-BE" dirty="0" err="1"/>
-              <a:t>provides</a:t>
+              <a:t>written</a:t>
             </a:r>
             <a:r>
               <a:rPr lang="nl-BE" dirty="0"/>
-              <a:t> dates in UTC-format</a:t>
+              <a:t> in </a:t>
+            </a:r>
+            <a:r>
+              <a:rPr lang="nl-BE" dirty="0" err="1"/>
+              <a:t>the</a:t>
+            </a:r>
+            <a:r>
+              <a:rPr lang="nl-BE" dirty="0"/>
+              <a:t> WMI Query Language</a:t>
+            </a:r>
+          </a:p>
+          <a:p>
+            <a:r>
+              <a:rPr lang="nl-BE" dirty="0"/>
+              <a:t>Looks a lot like </a:t>
+            </a:r>
+            <a:r>
+              <a:rPr lang="nl-BE" dirty="0" err="1"/>
+              <a:t>normal</a:t>
+            </a:r>
+            <a:r>
+              <a:rPr lang="nl-BE" dirty="0"/>
+              <a:t> SQL</a:t>
             </a:r>
           </a:p>
           <a:p>
             <a:pPr lvl="1"/>
             <a:r>
               <a:rPr lang="en-GB" dirty="0"/>
-              <a:t> </a:t>
-            </a:r>
-          </a:p>
-          <a:p>
-            <a:endParaRPr lang="en-GB" dirty="0"/>
-          </a:p>
-          <a:p>
+              <a:t>Boolean operators AND </a:t>
+            </a:r>
+            <a:r>
+              <a:rPr lang="en-GB" dirty="0" err="1"/>
+              <a:t>and</a:t>
+            </a:r>
             <a:r>
               <a:rPr lang="en-GB" dirty="0"/>
-              <a:t>Get-Cim… </a:t>
-            </a:r>
-            <a:r>
-              <a:rPr lang="en-GB" dirty="0" err="1"/>
-              <a:t>performes</a:t>
-            </a:r>
+              <a:t> OR</a:t>
+            </a:r>
+          </a:p>
+          <a:p>
+            <a:pPr lvl="1"/>
             <a:r>
               <a:rPr lang="en-GB" dirty="0"/>
-              <a:t> automatic conversion</a:t>
+              <a:t>Comparison operator IS NULL</a:t>
             </a:r>
           </a:p>
           <a:p>
             <a:pPr lvl="1"/>
             <a:r>
               <a:rPr lang="en-GB" dirty="0"/>
-              <a:t>  </a:t>
+              <a:t>Other operators =, &gt;, &lt;, &gt;=, &lt;=, &lt;&gt;</a:t>
+            </a:r>
+          </a:p>
+          <a:p>
+            <a:pPr lvl="1"/>
+            <a:r>
+              <a:rPr lang="en-GB" dirty="0"/>
+              <a:t>Soft comparison operator LIKE with wildcards %, [ ], ^, _</a:t>
+            </a:r>
+          </a:p>
+          <a:p>
+            <a:pPr lvl="1"/>
+            <a:r>
+              <a:rPr lang="en-GB" dirty="0"/>
+              <a:t>Keywords TRUE and FALSE</a:t>
             </a:r>
           </a:p>
           <a:p>
@@ -4937,398 +4976,17 @@
             <a:endParaRPr lang="en-GB" dirty="0"/>
           </a:p>
           <a:p>
-            <a:pPr lvl="1"/>
             <a:endParaRPr lang="en-GB" dirty="0"/>
           </a:p>
           <a:p>
             <a:endParaRPr lang="en-GB" dirty="0"/>
-          </a:p>
-        </p:txBody>
-      </p:sp>
-      <p:pic>
-        <p:nvPicPr>
-          <p:cNvPr id="4" name="Picture 3"/>
-          <p:cNvPicPr>
-            <a:picLocks noChangeAspect="1"/>
-          </p:cNvPicPr>
-          <p:nvPr/>
-        </p:nvPicPr>
-        <p:blipFill>
-          <a:blip r:embed="rId2"/>
-          <a:stretch>
-            <a:fillRect/>
-          </a:stretch>
-        </p:blipFill>
-        <p:spPr>
-          <a:xfrm>
-            <a:off x="2345417" y="2826529"/>
-            <a:ext cx="7501167" cy="257183"/>
-          </a:xfrm>
-          <a:prstGeom prst="rect">
-            <a:avLst/>
-          </a:prstGeom>
-        </p:spPr>
-      </p:pic>
-      <p:pic>
-        <p:nvPicPr>
-          <p:cNvPr id="5" name="Picture 4"/>
-          <p:cNvPicPr>
-            <a:picLocks noChangeAspect="1"/>
-          </p:cNvPicPr>
-          <p:nvPr/>
-        </p:nvPicPr>
-        <p:blipFill>
-          <a:blip r:embed="rId3"/>
-          <a:stretch>
-            <a:fillRect/>
-          </a:stretch>
-        </p:blipFill>
-        <p:spPr>
-          <a:xfrm>
-            <a:off x="2345417" y="4555439"/>
-            <a:ext cx="4474887" cy="307989"/>
-          </a:xfrm>
-          <a:prstGeom prst="rect">
-            <a:avLst/>
-          </a:prstGeom>
-        </p:spPr>
-      </p:pic>
-      <p:sp>
-        <p:nvSpPr>
-          <p:cNvPr id="7" name="TextBox 6">
-            <a:extLst>
-              <a:ext uri="{FF2B5EF4-FFF2-40B4-BE49-F238E27FC236}">
-                <a16:creationId xmlns:a16="http://schemas.microsoft.com/office/drawing/2014/main" id="{CD2C896B-CC8B-4C0A-82A2-79E15C990F7C}"/>
-              </a:ext>
-            </a:extLst>
-          </p:cNvPr>
-          <p:cNvSpPr txBox="1"/>
-          <p:nvPr/>
-        </p:nvSpPr>
-        <p:spPr>
-          <a:xfrm>
-            <a:off x="1628503" y="2277945"/>
-            <a:ext cx="9596846" cy="646331"/>
-          </a:xfrm>
-          <a:prstGeom prst="rect">
-            <a:avLst/>
-          </a:prstGeom>
-          <a:noFill/>
-        </p:spPr>
-        <p:txBody>
-          <a:bodyPr wrap="square">
-            <a:spAutoFit/>
-          </a:bodyPr>
-          <a:lstStyle/>
-          <a:p>
-            <a:r>
-              <a:rPr lang="en-US" dirty="0"/>
-              <a:t> </a:t>
-            </a:r>
-            <a:r>
-              <a:rPr lang="en-US" sz="1800" dirty="0">
-                <a:solidFill>
-                  <a:srgbClr val="0000FF"/>
-                </a:solidFill>
-                <a:latin typeface="Lucida Console" panose="020B0609040504020204" pitchFamily="49" charset="0"/>
-              </a:rPr>
-              <a:t>Get-</a:t>
-            </a:r>
-            <a:r>
-              <a:rPr lang="en-US" sz="1800" dirty="0" err="1">
-                <a:solidFill>
-                  <a:srgbClr val="0000FF"/>
-                </a:solidFill>
-                <a:latin typeface="Lucida Console" panose="020B0609040504020204" pitchFamily="49" charset="0"/>
-              </a:rPr>
-              <a:t>WmiObject</a:t>
-            </a:r>
-            <a:r>
-              <a:rPr lang="en-US" sz="1800" dirty="0">
-                <a:solidFill>
-                  <a:prstClr val="black"/>
-                </a:solidFill>
-                <a:latin typeface="Lucida Console" panose="020B0609040504020204" pitchFamily="49" charset="0"/>
-              </a:rPr>
-              <a:t> </a:t>
-            </a:r>
-            <a:r>
-              <a:rPr lang="en-US" sz="1800" dirty="0">
-                <a:solidFill>
-                  <a:srgbClr val="000080"/>
-                </a:solidFill>
-                <a:latin typeface="Lucida Console" panose="020B0609040504020204" pitchFamily="49" charset="0"/>
-              </a:rPr>
-              <a:t>-Class</a:t>
-            </a:r>
-            <a:r>
-              <a:rPr lang="en-US" sz="1800" dirty="0">
-                <a:solidFill>
-                  <a:prstClr val="black"/>
-                </a:solidFill>
-                <a:latin typeface="Lucida Console" panose="020B0609040504020204" pitchFamily="49" charset="0"/>
-              </a:rPr>
-              <a:t> </a:t>
-            </a:r>
-            <a:r>
-              <a:rPr lang="en-US" sz="1800" dirty="0">
-                <a:solidFill>
-                  <a:srgbClr val="8A2BE2"/>
-                </a:solidFill>
-                <a:latin typeface="Lucida Console" panose="020B0609040504020204" pitchFamily="49" charset="0"/>
-              </a:rPr>
-              <a:t>Win32_OperatingSystem</a:t>
-            </a:r>
-            <a:r>
-              <a:rPr lang="en-US" sz="1800" dirty="0">
-                <a:solidFill>
-                  <a:prstClr val="black"/>
-                </a:solidFill>
-                <a:latin typeface="Lucida Console" panose="020B0609040504020204" pitchFamily="49" charset="0"/>
-              </a:rPr>
-              <a:t> </a:t>
-            </a:r>
-            <a:r>
-              <a:rPr lang="en-US" sz="1800" dirty="0">
-                <a:solidFill>
-                  <a:srgbClr val="000080"/>
-                </a:solidFill>
-                <a:latin typeface="Lucida Console" panose="020B0609040504020204" pitchFamily="49" charset="0"/>
-              </a:rPr>
-              <a:t>-property</a:t>
-            </a:r>
-            <a:r>
-              <a:rPr lang="en-US" sz="1800" dirty="0">
-                <a:solidFill>
-                  <a:prstClr val="black"/>
-                </a:solidFill>
-                <a:latin typeface="Lucida Console" panose="020B0609040504020204" pitchFamily="49" charset="0"/>
-              </a:rPr>
-              <a:t> </a:t>
-            </a:r>
-            <a:r>
-              <a:rPr lang="en-US" sz="1800" dirty="0" err="1">
-                <a:solidFill>
-                  <a:srgbClr val="8A2BE2"/>
-                </a:solidFill>
-                <a:latin typeface="Lucida Console" panose="020B0609040504020204" pitchFamily="49" charset="0"/>
-              </a:rPr>
-              <a:t>LastBootUpTime</a:t>
-            </a:r>
-            <a:r>
-              <a:rPr lang="en-US" sz="1800" dirty="0">
-                <a:solidFill>
-                  <a:prstClr val="black"/>
-                </a:solidFill>
-                <a:latin typeface="Lucida Console" panose="020B0609040504020204" pitchFamily="49" charset="0"/>
-              </a:rPr>
-              <a:t> </a:t>
-            </a:r>
-          </a:p>
-          <a:p>
-            <a:r>
-              <a:rPr lang="en-GB" sz="1800" dirty="0">
-                <a:solidFill>
-                  <a:prstClr val="black"/>
-                </a:solidFill>
-                <a:latin typeface="Lucida Console" panose="020B0609040504020204" pitchFamily="49" charset="0"/>
-              </a:rPr>
-              <a:t> </a:t>
-            </a:r>
-          </a:p>
-        </p:txBody>
-      </p:sp>
-      <p:sp>
-        <p:nvSpPr>
-          <p:cNvPr id="9" name="TextBox 8">
-            <a:extLst>
-              <a:ext uri="{FF2B5EF4-FFF2-40B4-BE49-F238E27FC236}">
-                <a16:creationId xmlns:a16="http://schemas.microsoft.com/office/drawing/2014/main" id="{90BF6E1D-4A5A-44B8-82EB-CF61123D40D7}"/>
-              </a:ext>
-            </a:extLst>
-          </p:cNvPr>
-          <p:cNvSpPr txBox="1"/>
-          <p:nvPr/>
-        </p:nvSpPr>
-        <p:spPr>
-          <a:xfrm>
-            <a:off x="1628503" y="3774289"/>
-            <a:ext cx="8900160" cy="646331"/>
-          </a:xfrm>
-          <a:prstGeom prst="rect">
-            <a:avLst/>
-          </a:prstGeom>
-          <a:noFill/>
-        </p:spPr>
-        <p:txBody>
-          <a:bodyPr wrap="square">
-            <a:spAutoFit/>
-          </a:bodyPr>
-          <a:lstStyle/>
-          <a:p>
-            <a:r>
-              <a:rPr lang="en-US" dirty="0"/>
-              <a:t> </a:t>
-            </a:r>
-            <a:r>
-              <a:rPr lang="en-US" sz="1800" dirty="0">
-                <a:latin typeface="Lucida Console" panose="020B0609040504020204" pitchFamily="49" charset="0"/>
-              </a:rPr>
-              <a:t>(</a:t>
-            </a:r>
-            <a:r>
-              <a:rPr lang="en-US" sz="1800" dirty="0">
-                <a:solidFill>
-                  <a:srgbClr val="0000FF"/>
-                </a:solidFill>
-                <a:latin typeface="Lucida Console" panose="020B0609040504020204" pitchFamily="49" charset="0"/>
-              </a:rPr>
-              <a:t>Get-</a:t>
-            </a:r>
-            <a:r>
-              <a:rPr lang="en-US" sz="1800" dirty="0" err="1">
-                <a:solidFill>
-                  <a:srgbClr val="0000FF"/>
-                </a:solidFill>
-                <a:latin typeface="Lucida Console" panose="020B0609040504020204" pitchFamily="49" charset="0"/>
-              </a:rPr>
-              <a:t>CimInstance</a:t>
-            </a:r>
-            <a:r>
-              <a:rPr lang="en-US" sz="1800" dirty="0">
-                <a:solidFill>
-                  <a:prstClr val="black"/>
-                </a:solidFill>
-                <a:latin typeface="Lucida Console" panose="020B0609040504020204" pitchFamily="49" charset="0"/>
-              </a:rPr>
-              <a:t> </a:t>
-            </a:r>
-            <a:r>
-              <a:rPr lang="en-US" sz="1800" dirty="0">
-                <a:solidFill>
-                  <a:srgbClr val="000080"/>
-                </a:solidFill>
-                <a:latin typeface="Lucida Console" panose="020B0609040504020204" pitchFamily="49" charset="0"/>
-              </a:rPr>
-              <a:t>-Class</a:t>
-            </a:r>
-            <a:r>
-              <a:rPr lang="en-US" sz="1800" dirty="0">
-                <a:solidFill>
-                  <a:prstClr val="black"/>
-                </a:solidFill>
-                <a:latin typeface="Lucida Console" panose="020B0609040504020204" pitchFamily="49" charset="0"/>
-              </a:rPr>
-              <a:t> </a:t>
-            </a:r>
-            <a:r>
-              <a:rPr lang="en-US" sz="1800" dirty="0">
-                <a:solidFill>
-                  <a:srgbClr val="8A2BE2"/>
-                </a:solidFill>
-                <a:latin typeface="Lucida Console" panose="020B0609040504020204" pitchFamily="49" charset="0"/>
-              </a:rPr>
-              <a:t>Win32_OperatingSystem</a:t>
-            </a:r>
-            <a:r>
-              <a:rPr lang="en-US" sz="1800" dirty="0">
-                <a:solidFill>
-                  <a:prstClr val="black"/>
-                </a:solidFill>
-                <a:latin typeface="Lucida Console" panose="020B0609040504020204" pitchFamily="49" charset="0"/>
-              </a:rPr>
-              <a:t> `</a:t>
-            </a:r>
-          </a:p>
-          <a:p>
-            <a:r>
-              <a:rPr lang="en-US" sz="1800">
-                <a:solidFill>
-                  <a:prstClr val="black"/>
-                </a:solidFill>
-                <a:latin typeface="Lucida Console" panose="020B0609040504020204" pitchFamily="49" charset="0"/>
-              </a:rPr>
-              <a:t>					</a:t>
-            </a:r>
-            <a:r>
-              <a:rPr lang="en-US" sz="1800">
-                <a:solidFill>
-                  <a:srgbClr val="000080"/>
-                </a:solidFill>
-                <a:latin typeface="Lucida Console" panose="020B0609040504020204" pitchFamily="49" charset="0"/>
-              </a:rPr>
-              <a:t>-</a:t>
-            </a:r>
-            <a:r>
-              <a:rPr lang="en-US" sz="1800" dirty="0">
-                <a:solidFill>
-                  <a:srgbClr val="000080"/>
-                </a:solidFill>
-                <a:latin typeface="Lucida Console" panose="020B0609040504020204" pitchFamily="49" charset="0"/>
-              </a:rPr>
-              <a:t>property</a:t>
-            </a:r>
-            <a:r>
-              <a:rPr lang="en-US" sz="1800" dirty="0">
-                <a:solidFill>
-                  <a:prstClr val="black"/>
-                </a:solidFill>
-                <a:latin typeface="Lucida Console" panose="020B0609040504020204" pitchFamily="49" charset="0"/>
-              </a:rPr>
-              <a:t> </a:t>
-            </a:r>
-            <a:r>
-              <a:rPr lang="en-US" sz="1800" dirty="0" err="1">
-                <a:solidFill>
-                  <a:srgbClr val="8A2BE2"/>
-                </a:solidFill>
-                <a:latin typeface="Lucida Console" panose="020B0609040504020204" pitchFamily="49" charset="0"/>
-              </a:rPr>
-              <a:t>LastBootUpTime</a:t>
-            </a:r>
-            <a:r>
-              <a:rPr lang="en-US" sz="1800" dirty="0">
-                <a:solidFill>
-                  <a:prstClr val="black"/>
-                </a:solidFill>
-                <a:latin typeface="Lucida Console" panose="020B0609040504020204" pitchFamily="49" charset="0"/>
-              </a:rPr>
-              <a:t>)</a:t>
-            </a:r>
-            <a:r>
-              <a:rPr lang="en-US" sz="1800" dirty="0">
-                <a:solidFill>
-                  <a:srgbClr val="696969"/>
-                </a:solidFill>
-                <a:latin typeface="Lucida Console" panose="020B0609040504020204" pitchFamily="49" charset="0"/>
-              </a:rPr>
-              <a:t>.</a:t>
-            </a:r>
-            <a:r>
-              <a:rPr lang="en-US" sz="1800" dirty="0" err="1">
-                <a:solidFill>
-                  <a:prstClr val="black"/>
-                </a:solidFill>
-                <a:latin typeface="Lucida Console" panose="020B0609040504020204" pitchFamily="49" charset="0"/>
-              </a:rPr>
-              <a:t>lastbootuptime</a:t>
-            </a:r>
-            <a:r>
-              <a:rPr lang="en-US" sz="1800" dirty="0">
-                <a:solidFill>
-                  <a:prstClr val="black"/>
-                </a:solidFill>
-                <a:latin typeface="Lucida Console" panose="020B0609040504020204" pitchFamily="49" charset="0"/>
-              </a:rPr>
-              <a:t>   </a:t>
-            </a:r>
           </a:p>
         </p:txBody>
       </p:sp>
     </p:spTree>
     <p:extLst>
       <p:ext uri="{BB962C8B-B14F-4D97-AF65-F5344CB8AC3E}">
-        <p14:creationId xmlns:p14="http://schemas.microsoft.com/office/powerpoint/2010/main" val="4214010423"/>
+        <p14:creationId xmlns:p14="http://schemas.microsoft.com/office/powerpoint/2010/main" val="3370865362"/>
       </p:ext>
     </p:extLst>
   </p:cSld>
@@ -5372,174 +5030,6 @@
           <a:p>
             <a:r>
               <a:rPr lang="nl-BE" dirty="0"/>
-              <a:t>WQL </a:t>
-            </a:r>
-            <a:r>
-              <a:rPr lang="nl-BE" dirty="0" err="1"/>
-              <a:t>Queries</a:t>
-            </a:r>
-            <a:endParaRPr lang="en-GB" dirty="0"/>
-          </a:p>
-        </p:txBody>
-      </p:sp>
-      <p:sp>
-        <p:nvSpPr>
-          <p:cNvPr id="3" name="Content Placeholder 2"/>
-          <p:cNvSpPr>
-            <a:spLocks noGrp="1"/>
-          </p:cNvSpPr>
-          <p:nvPr>
-            <p:ph idx="1"/>
-          </p:nvPr>
-        </p:nvSpPr>
-        <p:spPr/>
-        <p:txBody>
-          <a:bodyPr>
-            <a:normAutofit/>
-          </a:bodyPr>
-          <a:lstStyle/>
-          <a:p>
-            <a:r>
-              <a:rPr lang="nl-BE" dirty="0" err="1"/>
-              <a:t>Queries</a:t>
-            </a:r>
-            <a:r>
-              <a:rPr lang="nl-BE" dirty="0"/>
-              <a:t> are </a:t>
-            </a:r>
-            <a:r>
-              <a:rPr lang="nl-BE" dirty="0" err="1"/>
-              <a:t>written</a:t>
-            </a:r>
-            <a:r>
-              <a:rPr lang="nl-BE" dirty="0"/>
-              <a:t> in </a:t>
-            </a:r>
-            <a:r>
-              <a:rPr lang="nl-BE" dirty="0" err="1"/>
-              <a:t>the</a:t>
-            </a:r>
-            <a:r>
-              <a:rPr lang="nl-BE" dirty="0"/>
-              <a:t> WMI Query Language</a:t>
-            </a:r>
-          </a:p>
-          <a:p>
-            <a:r>
-              <a:rPr lang="nl-BE" dirty="0"/>
-              <a:t>Looks a lot like </a:t>
-            </a:r>
-            <a:r>
-              <a:rPr lang="nl-BE" dirty="0" err="1"/>
-              <a:t>normal</a:t>
-            </a:r>
-            <a:r>
-              <a:rPr lang="nl-BE" dirty="0"/>
-              <a:t> SQL</a:t>
-            </a:r>
-          </a:p>
-          <a:p>
-            <a:pPr lvl="1"/>
-            <a:r>
-              <a:rPr lang="en-GB" dirty="0"/>
-              <a:t>Boolean operators AND </a:t>
-            </a:r>
-            <a:r>
-              <a:rPr lang="en-GB" dirty="0" err="1"/>
-              <a:t>and</a:t>
-            </a:r>
-            <a:r>
-              <a:rPr lang="en-GB" dirty="0"/>
-              <a:t> OR</a:t>
-            </a:r>
-          </a:p>
-          <a:p>
-            <a:pPr lvl="1"/>
-            <a:r>
-              <a:rPr lang="en-GB" dirty="0"/>
-              <a:t>Comparison operator IS NULL</a:t>
-            </a:r>
-          </a:p>
-          <a:p>
-            <a:pPr lvl="1"/>
-            <a:r>
-              <a:rPr lang="en-GB" dirty="0"/>
-              <a:t>Other operators =, &gt;, &lt;, &gt;=, &lt;=, &lt;&gt;</a:t>
-            </a:r>
-          </a:p>
-          <a:p>
-            <a:pPr lvl="1"/>
-            <a:r>
-              <a:rPr lang="en-GB" dirty="0"/>
-              <a:t>Soft comparison operator LIKE with wildcards %, [ ], ^, _</a:t>
-            </a:r>
-          </a:p>
-          <a:p>
-            <a:pPr lvl="1"/>
-            <a:r>
-              <a:rPr lang="en-GB" dirty="0"/>
-              <a:t>Keywords TRUE and FALSE</a:t>
-            </a:r>
-          </a:p>
-          <a:p>
-            <a:pPr lvl="1"/>
-            <a:endParaRPr lang="en-GB" dirty="0"/>
-          </a:p>
-          <a:p>
-            <a:endParaRPr lang="en-GB" dirty="0"/>
-          </a:p>
-          <a:p>
-            <a:endParaRPr lang="en-GB" dirty="0"/>
-          </a:p>
-        </p:txBody>
-      </p:sp>
-    </p:spTree>
-    <p:extLst>
-      <p:ext uri="{BB962C8B-B14F-4D97-AF65-F5344CB8AC3E}">
-        <p14:creationId xmlns:p14="http://schemas.microsoft.com/office/powerpoint/2010/main" val="3370865362"/>
-      </p:ext>
-    </p:extLst>
-  </p:cSld>
-  <p:clrMapOvr>
-    <a:masterClrMapping/>
-  </p:clrMapOvr>
-</p:sld>
-</file>
-
-<file path=ppt/slides/slide12.xml><?xml version="1.0" encoding="utf-8"?>
-<p:sld xmlns:a="http://schemas.openxmlformats.org/drawingml/2006/main" xmlns:r="http://schemas.openxmlformats.org/officeDocument/2006/relationships" xmlns:p="http://schemas.openxmlformats.org/presentationml/2006/main">
-  <p:cSld>
-    <p:spTree>
-      <p:nvGrpSpPr>
-        <p:cNvPr id="1" name=""/>
-        <p:cNvGrpSpPr/>
-        <p:nvPr/>
-      </p:nvGrpSpPr>
-      <p:grpSpPr>
-        <a:xfrm>
-          <a:off x="0" y="0"/>
-          <a:ext cx="0" cy="0"/>
-          <a:chOff x="0" y="0"/>
-          <a:chExt cx="0" cy="0"/>
-        </a:xfrm>
-      </p:grpSpPr>
-      <p:sp>
-        <p:nvSpPr>
-          <p:cNvPr id="2" name="Title 1"/>
-          <p:cNvSpPr>
-            <a:spLocks noGrp="1"/>
-          </p:cNvSpPr>
-          <p:nvPr>
-            <p:ph type="title"/>
-          </p:nvPr>
-        </p:nvSpPr>
-        <p:spPr/>
-        <p:txBody>
-          <a:bodyPr/>
-          <a:lstStyle/>
-          <a:p>
-            <a:r>
-              <a:rPr lang="nl-BE" dirty="0"/>
               <a:t>WQL Query </a:t>
             </a:r>
             <a:r>
@@ -5667,7 +5157,7 @@
 </p:sld>
 </file>
 
-<file path=ppt/slides/slide13.xml><?xml version="1.0" encoding="utf-8"?>
+<file path=ppt/slides/slide12.xml><?xml version="1.0" encoding="utf-8"?>
 <p:sld xmlns:a="http://schemas.openxmlformats.org/drawingml/2006/main" xmlns:r="http://schemas.openxmlformats.org/officeDocument/2006/relationships" xmlns:p="http://schemas.openxmlformats.org/presentationml/2006/main">
   <p:cSld>
     <p:spTree>
@@ -6843,35 +6333,378 @@
           <a:chExt cx="0" cy="0"/>
         </a:xfrm>
       </p:grpSpPr>
-      <p:pic>
-        <p:nvPicPr>
-          <p:cNvPr id="4" name="Picture 3"/>
-          <p:cNvPicPr>
-            <a:picLocks noChangeAspect="1" noChangeArrowheads="1"/>
-          </p:cNvPicPr>
+      <p:sp>
+        <p:nvSpPr>
+          <p:cNvPr id="2" name="Title 1"/>
+          <p:cNvSpPr>
+            <a:spLocks noGrp="1"/>
+          </p:cNvSpPr>
+          <p:nvPr>
+            <p:ph type="title"/>
+          </p:nvPr>
+        </p:nvSpPr>
+        <p:spPr/>
+        <p:txBody>
+          <a:bodyPr/>
+          <a:lstStyle/>
+          <a:p>
+            <a:r>
+              <a:rPr lang="nl-BE" dirty="0"/>
+              <a:t>A </a:t>
+            </a:r>
+            <a:r>
+              <a:rPr lang="nl-BE" dirty="0" err="1"/>
+              <a:t>namespace</a:t>
+            </a:r>
+            <a:endParaRPr lang="en-GB" dirty="0"/>
+          </a:p>
+        </p:txBody>
+      </p:sp>
+      <p:sp>
+        <p:nvSpPr>
+          <p:cNvPr id="3" name="Content Placeholder 2"/>
+          <p:cNvSpPr>
+            <a:spLocks noGrp="1"/>
+          </p:cNvSpPr>
+          <p:nvPr>
+            <p:ph idx="1"/>
+          </p:nvPr>
+        </p:nvSpPr>
+        <p:spPr/>
+        <p:txBody>
+          <a:bodyPr>
+            <a:normAutofit/>
+          </a:bodyPr>
+          <a:lstStyle/>
+          <a:p>
+            <a:r>
+              <a:rPr lang="en-GB" dirty="0"/>
+              <a:t>Logical group of classes that belong together</a:t>
+            </a:r>
+          </a:p>
+          <a:p>
+            <a:pPr lvl="1"/>
+            <a:r>
+              <a:rPr lang="en-GB" dirty="0"/>
+              <a:t>Representing a specific technology or a specific administrative </a:t>
+            </a:r>
+          </a:p>
+          <a:p>
+            <a:r>
+              <a:rPr lang="en-GB" dirty="0"/>
+              <a:t>Connecting to a namespace:</a:t>
+            </a:r>
+          </a:p>
+          <a:p>
+            <a:pPr marL="0" indent="0">
+              <a:buNone/>
+            </a:pPr>
+            <a:endParaRPr lang="en-GB" dirty="0"/>
+          </a:p>
+          <a:p>
+            <a:pPr marL="0" indent="0">
+              <a:buNone/>
+            </a:pPr>
+            <a:endParaRPr lang="en-GB" dirty="0"/>
+          </a:p>
+          <a:p>
+            <a:r>
+              <a:rPr lang="en-GB" dirty="0"/>
+              <a:t>Example: Namespaces.ps1</a:t>
+            </a:r>
+          </a:p>
+          <a:p>
+            <a:pPr lvl="1"/>
+            <a:r>
+              <a:rPr lang="en-GB" dirty="0"/>
+              <a:t>Shows the default namespace (root\cimv2) and all CIM namespaces</a:t>
+            </a:r>
+          </a:p>
+          <a:p>
+            <a:r>
+              <a:rPr lang="nl-BE" dirty="0" err="1"/>
+              <a:t>Example</a:t>
+            </a:r>
+            <a:r>
+              <a:rPr lang="nl-BE" dirty="0"/>
+              <a:t>: NameSpaceConnection.ps1</a:t>
+            </a:r>
+          </a:p>
+          <a:p>
+            <a:pPr lvl="1"/>
+            <a:r>
+              <a:rPr lang="nl-BE" dirty="0" err="1"/>
+              <a:t>Connecting</a:t>
+            </a:r>
+            <a:r>
+              <a:rPr lang="nl-BE" dirty="0"/>
+              <a:t> </a:t>
+            </a:r>
+            <a:r>
+              <a:rPr lang="nl-BE" dirty="0" err="1"/>
+              <a:t>to</a:t>
+            </a:r>
+            <a:r>
+              <a:rPr lang="nl-BE" dirty="0"/>
+              <a:t> </a:t>
+            </a:r>
+            <a:r>
+              <a:rPr lang="nl-BE" dirty="0" err="1"/>
+              <a:t>one</a:t>
+            </a:r>
+            <a:r>
+              <a:rPr lang="nl-BE" dirty="0"/>
+              <a:t> of </a:t>
+            </a:r>
+            <a:r>
+              <a:rPr lang="nl-BE" dirty="0" err="1"/>
+              <a:t>the</a:t>
+            </a:r>
+            <a:r>
+              <a:rPr lang="nl-BE" dirty="0"/>
+              <a:t> </a:t>
+            </a:r>
+            <a:r>
+              <a:rPr lang="nl-BE" dirty="0" err="1"/>
+              <a:t>namespaces</a:t>
+            </a:r>
+            <a:endParaRPr lang="en-GB" dirty="0"/>
+          </a:p>
+          <a:p>
+            <a:endParaRPr lang="en-GB" dirty="0"/>
+          </a:p>
+          <a:p>
+            <a:endParaRPr lang="en-GB" dirty="0"/>
+          </a:p>
+        </p:txBody>
+      </p:sp>
+      <p:sp>
+        <p:nvSpPr>
+          <p:cNvPr id="5" name="TextBox 4">
+            <a:extLst>
+              <a:ext uri="{FF2B5EF4-FFF2-40B4-BE49-F238E27FC236}">
+                <a16:creationId xmlns:a16="http://schemas.microsoft.com/office/drawing/2014/main" id="{E569BAAC-7699-4712-A4D0-62F37532637D}"/>
+              </a:ext>
+            </a:extLst>
+          </p:cNvPr>
+          <p:cNvSpPr txBox="1"/>
           <p:nvPr/>
-        </p:nvPicPr>
-        <p:blipFill>
-          <a:blip r:embed="rId2" cstate="print"/>
-          <a:stretch>
-            <a:fillRect/>
-          </a:stretch>
-        </p:blipFill>
+        </p:nvSpPr>
         <p:spPr>
           <a:xfrm>
-            <a:off x="3008201" y="454865"/>
-            <a:ext cx="6175598" cy="5722099"/>
+            <a:off x="1201781" y="3429000"/>
+            <a:ext cx="9640389" cy="646331"/>
           </a:xfrm>
           <a:prstGeom prst="rect">
             <a:avLst/>
           </a:prstGeom>
           <a:noFill/>
         </p:spPr>
-      </p:pic>
+        <p:txBody>
+          <a:bodyPr wrap="square">
+            <a:spAutoFit/>
+          </a:bodyPr>
+          <a:lstStyle/>
+          <a:p>
+            <a:r>
+              <a:rPr lang="en-US" dirty="0"/>
+              <a:t> </a:t>
+            </a:r>
+            <a:r>
+              <a:rPr lang="en-US" sz="1800" dirty="0">
+                <a:solidFill>
+                  <a:srgbClr val="0000FF"/>
+                </a:solidFill>
+                <a:latin typeface="Lucida Console" panose="020B0609040504020204" pitchFamily="49" charset="0"/>
+              </a:rPr>
+              <a:t>Get-</a:t>
+            </a:r>
+            <a:r>
+              <a:rPr lang="en-US" sz="1800" dirty="0" err="1">
+                <a:solidFill>
+                  <a:srgbClr val="0000FF"/>
+                </a:solidFill>
+                <a:latin typeface="Lucida Console" panose="020B0609040504020204" pitchFamily="49" charset="0"/>
+              </a:rPr>
+              <a:t>CIMInstance</a:t>
+            </a:r>
+            <a:r>
+              <a:rPr lang="en-US" sz="1800" dirty="0">
+                <a:solidFill>
+                  <a:srgbClr val="000080"/>
+                </a:solidFill>
+                <a:latin typeface="Lucida Console" panose="020B0609040504020204" pitchFamily="49" charset="0"/>
+              </a:rPr>
+              <a:t>-Namespace</a:t>
+            </a:r>
+            <a:r>
+              <a:rPr lang="en-US" sz="1800" dirty="0">
+                <a:solidFill>
+                  <a:prstClr val="black"/>
+                </a:solidFill>
+                <a:latin typeface="Lucida Console" panose="020B0609040504020204" pitchFamily="49" charset="0"/>
+              </a:rPr>
+              <a:t> </a:t>
+            </a:r>
+            <a:r>
+              <a:rPr lang="en-US" sz="1800" dirty="0">
+                <a:solidFill>
+                  <a:srgbClr val="8A2BE2"/>
+                </a:solidFill>
+                <a:latin typeface="Lucida Console" panose="020B0609040504020204" pitchFamily="49" charset="0"/>
+              </a:rPr>
+              <a:t>root\cimv2</a:t>
+            </a:r>
+            <a:r>
+              <a:rPr lang="en-US" sz="1800" dirty="0">
+                <a:solidFill>
+                  <a:prstClr val="black"/>
+                </a:solidFill>
+                <a:latin typeface="Lucida Console" panose="020B0609040504020204" pitchFamily="49" charset="0"/>
+              </a:rPr>
+              <a:t> </a:t>
+            </a:r>
+            <a:r>
+              <a:rPr lang="en-US" sz="1800" dirty="0">
+                <a:solidFill>
+                  <a:srgbClr val="000080"/>
+                </a:solidFill>
+                <a:latin typeface="Lucida Console" panose="020B0609040504020204" pitchFamily="49" charset="0"/>
+              </a:rPr>
+              <a:t>-</a:t>
+            </a:r>
+            <a:r>
+              <a:rPr lang="en-US" sz="1800" dirty="0" err="1">
+                <a:solidFill>
+                  <a:srgbClr val="000080"/>
+                </a:solidFill>
+                <a:latin typeface="Lucida Console" panose="020B0609040504020204" pitchFamily="49" charset="0"/>
+              </a:rPr>
+              <a:t>Computername</a:t>
+            </a:r>
+            <a:r>
+              <a:rPr lang="en-US" sz="1800" dirty="0">
+                <a:solidFill>
+                  <a:prstClr val="black"/>
+                </a:solidFill>
+                <a:latin typeface="Lucida Console" panose="020B0609040504020204" pitchFamily="49" charset="0"/>
+              </a:rPr>
+              <a:t> </a:t>
+            </a:r>
+            <a:r>
+              <a:rPr lang="en-US" sz="1800" dirty="0">
+                <a:solidFill>
+                  <a:srgbClr val="8A2BE2"/>
+                </a:solidFill>
+                <a:latin typeface="Lucida Console" panose="020B0609040504020204" pitchFamily="49" charset="0"/>
+              </a:rPr>
+              <a:t>\\plato</a:t>
+            </a:r>
+            <a:r>
+              <a:rPr lang="en-US" sz="1800" dirty="0">
+                <a:solidFill>
+                  <a:prstClr val="black"/>
+                </a:solidFill>
+                <a:latin typeface="Lucida Console" panose="020B0609040504020204" pitchFamily="49" charset="0"/>
+              </a:rPr>
+              <a:t> `</a:t>
+            </a:r>
+            <a:br>
+              <a:rPr lang="en-US" sz="1800" dirty="0">
+                <a:solidFill>
+                  <a:prstClr val="black"/>
+                </a:solidFill>
+                <a:latin typeface="Lucida Console" panose="020B0609040504020204" pitchFamily="49" charset="0"/>
+              </a:rPr>
+            </a:br>
+            <a:r>
+              <a:rPr lang="en-US" sz="1800" dirty="0">
+                <a:solidFill>
+                  <a:prstClr val="black"/>
+                </a:solidFill>
+                <a:latin typeface="Lucida Console" panose="020B0609040504020204" pitchFamily="49" charset="0"/>
+              </a:rPr>
+              <a:t>					</a:t>
+            </a:r>
+            <a:r>
+              <a:rPr lang="en-US" sz="1800" dirty="0">
+                <a:solidFill>
+                  <a:srgbClr val="000080"/>
+                </a:solidFill>
+                <a:latin typeface="Lucida Console" panose="020B0609040504020204" pitchFamily="49" charset="0"/>
+              </a:rPr>
+              <a:t>-</a:t>
+            </a:r>
+            <a:r>
+              <a:rPr lang="en-US" sz="1800" dirty="0" err="1">
+                <a:solidFill>
+                  <a:srgbClr val="000080"/>
+                </a:solidFill>
+                <a:latin typeface="Lucida Console" panose="020B0609040504020204" pitchFamily="49" charset="0"/>
+              </a:rPr>
+              <a:t>ClassName</a:t>
+            </a:r>
+            <a:r>
+              <a:rPr lang="en-US" sz="1800" dirty="0">
+                <a:solidFill>
+                  <a:prstClr val="black"/>
+                </a:solidFill>
+                <a:latin typeface="Lucida Console" panose="020B0609040504020204" pitchFamily="49" charset="0"/>
+              </a:rPr>
+              <a:t> </a:t>
+            </a:r>
+            <a:r>
+              <a:rPr lang="en-US" sz="1800" dirty="0">
+                <a:solidFill>
+                  <a:srgbClr val="8A2BE2"/>
+                </a:solidFill>
+                <a:latin typeface="Lucida Console" panose="020B0609040504020204" pitchFamily="49" charset="0"/>
+              </a:rPr>
+              <a:t>Win32_Service</a:t>
+            </a:r>
+            <a:r>
+              <a:rPr lang="en-US" sz="1800" dirty="0">
+                <a:solidFill>
+                  <a:prstClr val="black"/>
+                </a:solidFill>
+                <a:latin typeface="Lucida Console" panose="020B0609040504020204" pitchFamily="49" charset="0"/>
+              </a:rPr>
+              <a:t> </a:t>
+            </a:r>
+            <a:r>
+              <a:rPr lang="en-US" sz="1800" dirty="0">
+                <a:solidFill>
+                  <a:srgbClr val="000080"/>
+                </a:solidFill>
+                <a:latin typeface="Lucida Console" panose="020B0609040504020204" pitchFamily="49" charset="0"/>
+              </a:rPr>
+              <a:t>-Filter</a:t>
+            </a:r>
+            <a:r>
+              <a:rPr lang="en-US" sz="1800" dirty="0">
+                <a:solidFill>
+                  <a:prstClr val="black"/>
+                </a:solidFill>
+                <a:latin typeface="Lucida Console" panose="020B0609040504020204" pitchFamily="49" charset="0"/>
+              </a:rPr>
+              <a:t> </a:t>
+            </a:r>
+            <a:r>
+              <a:rPr lang="en-US" sz="1800" dirty="0">
+                <a:solidFill>
+                  <a:srgbClr val="8B0000"/>
+                </a:solidFill>
+                <a:latin typeface="Lucida Console" panose="020B0609040504020204" pitchFamily="49" charset="0"/>
+              </a:rPr>
+              <a:t>" Name = 'BITS' " </a:t>
+            </a:r>
+          </a:p>
+        </p:txBody>
+      </p:sp>
     </p:spTree>
     <p:extLst>
       <p:ext uri="{BB962C8B-B14F-4D97-AF65-F5344CB8AC3E}">
-        <p14:creationId xmlns:p14="http://schemas.microsoft.com/office/powerpoint/2010/main" val="429705825"/>
+        <p14:creationId xmlns:p14="http://schemas.microsoft.com/office/powerpoint/2010/main" val="2458509813"/>
       </p:ext>
     </p:extLst>
   </p:cSld>
@@ -6915,75 +6748,94 @@
           <a:p>
             <a:r>
               <a:rPr lang="nl-BE" dirty="0"/>
+              <a:t>WMI Classes</a:t>
+            </a:r>
+            <a:endParaRPr lang="en-GB" dirty="0"/>
+          </a:p>
+        </p:txBody>
+      </p:sp>
+      <p:sp>
+        <p:nvSpPr>
+          <p:cNvPr id="3" name="Content Placeholder 2"/>
+          <p:cNvSpPr>
+            <a:spLocks noGrp="1"/>
+          </p:cNvSpPr>
+          <p:nvPr>
+            <p:ph idx="1"/>
+          </p:nvPr>
+        </p:nvSpPr>
+        <p:spPr/>
+        <p:txBody>
+          <a:bodyPr/>
+          <a:lstStyle/>
+          <a:p>
+            <a:r>
+              <a:rPr lang="nl-BE" dirty="0"/>
               <a:t>A </a:t>
             </a:r>
             <a:r>
               <a:rPr lang="nl-BE" dirty="0" err="1"/>
               <a:t>namespace</a:t>
             </a:r>
+            <a:r>
+              <a:rPr lang="nl-BE" dirty="0"/>
+              <a:t> </a:t>
+            </a:r>
+            <a:r>
+              <a:rPr lang="nl-BE" dirty="0" err="1"/>
+              <a:t>consists</a:t>
+            </a:r>
+            <a:r>
+              <a:rPr lang="nl-BE" dirty="0"/>
+              <a:t> of classes</a:t>
+            </a:r>
+          </a:p>
+          <a:p>
+            <a:r>
+              <a:rPr lang="nl-BE" dirty="0"/>
+              <a:t>In a class, </a:t>
+            </a:r>
+            <a:r>
+              <a:rPr lang="nl-BE" dirty="0" err="1"/>
+              <a:t>you</a:t>
+            </a:r>
+            <a:r>
+              <a:rPr lang="nl-BE" dirty="0"/>
+              <a:t> </a:t>
+            </a:r>
+            <a:r>
+              <a:rPr lang="nl-BE" dirty="0" err="1"/>
+              <a:t>can</a:t>
+            </a:r>
+            <a:r>
+              <a:rPr lang="nl-BE" dirty="0"/>
+              <a:t> </a:t>
+            </a:r>
+            <a:r>
+              <a:rPr lang="nl-BE" dirty="0" err="1"/>
+              <a:t>find</a:t>
+            </a:r>
+            <a:r>
+              <a:rPr lang="nl-BE" dirty="0"/>
+              <a:t> </a:t>
+            </a:r>
+            <a:r>
+              <a:rPr lang="en-GB" dirty="0"/>
+              <a:t>useful</a:t>
+            </a:r>
+            <a:r>
+              <a:rPr lang="nl-BE" dirty="0"/>
+              <a:t> information</a:t>
+            </a:r>
+          </a:p>
+          <a:p>
+            <a:endParaRPr lang="nl-BE" dirty="0"/>
+          </a:p>
+          <a:p>
             <a:endParaRPr lang="en-GB" dirty="0"/>
           </a:p>
-        </p:txBody>
-      </p:sp>
-      <p:sp>
-        <p:nvSpPr>
-          <p:cNvPr id="3" name="Content Placeholder 2"/>
-          <p:cNvSpPr>
-            <a:spLocks noGrp="1"/>
-          </p:cNvSpPr>
-          <p:nvPr>
-            <p:ph idx="1"/>
-          </p:nvPr>
-        </p:nvSpPr>
-        <p:spPr/>
-        <p:txBody>
-          <a:bodyPr>
-            <a:normAutofit/>
-          </a:bodyPr>
-          <a:lstStyle/>
-          <a:p>
-            <a:r>
-              <a:rPr lang="en-GB" dirty="0"/>
-              <a:t>Logical group of classes that belong together</a:t>
-            </a:r>
-          </a:p>
-          <a:p>
-            <a:pPr lvl="1"/>
-            <a:r>
-              <a:rPr lang="en-GB" dirty="0"/>
-              <a:t>Representing a specific technology or a specific administrative </a:t>
-            </a:r>
-          </a:p>
-          <a:p>
-            <a:r>
-              <a:rPr lang="en-GB" dirty="0"/>
-              <a:t>Connecting to a namespace:</a:t>
-            </a:r>
-          </a:p>
-          <a:p>
-            <a:pPr marL="0" indent="0">
-              <a:buNone/>
-            </a:pPr>
-            <a:endParaRPr lang="en-GB" dirty="0"/>
-          </a:p>
-          <a:p>
-            <a:pPr marL="0" indent="0">
-              <a:buNone/>
-            </a:pPr>
-            <a:endParaRPr lang="en-GB" dirty="0"/>
-          </a:p>
-          <a:p>
-            <a:r>
-              <a:rPr lang="en-GB" dirty="0"/>
-              <a:t>Example: Namespaces.ps1</a:t>
-            </a:r>
-          </a:p>
-          <a:p>
-            <a:pPr lvl="1"/>
-            <a:r>
-              <a:rPr lang="en-GB" dirty="0"/>
-              <a:t>Shows the default namespace (root\cimv2) and all CIM namespaces</a:t>
-            </a:r>
+          <a:p>
+            <a:endParaRPr lang="nl-BE" dirty="0"/>
           </a:p>
           <a:p>
             <a:r>
@@ -6992,53 +6844,19 @@
             </a:r>
             <a:r>
               <a:rPr lang="nl-BE" dirty="0"/>
-              <a:t>: NameSpaceConnection.ps1</a:t>
+              <a:t>: AllClasses.ps1</a:t>
             </a:r>
           </a:p>
           <a:p>
             <a:pPr lvl="1"/>
             <a:r>
               <a:rPr lang="nl-BE" dirty="0" err="1"/>
-              <a:t>Connecting</a:t>
+              <a:t>There</a:t>
             </a:r>
             <a:r>
               <a:rPr lang="nl-BE" dirty="0"/>
-              <a:t> </a:t>
-            </a:r>
-            <a:r>
-              <a:rPr lang="nl-BE" dirty="0" err="1"/>
-              <a:t>to</a:t>
-            </a:r>
-            <a:r>
-              <a:rPr lang="nl-BE" dirty="0"/>
-              <a:t> </a:t>
-            </a:r>
-            <a:r>
-              <a:rPr lang="nl-BE" dirty="0" err="1"/>
-              <a:t>one</a:t>
-            </a:r>
-            <a:r>
-              <a:rPr lang="nl-BE" dirty="0"/>
-              <a:t> of </a:t>
-            </a:r>
-            <a:r>
-              <a:rPr lang="nl-BE" dirty="0" err="1"/>
-              <a:t>the</a:t>
-            </a:r>
-            <a:r>
-              <a:rPr lang="nl-BE" dirty="0"/>
-              <a:t> </a:t>
-            </a:r>
-            <a:r>
-              <a:rPr lang="nl-BE" dirty="0" err="1"/>
-              <a:t>namespaces</a:t>
-            </a:r>
-            <a:endParaRPr lang="en-GB" dirty="0"/>
-          </a:p>
-          <a:p>
-            <a:endParaRPr lang="en-GB" dirty="0"/>
-          </a:p>
-          <a:p>
+              <a:t> are a lot of classes</a:t>
+            </a:r>
             <a:endParaRPr lang="en-GB" dirty="0"/>
           </a:p>
         </p:txBody>
@@ -7048,7 +6866,7 @@
           <p:cNvPr id="5" name="TextBox 4">
             <a:extLst>
               <a:ext uri="{FF2B5EF4-FFF2-40B4-BE49-F238E27FC236}">
-                <a16:creationId xmlns:a16="http://schemas.microsoft.com/office/drawing/2014/main" id="{E569BAAC-7699-4712-A4D0-62F37532637D}"/>
+                <a16:creationId xmlns:a16="http://schemas.microsoft.com/office/drawing/2014/main" id="{B6B883E3-6720-425D-B22D-357E5CEABFB7}"/>
               </a:ext>
             </a:extLst>
           </p:cNvPr>
@@ -7057,8 +6875,8 @@
         </p:nvSpPr>
         <p:spPr>
           <a:xfrm>
-            <a:off x="1201781" y="3429000"/>
-            <a:ext cx="9640389" cy="646331"/>
+            <a:off x="1201782" y="3178518"/>
+            <a:ext cx="9004663" cy="646331"/>
           </a:xfrm>
           <a:prstGeom prst="rect">
             <a:avLst/>
@@ -7072,10 +6890,6 @@
           <a:lstStyle/>
           <a:p>
             <a:r>
-              <a:rPr lang="en-US" dirty="0"/>
-              <a:t> </a:t>
-            </a:r>
-            <a:r>
               <a:rPr lang="en-US" sz="1800" dirty="0">
                 <a:solidFill>
                   <a:srgbClr val="0000FF"/>
@@ -7091,7 +6905,16 @@
                 </a:solidFill>
                 <a:latin typeface="Lucida Console" panose="020B0609040504020204" pitchFamily="49" charset="0"/>
               </a:rPr>
-              <a:t>CIMInstance</a:t>
+              <a:t>CimInstance</a:t>
+            </a:r>
+            <a:r>
+              <a:rPr lang="en-US" sz="1800" dirty="0">
+                <a:solidFill>
+                  <a:prstClr val="black"/>
+                </a:solidFill>
+                <a:latin typeface="Lucida Console" panose="020B0609040504020204" pitchFamily="49" charset="0"/>
+              </a:rPr>
+              <a:t> </a:t>
             </a:r>
             <a:r>
               <a:rPr lang="en-US" sz="1800" dirty="0">
@@ -7114,11 +6937,49 @@
             <a:r>
               <a:rPr lang="en-US" sz="1800" dirty="0">
                 <a:solidFill>
-                  <a:srgbClr val="8A2BE2"/>
+                  <a:srgbClr val="8B0000"/>
                 </a:solidFill>
                 <a:latin typeface="Lucida Console" panose="020B0609040504020204" pitchFamily="49" charset="0"/>
               </a:rPr>
-              <a:t>root\cimv2</a:t>
+              <a:t>"root\cimv2"</a:t>
+            </a:r>
+            <a:r>
+              <a:rPr lang="en-US" sz="1800" dirty="0">
+                <a:solidFill>
+                  <a:prstClr val="black"/>
+                </a:solidFill>
+                <a:latin typeface="Lucida Console" panose="020B0609040504020204" pitchFamily="49" charset="0"/>
+              </a:rPr>
+              <a:t> `</a:t>
+            </a:r>
+          </a:p>
+          <a:p>
+            <a:r>
+              <a:rPr lang="en-US" dirty="0">
+                <a:solidFill>
+                  <a:prstClr val="black"/>
+                </a:solidFill>
+                <a:latin typeface="Lucida Console" panose="020B0609040504020204" pitchFamily="49" charset="0"/>
+              </a:rPr>
+              <a:t>		</a:t>
+            </a:r>
+            <a:r>
+              <a:rPr lang="en-US" sz="1800" dirty="0">
+                <a:solidFill>
+                  <a:srgbClr val="000080"/>
+                </a:solidFill>
+                <a:latin typeface="Lucida Console" panose="020B0609040504020204" pitchFamily="49" charset="0"/>
+              </a:rPr>
+              <a:t>-</a:t>
+            </a:r>
+            <a:r>
+              <a:rPr lang="en-US" sz="1800" dirty="0" err="1">
+                <a:solidFill>
+                  <a:srgbClr val="000080"/>
+                </a:solidFill>
+                <a:latin typeface="Lucida Console" panose="020B0609040504020204" pitchFamily="49" charset="0"/>
+              </a:rPr>
+              <a:t>ComputerName</a:t>
             </a:r>
             <a:r>
               <a:rPr lang="en-US" sz="1800" dirty="0">
@@ -7132,6 +6993,24 @@
             <a:r>
               <a:rPr lang="en-US" sz="1800" dirty="0">
                 <a:solidFill>
+                  <a:srgbClr val="8B0000"/>
+                </a:solidFill>
+                <a:latin typeface="Lucida Console" panose="020B0609040504020204" pitchFamily="49" charset="0"/>
+              </a:rPr>
+              <a:t>". "</a:t>
+            </a:r>
+            <a:r>
+              <a:rPr lang="en-US" sz="1800" dirty="0">
+                <a:solidFill>
+                  <a:prstClr val="black"/>
+                </a:solidFill>
+                <a:latin typeface="Lucida Console" panose="020B0609040504020204" pitchFamily="49" charset="0"/>
+              </a:rPr>
+              <a:t> </a:t>
+            </a:r>
+            <a:r>
+              <a:rPr lang="en-US" sz="1800" dirty="0">
+                <a:solidFill>
                   <a:srgbClr val="000080"/>
                 </a:solidFill>
                 <a:latin typeface="Lucida Console" panose="020B0609040504020204" pitchFamily="49" charset="0"/>
@@ -7145,7 +7024,7 @@
                 </a:solidFill>
                 <a:latin typeface="Lucida Console" panose="020B0609040504020204" pitchFamily="49" charset="0"/>
               </a:rPr>
-              <a:t>Computername</a:t>
+              <a:t>classname</a:t>
             </a:r>
             <a:r>
               <a:rPr lang="en-US" sz="1800" dirty="0">
@@ -7163,7 +7042,7 @@
                 </a:solidFill>
                 <a:latin typeface="Lucida Console" panose="020B0609040504020204" pitchFamily="49" charset="0"/>
               </a:rPr>
-              <a:t>\\plato</a:t>
+              <a:t>Win32_OperatingSystem</a:t>
             </a:r>
             <a:r>
               <a:rPr lang="en-US" sz="1800" dirty="0">
@@ -7172,96 +7051,7 @@
                 </a:solidFill>
                 <a:latin typeface="Lucida Console" panose="020B0609040504020204" pitchFamily="49" charset="0"/>
               </a:rPr>
-              <a:t> `</a:t>
-            </a:r>
-            <a:br>
-              <a:rPr lang="en-US" sz="1800" dirty="0">
-                <a:solidFill>
-                  <a:prstClr val="black"/>
-                </a:solidFill>
-                <a:latin typeface="Lucida Console" panose="020B0609040504020204" pitchFamily="49" charset="0"/>
-              </a:rPr>
-            </a:br>
-            <a:r>
-              <a:rPr lang="en-US" sz="1800" dirty="0">
-                <a:solidFill>
-                  <a:prstClr val="black"/>
-                </a:solidFill>
-                <a:latin typeface="Lucida Console" panose="020B0609040504020204" pitchFamily="49" charset="0"/>
-              </a:rPr>
-              <a:t>					</a:t>
-            </a:r>
-            <a:r>
-              <a:rPr lang="en-US" sz="1800" dirty="0">
-                <a:solidFill>
-                  <a:srgbClr val="000080"/>
-                </a:solidFill>
-                <a:latin typeface="Lucida Console" panose="020B0609040504020204" pitchFamily="49" charset="0"/>
-              </a:rPr>
-              <a:t>-</a:t>
-            </a:r>
-            <a:r>
-              <a:rPr lang="en-US" sz="1800" dirty="0" err="1">
-                <a:solidFill>
-                  <a:srgbClr val="000080"/>
-                </a:solidFill>
-                <a:latin typeface="Lucida Console" panose="020B0609040504020204" pitchFamily="49" charset="0"/>
-              </a:rPr>
-              <a:t>ClassName</a:t>
-            </a:r>
-            <a:r>
-              <a:rPr lang="en-US" sz="1800" dirty="0">
-                <a:solidFill>
-                  <a:prstClr val="black"/>
-                </a:solidFill>
-                <a:latin typeface="Lucida Console" panose="020B0609040504020204" pitchFamily="49" charset="0"/>
-              </a:rPr>
-              <a:t> </a:t>
-            </a:r>
-            <a:r>
-              <a:rPr lang="en-US" sz="1800" dirty="0">
-                <a:solidFill>
-                  <a:srgbClr val="8A2BE2"/>
-                </a:solidFill>
-                <a:latin typeface="Lucida Console" panose="020B0609040504020204" pitchFamily="49" charset="0"/>
-              </a:rPr>
-              <a:t>Win32_Service</a:t>
-            </a:r>
-            <a:r>
-              <a:rPr lang="en-US" sz="1800" dirty="0">
-                <a:solidFill>
-                  <a:prstClr val="black"/>
-                </a:solidFill>
-                <a:latin typeface="Lucida Console" panose="020B0609040504020204" pitchFamily="49" charset="0"/>
-              </a:rPr>
-              <a:t> </a:t>
-            </a:r>
-            <a:r>
-              <a:rPr lang="en-US" sz="1800" dirty="0">
-                <a:solidFill>
-                  <a:srgbClr val="000080"/>
-                </a:solidFill>
-                <a:latin typeface="Lucida Console" panose="020B0609040504020204" pitchFamily="49" charset="0"/>
-              </a:rPr>
-              <a:t>-Filter</a:t>
-            </a:r>
-            <a:r>
-              <a:rPr lang="en-US" sz="1800" dirty="0">
-                <a:solidFill>
-                  <a:prstClr val="black"/>
-                </a:solidFill>
-                <a:latin typeface="Lucida Console" panose="020B0609040504020204" pitchFamily="49" charset="0"/>
-              </a:rPr>
-              <a:t> </a:t>
-            </a:r>
-            <a:r>
-              <a:rPr lang="en-US" sz="1800" dirty="0">
-                <a:solidFill>
-                  <a:srgbClr val="8B0000"/>
-                </a:solidFill>
-                <a:latin typeface="Lucida Console" panose="020B0609040504020204" pitchFamily="49" charset="0"/>
-              </a:rPr>
-              <a:t>" Name = 'BITS' " </a:t>
+              <a:t>  </a:t>
             </a:r>
           </a:p>
         </p:txBody>
@@ -7269,7 +7059,7 @@
     </p:spTree>
     <p:extLst>
       <p:ext uri="{BB962C8B-B14F-4D97-AF65-F5344CB8AC3E}">
-        <p14:creationId xmlns:p14="http://schemas.microsoft.com/office/powerpoint/2010/main" val="2458509813"/>
+        <p14:creationId xmlns:p14="http://schemas.microsoft.com/office/powerpoint/2010/main" val="240509184"/>
       </p:ext>
     </p:extLst>
   </p:cSld>
@@ -7331,76 +7121,49 @@
         </p:nvSpPr>
         <p:spPr/>
         <p:txBody>
-          <a:bodyPr/>
+          <a:bodyPr>
+            <a:normAutofit/>
+          </a:bodyPr>
           <a:lstStyle/>
           <a:p>
             <a:r>
-              <a:rPr lang="nl-BE" dirty="0"/>
-              <a:t>A </a:t>
-            </a:r>
-            <a:r>
-              <a:rPr lang="nl-BE" dirty="0" err="1"/>
-              <a:t>namespace</a:t>
-            </a:r>
-            <a:r>
-              <a:rPr lang="nl-BE" dirty="0"/>
-              <a:t> </a:t>
-            </a:r>
-            <a:r>
-              <a:rPr lang="nl-BE" dirty="0" err="1"/>
-              <a:t>consists</a:t>
-            </a:r>
-            <a:r>
-              <a:rPr lang="nl-BE" dirty="0"/>
-              <a:t> of classes</a:t>
-            </a:r>
-          </a:p>
-          <a:p>
-            <a:r>
-              <a:rPr lang="nl-BE" dirty="0"/>
-              <a:t>In a class, </a:t>
-            </a:r>
-            <a:r>
-              <a:rPr lang="nl-BE" dirty="0" err="1"/>
-              <a:t>you</a:t>
-            </a:r>
-            <a:r>
-              <a:rPr lang="nl-BE" dirty="0"/>
-              <a:t> </a:t>
-            </a:r>
-            <a:r>
-              <a:rPr lang="nl-BE" dirty="0" err="1"/>
-              <a:t>can</a:t>
-            </a:r>
-            <a:r>
-              <a:rPr lang="nl-BE" dirty="0"/>
-              <a:t> </a:t>
-            </a:r>
-            <a:r>
-              <a:rPr lang="nl-BE" dirty="0" err="1"/>
-              <a:t>find</a:t>
-            </a:r>
-            <a:r>
-              <a:rPr lang="nl-BE" dirty="0"/>
-              <a:t> </a:t>
-            </a:r>
-            <a:r>
               <a:rPr lang="en-GB" dirty="0"/>
-              <a:t>useful</a:t>
-            </a:r>
-            <a:r>
-              <a:rPr lang="nl-BE" dirty="0"/>
-              <a:t> information</a:t>
-            </a:r>
-          </a:p>
-          <a:p>
-            <a:endParaRPr lang="nl-BE" dirty="0"/>
-          </a:p>
-          <a:p>
-            <a:endParaRPr lang="en-GB" dirty="0"/>
-          </a:p>
-          <a:p>
-            <a:endParaRPr lang="nl-BE" dirty="0"/>
+              <a:t>Components</a:t>
+            </a:r>
+          </a:p>
+          <a:p>
+            <a:pPr lvl="1"/>
+            <a:r>
+              <a:rPr lang="en-GB" dirty="0"/>
+              <a:t>Properties: describe the object</a:t>
+            </a:r>
+          </a:p>
+          <a:p>
+            <a:pPr lvl="1"/>
+            <a:r>
+              <a:rPr lang="en-GB" dirty="0"/>
+              <a:t>Methods: describe the actions that can be performed on the object</a:t>
+            </a:r>
+          </a:p>
+          <a:p>
+            <a:pPr lvl="1"/>
+            <a:r>
+              <a:rPr lang="en-GB" dirty="0"/>
+              <a:t>Qualifiers: Provide additional information about a class, a property or a method</a:t>
+            </a:r>
+          </a:p>
+          <a:p>
+            <a:r>
+              <a:rPr lang="en-GB" dirty="0"/>
+              <a:t>Hierarchically organized</a:t>
+            </a:r>
+          </a:p>
+          <a:p>
+            <a:pPr lvl="1"/>
+            <a:r>
+              <a:rPr lang="en-GB" dirty="0"/>
+              <a:t>Child classes inherit properties, methods and qualifiers and add their own properties, methods and qualifiers</a:t>
+            </a:r>
           </a:p>
           <a:p>
             <a:r>
@@ -7409,222 +7172,19 @@
             </a:r>
             <a:r>
               <a:rPr lang="nl-BE" dirty="0"/>
-              <a:t>: AllClasses.ps1</a:t>
-            </a:r>
-          </a:p>
-          <a:p>
-            <a:pPr lvl="1"/>
-            <a:r>
-              <a:rPr lang="nl-BE" dirty="0" err="1"/>
-              <a:t>There</a:t>
-            </a:r>
-            <a:r>
-              <a:rPr lang="nl-BE" dirty="0"/>
-              <a:t> are a lot of classes</a:t>
+              <a:t>: Methods.ps1</a:t>
             </a:r>
             <a:endParaRPr lang="en-GB" dirty="0"/>
           </a:p>
-        </p:txBody>
-      </p:sp>
-      <p:sp>
-        <p:nvSpPr>
-          <p:cNvPr id="5" name="TextBox 4">
-            <a:extLst>
-              <a:ext uri="{FF2B5EF4-FFF2-40B4-BE49-F238E27FC236}">
-                <a16:creationId xmlns:a16="http://schemas.microsoft.com/office/drawing/2014/main" id="{B6B883E3-6720-425D-B22D-357E5CEABFB7}"/>
-              </a:ext>
-            </a:extLst>
-          </p:cNvPr>
-          <p:cNvSpPr txBox="1"/>
-          <p:nvPr/>
-        </p:nvSpPr>
-        <p:spPr>
-          <a:xfrm>
-            <a:off x="1201782" y="3178518"/>
-            <a:ext cx="9004663" cy="646331"/>
-          </a:xfrm>
-          <a:prstGeom prst="rect">
-            <a:avLst/>
-          </a:prstGeom>
-          <a:noFill/>
-        </p:spPr>
-        <p:txBody>
-          <a:bodyPr wrap="square">
-            <a:spAutoFit/>
-          </a:bodyPr>
-          <a:lstStyle/>
-          <a:p>
-            <a:r>
-              <a:rPr lang="en-US" sz="1800" dirty="0">
-                <a:solidFill>
-                  <a:srgbClr val="0000FF"/>
-                </a:solidFill>
-                <a:latin typeface="Lucida Console" panose="020B0609040504020204" pitchFamily="49" charset="0"/>
-              </a:rPr>
-              <a:t>Get-</a:t>
-            </a:r>
-            <a:r>
-              <a:rPr lang="en-US" sz="1800" dirty="0" err="1">
-                <a:solidFill>
-                  <a:srgbClr val="0000FF"/>
-                </a:solidFill>
-                <a:latin typeface="Lucida Console" panose="020B0609040504020204" pitchFamily="49" charset="0"/>
-              </a:rPr>
-              <a:t>CimInstance</a:t>
-            </a:r>
-            <a:r>
-              <a:rPr lang="en-US" sz="1800" dirty="0">
-                <a:solidFill>
-                  <a:prstClr val="black"/>
-                </a:solidFill>
-                <a:latin typeface="Lucida Console" panose="020B0609040504020204" pitchFamily="49" charset="0"/>
-              </a:rPr>
-              <a:t> </a:t>
-            </a:r>
-            <a:r>
-              <a:rPr lang="en-US" sz="1800" dirty="0">
-                <a:solidFill>
-                  <a:srgbClr val="000080"/>
-                </a:solidFill>
-                <a:latin typeface="Lucida Console" panose="020B0609040504020204" pitchFamily="49" charset="0"/>
-              </a:rPr>
-              <a:t>-Namespace</a:t>
-            </a:r>
-            <a:r>
-              <a:rPr lang="en-US" sz="1800" dirty="0">
-                <a:solidFill>
-                  <a:prstClr val="black"/>
-                </a:solidFill>
-                <a:latin typeface="Lucida Console" panose="020B0609040504020204" pitchFamily="49" charset="0"/>
-              </a:rPr>
-              <a:t> </a:t>
-            </a:r>
-            <a:r>
-              <a:rPr lang="en-US" sz="1800" dirty="0">
-                <a:solidFill>
-                  <a:srgbClr val="8B0000"/>
-                </a:solidFill>
-                <a:latin typeface="Lucida Console" panose="020B0609040504020204" pitchFamily="49" charset="0"/>
-              </a:rPr>
-              <a:t>"root\cimv2"</a:t>
-            </a:r>
-            <a:r>
-              <a:rPr lang="en-US" sz="1800" dirty="0">
-                <a:solidFill>
-                  <a:prstClr val="black"/>
-                </a:solidFill>
-                <a:latin typeface="Lucida Console" panose="020B0609040504020204" pitchFamily="49" charset="0"/>
-              </a:rPr>
-              <a:t> `</a:t>
-            </a:r>
-          </a:p>
-          <a:p>
-            <a:r>
-              <a:rPr lang="en-US" dirty="0">
-                <a:solidFill>
-                  <a:prstClr val="black"/>
-                </a:solidFill>
-                <a:latin typeface="Lucida Console" panose="020B0609040504020204" pitchFamily="49" charset="0"/>
-              </a:rPr>
-              <a:t>		</a:t>
-            </a:r>
-            <a:r>
-              <a:rPr lang="en-US" sz="1800" dirty="0">
-                <a:solidFill>
-                  <a:srgbClr val="000080"/>
-                </a:solidFill>
-                <a:latin typeface="Lucida Console" panose="020B0609040504020204" pitchFamily="49" charset="0"/>
-              </a:rPr>
-              <a:t>-</a:t>
-            </a:r>
-            <a:r>
-              <a:rPr lang="en-US" sz="1800" dirty="0" err="1">
-                <a:solidFill>
-                  <a:srgbClr val="000080"/>
-                </a:solidFill>
-                <a:latin typeface="Lucida Console" panose="020B0609040504020204" pitchFamily="49" charset="0"/>
-              </a:rPr>
-              <a:t>ComputerName</a:t>
-            </a:r>
-            <a:r>
-              <a:rPr lang="en-US" sz="1800" dirty="0">
-                <a:solidFill>
-                  <a:prstClr val="black"/>
-                </a:solidFill>
-                <a:latin typeface="Lucida Console" panose="020B0609040504020204" pitchFamily="49" charset="0"/>
-              </a:rPr>
-              <a:t> </a:t>
-            </a:r>
-            <a:r>
-              <a:rPr lang="en-US" sz="1800" dirty="0">
-                <a:solidFill>
-                  <a:srgbClr val="8B0000"/>
-                </a:solidFill>
-                <a:latin typeface="Lucida Console" panose="020B0609040504020204" pitchFamily="49" charset="0"/>
-              </a:rPr>
-              <a:t>". "</a:t>
-            </a:r>
-            <a:r>
-              <a:rPr lang="en-US" sz="1800" dirty="0">
-                <a:solidFill>
-                  <a:prstClr val="black"/>
-                </a:solidFill>
-                <a:latin typeface="Lucida Console" panose="020B0609040504020204" pitchFamily="49" charset="0"/>
-              </a:rPr>
-              <a:t> </a:t>
-            </a:r>
-            <a:r>
-              <a:rPr lang="en-US" sz="1800" dirty="0">
-                <a:solidFill>
-                  <a:srgbClr val="000080"/>
-                </a:solidFill>
-                <a:latin typeface="Lucida Console" panose="020B0609040504020204" pitchFamily="49" charset="0"/>
-              </a:rPr>
-              <a:t>-</a:t>
-            </a:r>
-            <a:r>
-              <a:rPr lang="en-US" sz="1800" dirty="0" err="1">
-                <a:solidFill>
-                  <a:srgbClr val="000080"/>
-                </a:solidFill>
-                <a:latin typeface="Lucida Console" panose="020B0609040504020204" pitchFamily="49" charset="0"/>
-              </a:rPr>
-              <a:t>classname</a:t>
-            </a:r>
-            <a:r>
-              <a:rPr lang="en-US" sz="1800" dirty="0">
-                <a:solidFill>
-                  <a:prstClr val="black"/>
-                </a:solidFill>
-                <a:latin typeface="Lucida Console" panose="020B0609040504020204" pitchFamily="49" charset="0"/>
-              </a:rPr>
-              <a:t> </a:t>
-            </a:r>
-            <a:r>
-              <a:rPr lang="en-US" sz="1800" dirty="0">
-                <a:solidFill>
-                  <a:srgbClr val="8A2BE2"/>
-                </a:solidFill>
-                <a:latin typeface="Lucida Console" panose="020B0609040504020204" pitchFamily="49" charset="0"/>
-              </a:rPr>
-              <a:t>Win32_OperatingSystem</a:t>
-            </a:r>
-            <a:r>
-              <a:rPr lang="en-US" sz="1800" dirty="0">
-                <a:solidFill>
-                  <a:prstClr val="black"/>
-                </a:solidFill>
-                <a:latin typeface="Lucida Console" panose="020B0609040504020204" pitchFamily="49" charset="0"/>
-              </a:rPr>
-              <a:t>  </a:t>
-            </a:r>
+          <a:p>
+            <a:endParaRPr lang="en-GB" dirty="0"/>
           </a:p>
         </p:txBody>
       </p:sp>
     </p:spTree>
     <p:extLst>
       <p:ext uri="{BB962C8B-B14F-4D97-AF65-F5344CB8AC3E}">
-        <p14:creationId xmlns:p14="http://schemas.microsoft.com/office/powerpoint/2010/main" val="240509184"/>
+        <p14:creationId xmlns:p14="http://schemas.microsoft.com/office/powerpoint/2010/main" val="3330120332"/>
       </p:ext>
     </p:extLst>
   </p:cSld>
@@ -7668,7 +7228,7 @@
           <a:p>
             <a:r>
               <a:rPr lang="nl-BE" dirty="0"/>
-              <a:t>WMI Classes</a:t>
+              <a:t>WMI</a:t>
             </a:r>
             <a:endParaRPr lang="en-GB" dirty="0"/>
           </a:p>
@@ -7686,70 +7246,211 @@
         </p:nvSpPr>
         <p:spPr/>
         <p:txBody>
-          <a:bodyPr>
-            <a:normAutofit/>
-          </a:bodyPr>
+          <a:bodyPr/>
           <a:lstStyle/>
           <a:p>
             <a:r>
-              <a:rPr lang="en-GB" dirty="0"/>
-              <a:t>Components</a:t>
-            </a:r>
+              <a:rPr lang="nl-BE" dirty="0"/>
+              <a:t>Love-</a:t>
+            </a:r>
+            <a:r>
+              <a:rPr lang="nl-BE" dirty="0" err="1"/>
+              <a:t>hate</a:t>
+            </a:r>
+            <a:endParaRPr lang="nl-BE" dirty="0"/>
           </a:p>
           <a:p>
             <a:pPr lvl="1"/>
             <a:r>
-              <a:rPr lang="en-GB" dirty="0"/>
-              <a:t>Properties: describe the object</a:t>
+              <a:rPr lang="nl-BE" dirty="0"/>
+              <a:t>Love </a:t>
+            </a:r>
+            <a:r>
+              <a:rPr lang="nl-BE" dirty="0" err="1"/>
+              <a:t>the</a:t>
+            </a:r>
+            <a:r>
+              <a:rPr lang="nl-BE" dirty="0"/>
+              <a:t> </a:t>
+            </a:r>
+            <a:r>
+              <a:rPr lang="nl-BE" dirty="0" err="1"/>
+              <a:t>fact</a:t>
+            </a:r>
+            <a:r>
+              <a:rPr lang="nl-BE" dirty="0"/>
+              <a:t> </a:t>
+            </a:r>
+            <a:r>
+              <a:rPr lang="nl-BE" dirty="0" err="1"/>
+              <a:t>that</a:t>
+            </a:r>
+            <a:r>
+              <a:rPr lang="nl-BE" dirty="0"/>
+              <a:t> </a:t>
+            </a:r>
+            <a:r>
+              <a:rPr lang="nl-BE" dirty="0" err="1"/>
+              <a:t>you</a:t>
+            </a:r>
+            <a:r>
+              <a:rPr lang="nl-BE" dirty="0"/>
+              <a:t> </a:t>
+            </a:r>
+            <a:r>
+              <a:rPr lang="nl-BE" dirty="0" err="1"/>
+              <a:t>can</a:t>
+            </a:r>
+            <a:r>
+              <a:rPr lang="nl-BE" dirty="0"/>
+              <a:t> do </a:t>
+            </a:r>
+            <a:r>
+              <a:rPr lang="nl-BE" dirty="0" err="1"/>
+              <a:t>everything</a:t>
+            </a:r>
+            <a:r>
+              <a:rPr lang="nl-BE" dirty="0"/>
+              <a:t> </a:t>
+            </a:r>
+            <a:r>
+              <a:rPr lang="nl-BE" dirty="0" err="1"/>
+              <a:t>with</a:t>
+            </a:r>
+            <a:r>
+              <a:rPr lang="nl-BE" dirty="0"/>
+              <a:t> WMI</a:t>
             </a:r>
           </a:p>
           <a:p>
             <a:pPr lvl="1"/>
             <a:r>
-              <a:rPr lang="en-GB" dirty="0"/>
-              <a:t>Methods: describe the actions that can be performed on the object</a:t>
+              <a:rPr lang="nl-BE" dirty="0" err="1"/>
+              <a:t>Hate</a:t>
+            </a:r>
+            <a:r>
+              <a:rPr lang="nl-BE" dirty="0"/>
+              <a:t> </a:t>
+            </a:r>
+            <a:r>
+              <a:rPr lang="nl-BE" dirty="0" err="1"/>
+              <a:t>the</a:t>
+            </a:r>
+            <a:r>
+              <a:rPr lang="nl-BE" dirty="0"/>
+              <a:t> </a:t>
+            </a:r>
+            <a:r>
+              <a:rPr lang="nl-BE" dirty="0" err="1"/>
+              <a:t>fact</a:t>
+            </a:r>
+            <a:r>
+              <a:rPr lang="nl-BE" dirty="0"/>
+              <a:t> </a:t>
+            </a:r>
+            <a:r>
+              <a:rPr lang="nl-BE" dirty="0" err="1"/>
+              <a:t>that</a:t>
+            </a:r>
+            <a:r>
+              <a:rPr lang="nl-BE" dirty="0"/>
+              <a:t> </a:t>
+            </a:r>
+            <a:r>
+              <a:rPr lang="nl-BE" dirty="0" err="1"/>
+              <a:t>it</a:t>
+            </a:r>
+            <a:r>
+              <a:rPr lang="nl-BE" dirty="0"/>
+              <a:t> is </a:t>
+            </a:r>
+            <a:r>
+              <a:rPr lang="nl-BE" dirty="0" err="1"/>
+              <a:t>very</a:t>
+            </a:r>
+            <a:r>
+              <a:rPr lang="nl-BE" dirty="0"/>
+              <a:t> </a:t>
+            </a:r>
+            <a:r>
+              <a:rPr lang="nl-BE" dirty="0" err="1"/>
+              <a:t>difficult</a:t>
+            </a:r>
+            <a:r>
+              <a:rPr lang="nl-BE" dirty="0"/>
+              <a:t> </a:t>
+            </a:r>
+            <a:r>
+              <a:rPr lang="nl-BE" dirty="0" err="1"/>
+              <a:t>to</a:t>
+            </a:r>
+            <a:r>
+              <a:rPr lang="nl-BE" dirty="0"/>
+              <a:t> </a:t>
+            </a:r>
+            <a:r>
+              <a:rPr lang="nl-BE" dirty="0" err="1"/>
+              <a:t>find</a:t>
+            </a:r>
+            <a:r>
+              <a:rPr lang="nl-BE" dirty="0"/>
+              <a:t> </a:t>
+            </a:r>
+            <a:r>
+              <a:rPr lang="nl-BE" dirty="0" err="1"/>
+              <a:t>the</a:t>
+            </a:r>
+            <a:r>
+              <a:rPr lang="nl-BE" dirty="0"/>
+              <a:t> right class</a:t>
+            </a:r>
+          </a:p>
+          <a:p>
+            <a:r>
+              <a:rPr lang="nl-BE" dirty="0"/>
+              <a:t>The WMI </a:t>
+            </a:r>
+            <a:r>
+              <a:rPr lang="nl-BE" dirty="0" err="1"/>
+              <a:t>explorer</a:t>
+            </a:r>
+            <a:r>
+              <a:rPr lang="nl-BE" dirty="0"/>
+              <a:t>:</a:t>
             </a:r>
           </a:p>
           <a:p>
             <a:pPr lvl="1"/>
             <a:r>
-              <a:rPr lang="en-GB" dirty="0"/>
-              <a:t>Qualifiers: Provide additional information about a class, a property or a method</a:t>
-            </a:r>
-          </a:p>
-          <a:p>
-            <a:r>
-              <a:rPr lang="en-GB" dirty="0"/>
-              <a:t>Hierarchically organized</a:t>
-            </a:r>
+              <a:rPr lang="nl-BE" dirty="0">
+                <a:hlinkClick r:id="rId2"/>
+              </a:rPr>
+              <a:t>https://wmie.codeplex.com/</a:t>
+            </a:r>
+            <a:endParaRPr lang="nl-BE" dirty="0"/>
           </a:p>
           <a:p>
             <a:pPr lvl="1"/>
             <a:r>
-              <a:rPr lang="en-GB" dirty="0"/>
-              <a:t>Child classes inherit properties, methods and qualifiers and add their own properties, methods and qualifiers</a:t>
-            </a:r>
-          </a:p>
-          <a:p>
+              <a:rPr lang="nl-BE" dirty="0"/>
+              <a:t>A </a:t>
+            </a:r>
             <a:r>
               <a:rPr lang="nl-BE" dirty="0" err="1"/>
-              <a:t>Example</a:t>
-            </a:r>
-            <a:r>
-              <a:rPr lang="nl-BE" dirty="0"/>
-              <a:t>: Methods.ps1</a:t>
-            </a:r>
-            <a:endParaRPr lang="en-GB" dirty="0"/>
-          </a:p>
-          <a:p>
-            <a:endParaRPr lang="en-GB" dirty="0"/>
+              <a:t>PowerShell</a:t>
+            </a:r>
+            <a:r>
+              <a:rPr lang="nl-BE" i="1" dirty="0" err="1"/>
+              <a:t>script</a:t>
+            </a:r>
+            <a:endParaRPr lang="nl-BE" i="1" dirty="0"/>
           </a:p>
         </p:txBody>
       </p:sp>
     </p:spTree>
     <p:extLst>
       <p:ext uri="{BB962C8B-B14F-4D97-AF65-F5344CB8AC3E}">
-        <p14:creationId xmlns:p14="http://schemas.microsoft.com/office/powerpoint/2010/main" val="3330120332"/>
+        <p14:creationId xmlns:p14="http://schemas.microsoft.com/office/powerpoint/2010/main" val="3984896095"/>
       </p:ext>
     </p:extLst>
   </p:cSld>
@@ -7793,7 +7494,11 @@
           <a:p>
             <a:r>
               <a:rPr lang="nl-BE" dirty="0"/>
-              <a:t>WMI</a:t>
+              <a:t>Date </a:t>
+            </a:r>
+            <a:r>
+              <a:rPr lang="nl-BE" dirty="0" err="1"/>
+              <a:t>conversion</a:t>
             </a:r>
             <a:endParaRPr lang="en-GB" dirty="0"/>
           </a:p>
@@ -7816,206 +7521,445 @@
           <a:p>
             <a:r>
               <a:rPr lang="nl-BE" dirty="0"/>
-              <a:t>Love-</a:t>
+              <a:t>WMI </a:t>
             </a:r>
             <a:r>
               <a:rPr lang="nl-BE" dirty="0" err="1"/>
-              <a:t>hate</a:t>
-            </a:r>
-            <a:endParaRPr lang="nl-BE" dirty="0"/>
+              <a:t>provides</a:t>
+            </a:r>
+            <a:r>
+              <a:rPr lang="nl-BE" dirty="0"/>
+              <a:t> dates in UTC-format</a:t>
+            </a:r>
           </a:p>
           <a:p>
             <a:pPr lvl="1"/>
             <a:r>
-              <a:rPr lang="nl-BE" dirty="0"/>
-              <a:t>Love </a:t>
-            </a:r>
-            <a:r>
-              <a:rPr lang="nl-BE" dirty="0" err="1"/>
-              <a:t>the</a:t>
-            </a:r>
-            <a:r>
-              <a:rPr lang="nl-BE" dirty="0"/>
+              <a:rPr lang="en-GB" dirty="0"/>
               <a:t> </a:t>
             </a:r>
-            <a:r>
-              <a:rPr lang="nl-BE" dirty="0" err="1"/>
-              <a:t>fact</a:t>
-            </a:r>
-            <a:r>
-              <a:rPr lang="nl-BE" dirty="0"/>
+          </a:p>
+          <a:p>
+            <a:endParaRPr lang="en-GB" dirty="0"/>
+          </a:p>
+          <a:p>
+            <a:r>
+              <a:rPr lang="en-GB" dirty="0"/>
+              <a:t>Get-Cim… </a:t>
+            </a:r>
+            <a:r>
+              <a:rPr lang="en-GB" dirty="0" err="1"/>
+              <a:t>performes</a:t>
+            </a:r>
+            <a:r>
+              <a:rPr lang="en-GB" dirty="0"/>
+              <a:t> automatic conversion</a:t>
+            </a:r>
+          </a:p>
+          <a:p>
+            <a:pPr lvl="1"/>
+            <a:r>
+              <a:rPr lang="en-GB" dirty="0"/>
+              <a:t>  </a:t>
+            </a:r>
+          </a:p>
+          <a:p>
+            <a:pPr lvl="1"/>
+            <a:endParaRPr lang="en-GB" dirty="0"/>
+          </a:p>
+          <a:p>
+            <a:pPr lvl="1"/>
+            <a:endParaRPr lang="en-GB" dirty="0"/>
+          </a:p>
+          <a:p>
+            <a:endParaRPr lang="en-GB" dirty="0"/>
+          </a:p>
+        </p:txBody>
+      </p:sp>
+      <p:pic>
+        <p:nvPicPr>
+          <p:cNvPr id="4" name="Picture 3"/>
+          <p:cNvPicPr>
+            <a:picLocks noChangeAspect="1"/>
+          </p:cNvPicPr>
+          <p:nvPr/>
+        </p:nvPicPr>
+        <p:blipFill>
+          <a:blip r:embed="rId2"/>
+          <a:stretch>
+            <a:fillRect/>
+          </a:stretch>
+        </p:blipFill>
+        <p:spPr>
+          <a:xfrm>
+            <a:off x="2345417" y="2826529"/>
+            <a:ext cx="7501167" cy="257183"/>
+          </a:xfrm>
+          <a:prstGeom prst="rect">
+            <a:avLst/>
+          </a:prstGeom>
+        </p:spPr>
+      </p:pic>
+      <p:pic>
+        <p:nvPicPr>
+          <p:cNvPr id="5" name="Picture 4"/>
+          <p:cNvPicPr>
+            <a:picLocks noChangeAspect="1"/>
+          </p:cNvPicPr>
+          <p:nvPr/>
+        </p:nvPicPr>
+        <p:blipFill>
+          <a:blip r:embed="rId3"/>
+          <a:stretch>
+            <a:fillRect/>
+          </a:stretch>
+        </p:blipFill>
+        <p:spPr>
+          <a:xfrm>
+            <a:off x="2345417" y="4555439"/>
+            <a:ext cx="4474887" cy="307989"/>
+          </a:xfrm>
+          <a:prstGeom prst="rect">
+            <a:avLst/>
+          </a:prstGeom>
+        </p:spPr>
+      </p:pic>
+      <p:sp>
+        <p:nvSpPr>
+          <p:cNvPr id="7" name="TextBox 6">
+            <a:extLst>
+              <a:ext uri="{FF2B5EF4-FFF2-40B4-BE49-F238E27FC236}">
+                <a16:creationId xmlns:a16="http://schemas.microsoft.com/office/drawing/2014/main" id="{CD2C896B-CC8B-4C0A-82A2-79E15C990F7C}"/>
+              </a:ext>
+            </a:extLst>
+          </p:cNvPr>
+          <p:cNvSpPr txBox="1"/>
+          <p:nvPr/>
+        </p:nvSpPr>
+        <p:spPr>
+          <a:xfrm>
+            <a:off x="1628503" y="2277945"/>
+            <a:ext cx="9596846" cy="646331"/>
+          </a:xfrm>
+          <a:prstGeom prst="rect">
+            <a:avLst/>
+          </a:prstGeom>
+          <a:noFill/>
+        </p:spPr>
+        <p:txBody>
+          <a:bodyPr wrap="square">
+            <a:spAutoFit/>
+          </a:bodyPr>
+          <a:lstStyle/>
+          <a:p>
+            <a:r>
+              <a:rPr lang="en-US" dirty="0"/>
               <a:t> </a:t>
             </a:r>
             <a:r>
-              <a:rPr lang="nl-BE" dirty="0" err="1"/>
-              <a:t>that</a:t>
-            </a:r>
-            <a:r>
-              <a:rPr lang="nl-BE" dirty="0"/>
+              <a:rPr lang="en-US" sz="1800" dirty="0">
+                <a:solidFill>
+                  <a:srgbClr val="0000FF"/>
+                </a:solidFill>
+                <a:latin typeface="Lucida Console" panose="020B0609040504020204" pitchFamily="49" charset="0"/>
+              </a:rPr>
+              <a:t>Get-</a:t>
+            </a:r>
+            <a:r>
+              <a:rPr lang="en-US" sz="1800" dirty="0" err="1">
+                <a:solidFill>
+                  <a:srgbClr val="0000FF"/>
+                </a:solidFill>
+                <a:latin typeface="Lucida Console" panose="020B0609040504020204" pitchFamily="49" charset="0"/>
+              </a:rPr>
+              <a:t>WmiObject</a:t>
+            </a:r>
+            <a:r>
+              <a:rPr lang="en-US" sz="1800" dirty="0">
+                <a:solidFill>
+                  <a:prstClr val="black"/>
+                </a:solidFill>
+                <a:latin typeface="Lucida Console" panose="020B0609040504020204" pitchFamily="49" charset="0"/>
+              </a:rPr>
               <a:t> </a:t>
             </a:r>
             <a:r>
-              <a:rPr lang="nl-BE" dirty="0" err="1"/>
-              <a:t>you</a:t>
-            </a:r>
-            <a:r>
-              <a:rPr lang="nl-BE" dirty="0"/>
+              <a:rPr lang="en-US" sz="1800" dirty="0">
+                <a:solidFill>
+                  <a:srgbClr val="000080"/>
+                </a:solidFill>
+                <a:latin typeface="Lucida Console" panose="020B0609040504020204" pitchFamily="49" charset="0"/>
+              </a:rPr>
+              <a:t>-Class</a:t>
+            </a:r>
+            <a:r>
+              <a:rPr lang="en-US" sz="1800" dirty="0">
+                <a:solidFill>
+                  <a:prstClr val="black"/>
+                </a:solidFill>
+                <a:latin typeface="Lucida Console" panose="020B0609040504020204" pitchFamily="49" charset="0"/>
+              </a:rPr>
               <a:t> </a:t>
             </a:r>
             <a:r>
-              <a:rPr lang="nl-BE" dirty="0" err="1"/>
-              <a:t>can</a:t>
-            </a:r>
-            <a:r>
-              <a:rPr lang="nl-BE" dirty="0"/>
-              <a:t> do </a:t>
-            </a:r>
-            <a:r>
-              <a:rPr lang="nl-BE" dirty="0" err="1"/>
-              <a:t>everything</a:t>
-            </a:r>
-            <a:r>
-              <a:rPr lang="nl-BE" dirty="0"/>
+              <a:rPr lang="en-US" sz="1800" dirty="0">
+                <a:solidFill>
+                  <a:srgbClr val="8A2BE2"/>
+                </a:solidFill>
+                <a:latin typeface="Lucida Console" panose="020B0609040504020204" pitchFamily="49" charset="0"/>
+              </a:rPr>
+              <a:t>Win32_OperatingSystem</a:t>
+            </a:r>
+            <a:r>
+              <a:rPr lang="en-US" sz="1800" dirty="0">
+                <a:solidFill>
+                  <a:prstClr val="black"/>
+                </a:solidFill>
+                <a:latin typeface="Lucida Console" panose="020B0609040504020204" pitchFamily="49" charset="0"/>
+              </a:rPr>
               <a:t> </a:t>
             </a:r>
             <a:r>
-              <a:rPr lang="nl-BE" dirty="0" err="1"/>
-              <a:t>with</a:t>
-            </a:r>
-            <a:r>
-              <a:rPr lang="nl-BE" dirty="0"/>
-              <a:t> WMI</a:t>
-            </a:r>
-          </a:p>
-          <a:p>
-            <a:pPr lvl="1"/>
-            <a:r>
-              <a:rPr lang="nl-BE" dirty="0" err="1"/>
-              <a:t>Hate</a:t>
-            </a:r>
-            <a:r>
-              <a:rPr lang="nl-BE" dirty="0"/>
+              <a:rPr lang="en-US" sz="1800" dirty="0">
+                <a:solidFill>
+                  <a:srgbClr val="000080"/>
+                </a:solidFill>
+                <a:latin typeface="Lucida Console" panose="020B0609040504020204" pitchFamily="49" charset="0"/>
+              </a:rPr>
+              <a:t>-property</a:t>
+            </a:r>
+            <a:r>
+              <a:rPr lang="en-US" sz="1800" dirty="0">
+                <a:solidFill>
+                  <a:prstClr val="black"/>
+                </a:solidFill>
+                <a:latin typeface="Lucida Console" panose="020B0609040504020204" pitchFamily="49" charset="0"/>
+              </a:rPr>
               <a:t> </a:t>
             </a:r>
             <a:r>
-              <a:rPr lang="nl-BE" dirty="0" err="1"/>
-              <a:t>the</a:t>
-            </a:r>
-            <a:r>
-              <a:rPr lang="nl-BE" dirty="0"/>
+              <a:rPr lang="en-US" sz="1800" dirty="0" err="1">
+                <a:solidFill>
+                  <a:srgbClr val="8A2BE2"/>
+                </a:solidFill>
+                <a:latin typeface="Lucida Console" panose="020B0609040504020204" pitchFamily="49" charset="0"/>
+              </a:rPr>
+              <a:t>LastBootUpTime</a:t>
+            </a:r>
+            <a:r>
+              <a:rPr lang="en-US" sz="1800" dirty="0">
+                <a:solidFill>
+                  <a:prstClr val="black"/>
+                </a:solidFill>
+                <a:latin typeface="Lucida Console" panose="020B0609040504020204" pitchFamily="49" charset="0"/>
+              </a:rPr>
               <a:t> </a:t>
             </a:r>
-            <a:r>
-              <a:rPr lang="nl-BE" dirty="0" err="1"/>
-              <a:t>fact</a:t>
-            </a:r>
-            <a:r>
-              <a:rPr lang="nl-BE" dirty="0"/>
+          </a:p>
+          <a:p>
+            <a:r>
+              <a:rPr lang="en-GB" sz="1800" dirty="0">
+                <a:solidFill>
+                  <a:prstClr val="black"/>
+                </a:solidFill>
+                <a:latin typeface="Lucida Console" panose="020B0609040504020204" pitchFamily="49" charset="0"/>
+              </a:rPr>
               <a:t> </a:t>
             </a:r>
-            <a:r>
-              <a:rPr lang="nl-BE" dirty="0" err="1"/>
-              <a:t>that</a:t>
-            </a:r>
-            <a:r>
-              <a:rPr lang="nl-BE" dirty="0"/>
+          </a:p>
+        </p:txBody>
+      </p:sp>
+      <p:sp>
+        <p:nvSpPr>
+          <p:cNvPr id="9" name="TextBox 8">
+            <a:extLst>
+              <a:ext uri="{FF2B5EF4-FFF2-40B4-BE49-F238E27FC236}">
+                <a16:creationId xmlns:a16="http://schemas.microsoft.com/office/drawing/2014/main" id="{90BF6E1D-4A5A-44B8-82EB-CF61123D40D7}"/>
+              </a:ext>
+            </a:extLst>
+          </p:cNvPr>
+          <p:cNvSpPr txBox="1"/>
+          <p:nvPr/>
+        </p:nvSpPr>
+        <p:spPr>
+          <a:xfrm>
+            <a:off x="1628503" y="3774289"/>
+            <a:ext cx="8900160" cy="646331"/>
+          </a:xfrm>
+          <a:prstGeom prst="rect">
+            <a:avLst/>
+          </a:prstGeom>
+          <a:noFill/>
+        </p:spPr>
+        <p:txBody>
+          <a:bodyPr wrap="square">
+            <a:spAutoFit/>
+          </a:bodyPr>
+          <a:lstStyle/>
+          <a:p>
+            <a:r>
+              <a:rPr lang="en-US" dirty="0"/>
               <a:t> </a:t>
             </a:r>
             <a:r>
-              <a:rPr lang="nl-BE" dirty="0" err="1"/>
-              <a:t>it</a:t>
-            </a:r>
-            <a:r>
-              <a:rPr lang="nl-BE" dirty="0"/>
-              <a:t> is </a:t>
-            </a:r>
-            <a:r>
-              <a:rPr lang="nl-BE" dirty="0" err="1"/>
-              <a:t>very</a:t>
-            </a:r>
-            <a:r>
-              <a:rPr lang="nl-BE" dirty="0"/>
+              <a:rPr lang="en-US" sz="1800" dirty="0">
+                <a:latin typeface="Lucida Console" panose="020B0609040504020204" pitchFamily="49" charset="0"/>
+              </a:rPr>
+              <a:t>(</a:t>
+            </a:r>
+            <a:r>
+              <a:rPr lang="en-US" sz="1800" dirty="0">
+                <a:solidFill>
+                  <a:srgbClr val="0000FF"/>
+                </a:solidFill>
+                <a:latin typeface="Lucida Console" panose="020B0609040504020204" pitchFamily="49" charset="0"/>
+              </a:rPr>
+              <a:t>Get-</a:t>
+            </a:r>
+            <a:r>
+              <a:rPr lang="en-US" sz="1800" dirty="0" err="1">
+                <a:solidFill>
+                  <a:srgbClr val="0000FF"/>
+                </a:solidFill>
+                <a:latin typeface="Lucida Console" panose="020B0609040504020204" pitchFamily="49" charset="0"/>
+              </a:rPr>
+              <a:t>CimInstance</a:t>
+            </a:r>
+            <a:r>
+              <a:rPr lang="en-US" sz="1800" dirty="0">
+                <a:solidFill>
+                  <a:prstClr val="black"/>
+                </a:solidFill>
+                <a:latin typeface="Lucida Console" panose="020B0609040504020204" pitchFamily="49" charset="0"/>
+              </a:rPr>
               <a:t> </a:t>
             </a:r>
             <a:r>
-              <a:rPr lang="nl-BE" dirty="0" err="1"/>
-              <a:t>difficult</a:t>
-            </a:r>
-            <a:r>
-              <a:rPr lang="nl-BE" dirty="0"/>
+              <a:rPr lang="en-US" sz="1800" dirty="0">
+                <a:solidFill>
+                  <a:srgbClr val="000080"/>
+                </a:solidFill>
+                <a:latin typeface="Lucida Console" panose="020B0609040504020204" pitchFamily="49" charset="0"/>
+              </a:rPr>
+              <a:t>-Class</a:t>
+            </a:r>
+            <a:r>
+              <a:rPr lang="en-US" sz="1800" dirty="0">
+                <a:solidFill>
+                  <a:prstClr val="black"/>
+                </a:solidFill>
+                <a:latin typeface="Lucida Console" panose="020B0609040504020204" pitchFamily="49" charset="0"/>
+              </a:rPr>
               <a:t> </a:t>
             </a:r>
             <a:r>
-              <a:rPr lang="nl-BE" dirty="0" err="1"/>
-              <a:t>to</a:t>
-            </a:r>
-            <a:r>
-              <a:rPr lang="nl-BE" dirty="0"/>
+              <a:rPr lang="en-US" sz="1800" dirty="0">
+                <a:solidFill>
+                  <a:srgbClr val="8A2BE2"/>
+                </a:solidFill>
+                <a:latin typeface="Lucida Console" panose="020B0609040504020204" pitchFamily="49" charset="0"/>
+              </a:rPr>
+              <a:t>Win32_OperatingSystem</a:t>
+            </a:r>
+            <a:r>
+              <a:rPr lang="en-US" sz="1800" dirty="0">
+                <a:solidFill>
+                  <a:prstClr val="black"/>
+                </a:solidFill>
+                <a:latin typeface="Lucida Console" panose="020B0609040504020204" pitchFamily="49" charset="0"/>
+              </a:rPr>
+              <a:t> `</a:t>
+            </a:r>
+          </a:p>
+          <a:p>
+            <a:r>
+              <a:rPr lang="en-US" sz="1800">
+                <a:solidFill>
+                  <a:prstClr val="black"/>
+                </a:solidFill>
+                <a:latin typeface="Lucida Console" panose="020B0609040504020204" pitchFamily="49" charset="0"/>
+              </a:rPr>
+              <a:t>					</a:t>
+            </a:r>
+            <a:r>
+              <a:rPr lang="en-US" sz="1800">
+                <a:solidFill>
+                  <a:srgbClr val="000080"/>
+                </a:solidFill>
+                <a:latin typeface="Lucida Console" panose="020B0609040504020204" pitchFamily="49" charset="0"/>
+              </a:rPr>
+              <a:t>-</a:t>
+            </a:r>
+            <a:r>
+              <a:rPr lang="en-US" sz="1800" dirty="0">
+                <a:solidFill>
+                  <a:srgbClr val="000080"/>
+                </a:solidFill>
+                <a:latin typeface="Lucida Console" panose="020B0609040504020204" pitchFamily="49" charset="0"/>
+              </a:rPr>
+              <a:t>property</a:t>
+            </a:r>
+            <a:r>
+              <a:rPr lang="en-US" sz="1800" dirty="0">
+                <a:solidFill>
+                  <a:prstClr val="black"/>
+                </a:solidFill>
+                <a:latin typeface="Lucida Console" panose="020B0609040504020204" pitchFamily="49" charset="0"/>
+              </a:rPr>
               <a:t> </a:t>
             </a:r>
             <a:r>
-              <a:rPr lang="nl-BE" dirty="0" err="1"/>
-              <a:t>find</a:t>
-            </a:r>
-            <a:r>
-              <a:rPr lang="nl-BE" dirty="0"/>
-              <a:t> </a:t>
-            </a:r>
-            <a:r>
-              <a:rPr lang="nl-BE" dirty="0" err="1"/>
-              <a:t>the</a:t>
-            </a:r>
-            <a:r>
-              <a:rPr lang="nl-BE" dirty="0"/>
-              <a:t> right class</a:t>
-            </a:r>
-          </a:p>
-          <a:p>
-            <a:r>
-              <a:rPr lang="nl-BE" dirty="0"/>
-              <a:t>The WMI </a:t>
-            </a:r>
-            <a:r>
-              <a:rPr lang="nl-BE" dirty="0" err="1"/>
-              <a:t>explorer</a:t>
-            </a:r>
-            <a:r>
-              <a:rPr lang="nl-BE" dirty="0"/>
-              <a:t>:</a:t>
-            </a:r>
-          </a:p>
-          <a:p>
-            <a:pPr lvl="1"/>
-            <a:r>
-              <a:rPr lang="nl-BE" dirty="0">
-                <a:hlinkClick r:id="rId2"/>
+              <a:rPr lang="en-US" sz="1800" dirty="0" err="1">
+                <a:solidFill>
+                  <a:srgbClr val="8A2BE2"/>
+                </a:solidFill>
+                <a:latin typeface="Lucida Console" panose="020B0609040504020204" pitchFamily="49" charset="0"/>
               </a:rPr>
-              <a:t>https://wmie.codeplex.com/</a:t>
-            </a:r>
-            <a:endParaRPr lang="nl-BE" dirty="0"/>
-          </a:p>
-          <a:p>
-            <a:pPr lvl="1"/>
-            <a:r>
-              <a:rPr lang="nl-BE" dirty="0"/>
-              <a:t>A </a:t>
-            </a:r>
-            <a:r>
-              <a:rPr lang="nl-BE" dirty="0" err="1"/>
-              <a:t>PowerShell</a:t>
-            </a:r>
-            <a:r>
-              <a:rPr lang="nl-BE" i="1" dirty="0" err="1"/>
-              <a:t>script</a:t>
-            </a:r>
-            <a:endParaRPr lang="nl-BE" i="1" dirty="0"/>
+              <a:t>LastBootUpTime</a:t>
+            </a:r>
+            <a:r>
+              <a:rPr lang="en-US" sz="1800" dirty="0">
+                <a:solidFill>
+                  <a:prstClr val="black"/>
+                </a:solidFill>
+                <a:latin typeface="Lucida Console" panose="020B0609040504020204" pitchFamily="49" charset="0"/>
+              </a:rPr>
+              <a:t>)</a:t>
+            </a:r>
+            <a:r>
+              <a:rPr lang="en-US" sz="1800" dirty="0">
+                <a:solidFill>
+                  <a:srgbClr val="696969"/>
+                </a:solidFill>
+                <a:latin typeface="Lucida Console" panose="020B0609040504020204" pitchFamily="49" charset="0"/>
+              </a:rPr>
+              <a:t>.</a:t>
+            </a:r>
+            <a:r>
+              <a:rPr lang="en-US" sz="1800" dirty="0" err="1">
+                <a:solidFill>
+                  <a:prstClr val="black"/>
+                </a:solidFill>
+                <a:latin typeface="Lucida Console" panose="020B0609040504020204" pitchFamily="49" charset="0"/>
+              </a:rPr>
+              <a:t>lastbootuptime</a:t>
+            </a:r>
+            <a:r>
+              <a:rPr lang="en-US" sz="1800" dirty="0">
+                <a:solidFill>
+                  <a:prstClr val="black"/>
+                </a:solidFill>
+                <a:latin typeface="Lucida Console" panose="020B0609040504020204" pitchFamily="49" charset="0"/>
+              </a:rPr>
+              <a:t>   </a:t>
+            </a:r>
           </a:p>
         </p:txBody>
       </p:sp>
     </p:spTree>
     <p:extLst>
       <p:ext uri="{BB962C8B-B14F-4D97-AF65-F5344CB8AC3E}">
-        <p14:creationId xmlns:p14="http://schemas.microsoft.com/office/powerpoint/2010/main" val="3984896095"/>
+        <p14:creationId xmlns:p14="http://schemas.microsoft.com/office/powerpoint/2010/main" val="4214010423"/>
       </p:ext>
     </p:extLst>
   </p:cSld>
